--- a/EDIS/EDIS/wwwroot/Files/Manual/BMED_Rep_UserManual.pptx
+++ b/EDIS/EDIS/wwwroot/Files/Manual/BMED_Rep_UserManual.pptx
@@ -5,10 +5,10 @@
     <p:sldMasterId id="2147483648" r:id="rId1"/>
   </p:sldMasterIdLst>
   <p:notesMasterIdLst>
-    <p:notesMasterId r:id="rId26"/>
+    <p:notesMasterId r:id="rId27"/>
   </p:notesMasterIdLst>
   <p:handoutMasterIdLst>
-    <p:handoutMasterId r:id="rId27"/>
+    <p:handoutMasterId r:id="rId28"/>
   </p:handoutMasterIdLst>
   <p:sldIdLst>
     <p:sldId id="256" r:id="rId2"/>
@@ -32,9 +32,10 @@
     <p:sldId id="348" r:id="rId20"/>
     <p:sldId id="349" r:id="rId21"/>
     <p:sldId id="350" r:id="rId22"/>
-    <p:sldId id="351" r:id="rId23"/>
-    <p:sldId id="352" r:id="rId24"/>
-    <p:sldId id="353" r:id="rId25"/>
+    <p:sldId id="354" r:id="rId23"/>
+    <p:sldId id="351" r:id="rId24"/>
+    <p:sldId id="352" r:id="rId25"/>
+    <p:sldId id="353" r:id="rId26"/>
   </p:sldIdLst>
   <p:sldSz cx="9144000" cy="6858000" type="screen4x3"/>
   <p:notesSz cx="6858000" cy="9144000"/>
@@ -135,7 +136,7 @@
   </p:defaultTextStyle>
   <p:extLst>
     <p:ext uri="{EFAFB233-063F-42B5-8137-9DF3F51BA10A}">
-      <p15:sldGuideLst xmlns:p15="http://schemas.microsoft.com/office/powerpoint/2012/main" xmlns="">
+      <p15:sldGuideLst xmlns="" xmlns:p15="http://schemas.microsoft.com/office/powerpoint/2012/main">
         <p15:guide id="1" orient="horz" pos="2160">
           <p15:clr>
             <a:srgbClr val="A4A3A4"/>
@@ -149,7 +150,7 @@
       </p15:sldGuideLst>
     </p:ext>
     <p:ext uri="{2D200454-40CA-4A62-9FC3-DE9A4176ACB9}">
-      <p15:notesGuideLst xmlns:p15="http://schemas.microsoft.com/office/powerpoint/2012/main" xmlns="">
+      <p15:notesGuideLst xmlns="" xmlns:p15="http://schemas.microsoft.com/office/powerpoint/2012/main">
         <p15:guide id="1" orient="horz" pos="2880">
           <p15:clr>
             <a:srgbClr val="A4A3A4"/>
@@ -248,7 +249,7 @@
           <a:p>
             <a:fld id="{9904B75E-9ABF-465C-A0FA-72748E28DF71}" type="datetimeFigureOut">
               <a:rPr lang="zh-TW" altLang="en-US" smtClean="0"/>
-              <a:t>2019/8/13</a:t>
+              <a:t>2019/9/2</a:t>
             </a:fld>
             <a:endParaRPr lang="zh-TW" altLang="en-US"/>
           </a:p>
@@ -413,7 +414,7 @@
           <a:p>
             <a:fld id="{7F3D6452-1CB3-4945-9170-A4F42614C54D}" type="datetimeFigureOut">
               <a:rPr lang="zh-TW" altLang="en-US" smtClean="0"/>
-              <a:t>2019/8/13</a:t>
+              <a:t>2019/9/2</a:t>
             </a:fld>
             <a:endParaRPr lang="zh-TW" altLang="en-US"/>
           </a:p>
@@ -1838,6 +1839,90 @@
             <a:fld id="{0A67E3EC-CC91-4B51-8447-32BAC58B108B}" type="slidenum">
               <a:rPr lang="zh-TW" altLang="en-US" smtClean="0"/>
               <a:t>24</a:t>
+            </a:fld>
+            <a:endParaRPr lang="zh-TW" altLang="en-US"/>
+          </a:p>
+        </p:txBody>
+      </p:sp>
+    </p:spTree>
+    <p:extLst>
+      <p:ext uri="{BB962C8B-B14F-4D97-AF65-F5344CB8AC3E}">
+        <p14:creationId xmlns:p14="http://schemas.microsoft.com/office/powerpoint/2010/main" val="3097123"/>
+      </p:ext>
+    </p:extLst>
+  </p:cSld>
+  <p:clrMapOvr>
+    <a:masterClrMapping/>
+  </p:clrMapOvr>
+</p:notes>
+</file>
+
+<file path=ppt/notesSlides/notesSlide22.xml><?xml version="1.0" encoding="utf-8"?>
+<p:notes xmlns:a="http://schemas.openxmlformats.org/drawingml/2006/main" xmlns:r="http://schemas.openxmlformats.org/officeDocument/2006/relationships" xmlns:p="http://schemas.openxmlformats.org/presentationml/2006/main">
+  <p:cSld>
+    <p:spTree>
+      <p:nvGrpSpPr>
+        <p:cNvPr id="1" name=""/>
+        <p:cNvGrpSpPr/>
+        <p:nvPr/>
+      </p:nvGrpSpPr>
+      <p:grpSpPr>
+        <a:xfrm>
+          <a:off x="0" y="0"/>
+          <a:ext cx="0" cy="0"/>
+          <a:chOff x="0" y="0"/>
+          <a:chExt cx="0" cy="0"/>
+        </a:xfrm>
+      </p:grpSpPr>
+      <p:sp>
+        <p:nvSpPr>
+          <p:cNvPr id="2" name="投影片圖像版面配置區 1"/>
+          <p:cNvSpPr>
+            <a:spLocks noGrp="1" noRot="1" noChangeAspect="1"/>
+          </p:cNvSpPr>
+          <p:nvPr>
+            <p:ph type="sldImg"/>
+          </p:nvPr>
+        </p:nvSpPr>
+        <p:spPr/>
+      </p:sp>
+      <p:sp>
+        <p:nvSpPr>
+          <p:cNvPr id="3" name="備忘稿版面配置區 2"/>
+          <p:cNvSpPr>
+            <a:spLocks noGrp="1"/>
+          </p:cNvSpPr>
+          <p:nvPr>
+            <p:ph type="body" idx="1"/>
+          </p:nvPr>
+        </p:nvSpPr>
+        <p:spPr/>
+        <p:txBody>
+          <a:bodyPr/>
+          <a:lstStyle/>
+          <a:p>
+            <a:endParaRPr lang="zh-TW" altLang="en-US" dirty="0"/>
+          </a:p>
+        </p:txBody>
+      </p:sp>
+      <p:sp>
+        <p:nvSpPr>
+          <p:cNvPr id="4" name="投影片編號版面配置區 3"/>
+          <p:cNvSpPr>
+            <a:spLocks noGrp="1"/>
+          </p:cNvSpPr>
+          <p:nvPr>
+            <p:ph type="sldNum" sz="quarter" idx="10"/>
+          </p:nvPr>
+        </p:nvSpPr>
+        <p:spPr/>
+        <p:txBody>
+          <a:bodyPr/>
+          <a:lstStyle/>
+          <a:p>
+            <a:fld id="{0A67E3EC-CC91-4B51-8447-32BAC58B108B}" type="slidenum">
+              <a:rPr lang="zh-TW" altLang="en-US" smtClean="0"/>
+              <a:t>25</a:t>
             </a:fld>
             <a:endParaRPr lang="zh-TW" altLang="en-US"/>
           </a:p>
@@ -5612,6 +5697,14 @@
             </a:r>
             <a:r>
               <a:rPr lang="en-US" altLang="zh-TW" dirty="0" smtClean="0"/>
+              <a:t>-</a:t>
+            </a:r>
+            <a:r>
+              <a:rPr lang="zh-TW" altLang="en-US" dirty="0" smtClean="0"/>
+              <a:t>送出</a:t>
+            </a:r>
+            <a:r>
+              <a:rPr lang="en-US" altLang="zh-TW" dirty="0" smtClean="0"/>
               <a:t>(6/6)</a:t>
             </a:r>
             <a:endParaRPr lang="en-US" altLang="zh-TW" dirty="0"/>
@@ -7682,8 +7775,8 @@
         </p:blipFill>
         <p:spPr>
           <a:xfrm>
-            <a:off x="507779" y="1052736"/>
-            <a:ext cx="8080393" cy="5111461"/>
+            <a:off x="1057115" y="1052736"/>
+            <a:ext cx="7049932" cy="5656125"/>
           </a:xfrm>
           <a:prstGeom prst="rect">
             <a:avLst/>
@@ -7698,7 +7791,7 @@
         </p:nvSpPr>
         <p:spPr>
           <a:xfrm>
-            <a:off x="3491880" y="1124745"/>
+            <a:off x="3635896" y="3284984"/>
             <a:ext cx="2808312" cy="369332"/>
           </a:xfrm>
           <a:prstGeom prst="rect">
@@ -7737,14 +7830,14 @@
         <p:nvCxnSpPr>
           <p:cNvPr id="35" name="直線單箭頭接點 34"/>
           <p:cNvCxnSpPr>
-            <a:stCxn id="12" idx="2"/>
+            <a:stCxn id="12" idx="1"/>
           </p:cNvCxnSpPr>
           <p:nvPr/>
         </p:nvCxnSpPr>
         <p:spPr>
-          <a:xfrm flipH="1">
-            <a:off x="2771802" y="1494077"/>
-            <a:ext cx="2124234" cy="710787"/>
+          <a:xfrm flipH="1" flipV="1">
+            <a:off x="3275857" y="3068960"/>
+            <a:ext cx="360039" cy="400690"/>
           </a:xfrm>
           <a:prstGeom prst="straightConnector1">
             <a:avLst/>
@@ -7772,14 +7865,14 @@
         <p:nvCxnSpPr>
           <p:cNvPr id="38" name="直線單箭頭接點 37"/>
           <p:cNvCxnSpPr>
-            <a:stCxn id="12" idx="2"/>
+            <a:stCxn id="12" idx="1"/>
           </p:cNvCxnSpPr>
           <p:nvPr/>
         </p:nvCxnSpPr>
         <p:spPr>
-          <a:xfrm flipH="1">
-            <a:off x="3707906" y="1494077"/>
-            <a:ext cx="1188130" cy="710787"/>
+          <a:xfrm flipH="1" flipV="1">
+            <a:off x="2627784" y="3068960"/>
+            <a:ext cx="1008112" cy="400690"/>
           </a:xfrm>
           <a:prstGeom prst="straightConnector1">
             <a:avLst/>
@@ -7807,84 +7900,14 @@
         <p:nvCxnSpPr>
           <p:cNvPr id="41" name="直線單箭頭接點 40"/>
           <p:cNvCxnSpPr>
-            <a:stCxn id="12" idx="2"/>
+            <a:stCxn id="12" idx="1"/>
           </p:cNvCxnSpPr>
           <p:nvPr/>
         </p:nvCxnSpPr>
         <p:spPr>
-          <a:xfrm flipH="1">
-            <a:off x="4499994" y="1494077"/>
-            <a:ext cx="396042" cy="710787"/>
-          </a:xfrm>
-          <a:prstGeom prst="straightConnector1">
-            <a:avLst/>
-          </a:prstGeom>
-          <a:ln>
-            <a:tailEnd type="arrow"/>
-          </a:ln>
-        </p:spPr>
-        <p:style>
-          <a:lnRef idx="2">
-            <a:schemeClr val="accent2"/>
-          </a:lnRef>
-          <a:fillRef idx="0">
-            <a:schemeClr val="accent2"/>
-          </a:fillRef>
-          <a:effectRef idx="1">
-            <a:schemeClr val="accent2"/>
-          </a:effectRef>
-          <a:fontRef idx="minor">
-            <a:schemeClr val="tx1"/>
-          </a:fontRef>
-        </p:style>
-      </p:cxnSp>
-      <p:cxnSp>
-        <p:nvCxnSpPr>
-          <p:cNvPr id="44" name="直線單箭頭接點 43"/>
-          <p:cNvCxnSpPr>
-            <a:stCxn id="12" idx="2"/>
-          </p:cNvCxnSpPr>
-          <p:nvPr/>
-        </p:nvCxnSpPr>
-        <p:spPr>
-          <a:xfrm>
-            <a:off x="4896036" y="1494077"/>
-            <a:ext cx="468052" cy="710787"/>
-          </a:xfrm>
-          <a:prstGeom prst="straightConnector1">
-            <a:avLst/>
-          </a:prstGeom>
-          <a:ln>
-            <a:tailEnd type="arrow"/>
-          </a:ln>
-        </p:spPr>
-        <p:style>
-          <a:lnRef idx="2">
-            <a:schemeClr val="accent2"/>
-          </a:lnRef>
-          <a:fillRef idx="0">
-            <a:schemeClr val="accent2"/>
-          </a:fillRef>
-          <a:effectRef idx="1">
-            <a:schemeClr val="accent2"/>
-          </a:effectRef>
-          <a:fontRef idx="minor">
-            <a:schemeClr val="tx1"/>
-          </a:fontRef>
-        </p:style>
-      </p:cxnSp>
-      <p:cxnSp>
-        <p:nvCxnSpPr>
-          <p:cNvPr id="47" name="直線單箭頭接點 46"/>
-          <p:cNvCxnSpPr>
-            <a:stCxn id="12" idx="2"/>
-          </p:cNvCxnSpPr>
-          <p:nvPr/>
-        </p:nvCxnSpPr>
-        <p:spPr>
-          <a:xfrm>
-            <a:off x="4896036" y="1494077"/>
-            <a:ext cx="1260140" cy="710787"/>
+          <a:xfrm flipH="1" flipV="1">
+            <a:off x="1763688" y="3068960"/>
+            <a:ext cx="1872208" cy="400690"/>
           </a:xfrm>
           <a:prstGeom prst="straightConnector1">
             <a:avLst/>
@@ -7968,7 +7991,7 @@
             </a:r>
             <a:r>
               <a:rPr lang="en-US" altLang="zh-TW" dirty="0" smtClean="0"/>
-              <a:t>(1/8)</a:t>
+              <a:t>(1/9)</a:t>
             </a:r>
             <a:endParaRPr lang="en-US" altLang="zh-TW" dirty="0"/>
           </a:p>
@@ -8025,7 +8048,7 @@
           </p:cNvPicPr>
           <p:nvPr/>
         </p:nvPicPr>
-        <p:blipFill rotWithShape="1">
+        <p:blipFill>
           <a:blip r:embed="rId3">
             <a:extLst>
               <a:ext uri="{28A0092B-C50C-407E-A947-70E740481C1C}">
@@ -8033,13 +8056,14 @@
               </a:ext>
             </a:extLst>
           </a:blip>
-          <a:srcRect l="15590" r="15694" b="8492"/>
-          <a:stretch/>
+          <a:stretch>
+            <a:fillRect/>
+          </a:stretch>
         </p:blipFill>
         <p:spPr>
           <a:xfrm>
-            <a:off x="650196" y="1196752"/>
-            <a:ext cx="7954647" cy="5159227"/>
+            <a:off x="683568" y="1052736"/>
+            <a:ext cx="7864068" cy="5372276"/>
           </a:xfrm>
           <a:prstGeom prst="rect">
             <a:avLst/>
@@ -8054,8 +8078,8 @@
         </p:nvSpPr>
         <p:spPr>
           <a:xfrm>
-            <a:off x="1259632" y="4312291"/>
-            <a:ext cx="3816424" cy="369332"/>
+            <a:off x="2267744" y="3793065"/>
+            <a:ext cx="4032448" cy="584775"/>
           </a:xfrm>
           <a:prstGeom prst="rect">
             <a:avLst/>
@@ -8101,9 +8125,38 @@
               <a:rPr lang="zh-TW" altLang="en-US" dirty="0" smtClean="0">
                 <a:latin typeface="新細明體"/>
               </a:rPr>
-              <a:t>」</a:t>
-            </a:r>
-            <a:endParaRPr lang="zh-TW" altLang="en-US" dirty="0"/>
+              <a:t>」 </a:t>
+            </a:r>
+            <a:endParaRPr lang="en-US" altLang="zh-TW" dirty="0" smtClean="0">
+              <a:latin typeface="新細明體"/>
+            </a:endParaRPr>
+          </a:p>
+          <a:p>
+            <a:r>
+              <a:rPr lang="en-US" altLang="zh-TW" sz="1400" dirty="0" smtClean="0">
+                <a:latin typeface="新細明體"/>
+              </a:rPr>
+              <a:t>*</a:t>
+            </a:r>
+            <a:r>
+              <a:rPr lang="zh-TW" altLang="en-US" sz="1400" dirty="0" smtClean="0">
+                <a:latin typeface="新細明體"/>
+              </a:rPr>
+              <a:t>「</a:t>
+            </a:r>
+            <a:r>
+              <a:rPr lang="zh-TW" altLang="en-US" sz="1400" dirty="0">
+                <a:latin typeface="新細明體"/>
+              </a:rPr>
+              <a:t>結案</a:t>
+            </a:r>
+            <a:r>
+              <a:rPr lang="zh-TW" altLang="en-US" sz="1400" dirty="0" smtClean="0">
+                <a:latin typeface="新細明體"/>
+              </a:rPr>
+              <a:t>」為直接將案件結案，不進入預覽畫面</a:t>
+            </a:r>
+            <a:endParaRPr lang="zh-TW" altLang="en-US" sz="1400" dirty="0"/>
           </a:p>
         </p:txBody>
       </p:sp>
@@ -8111,14 +8164,49 @@
         <p:nvCxnSpPr>
           <p:cNvPr id="14" name="直線單箭頭接點 13"/>
           <p:cNvCxnSpPr>
-            <a:stCxn id="13" idx="2"/>
+            <a:stCxn id="13" idx="1"/>
           </p:cNvCxnSpPr>
           <p:nvPr/>
         </p:nvCxnSpPr>
         <p:spPr>
           <a:xfrm flipH="1">
-            <a:off x="1043608" y="4681623"/>
-            <a:ext cx="2124236" cy="547577"/>
+            <a:off x="971600" y="4085453"/>
+            <a:ext cx="1296144" cy="1719811"/>
+          </a:xfrm>
+          <a:prstGeom prst="straightConnector1">
+            <a:avLst/>
+          </a:prstGeom>
+          <a:ln>
+            <a:tailEnd type="arrow"/>
+          </a:ln>
+        </p:spPr>
+        <p:style>
+          <a:lnRef idx="2">
+            <a:schemeClr val="accent2"/>
+          </a:lnRef>
+          <a:fillRef idx="0">
+            <a:schemeClr val="accent2"/>
+          </a:fillRef>
+          <a:effectRef idx="1">
+            <a:schemeClr val="accent2"/>
+          </a:effectRef>
+          <a:fontRef idx="minor">
+            <a:schemeClr val="tx1"/>
+          </a:fontRef>
+        </p:style>
+      </p:cxnSp>
+      <p:cxnSp>
+        <p:nvCxnSpPr>
+          <p:cNvPr id="12" name="直線單箭頭接點 11"/>
+          <p:cNvCxnSpPr>
+            <a:stCxn id="13" idx="1"/>
+          </p:cNvCxnSpPr>
+          <p:nvPr/>
+        </p:nvCxnSpPr>
+        <p:spPr>
+          <a:xfrm flipH="1">
+            <a:off x="1331640" y="4085453"/>
+            <a:ext cx="936104" cy="1719811"/>
           </a:xfrm>
           <a:prstGeom prst="straightConnector1">
             <a:avLst/>
@@ -8189,7 +8277,12 @@
             <p:ph type="title"/>
           </p:nvPr>
         </p:nvSpPr>
-        <p:spPr/>
+        <p:spPr>
+          <a:xfrm>
+            <a:off x="457200" y="188640"/>
+            <a:ext cx="8435280" cy="864096"/>
+          </a:xfrm>
+        </p:spPr>
         <p:txBody>
           <a:bodyPr>
             <a:normAutofit/>
@@ -8205,12 +8298,16 @@
               <a:t>-</a:t>
             </a:r>
             <a:r>
+              <a:rPr lang="zh-TW" altLang="en-US" dirty="0"/>
+              <a:t>請修</a:t>
+            </a:r>
+            <a:r>
               <a:rPr lang="zh-TW" altLang="en-US" dirty="0" smtClean="0"/>
-              <a:t>申請資料</a:t>
+              <a:t>紀錄與工時</a:t>
             </a:r>
             <a:r>
               <a:rPr lang="en-US" altLang="zh-TW" dirty="0" smtClean="0"/>
-              <a:t>(2/8)</a:t>
+              <a:t>(2/9)</a:t>
             </a:r>
             <a:endParaRPr lang="en-US" altLang="zh-TW" dirty="0"/>
           </a:p>
@@ -8267,7 +8364,7 @@
           </p:cNvPicPr>
           <p:nvPr/>
         </p:nvPicPr>
-        <p:blipFill rotWithShape="1">
+        <p:blipFill>
           <a:blip r:embed="rId3">
             <a:extLst>
               <a:ext uri="{28A0092B-C50C-407E-A947-70E740481C1C}">
@@ -8275,13 +8372,14 @@
               </a:ext>
             </a:extLst>
           </a:blip>
-          <a:srcRect l="15697"/>
-          <a:stretch/>
+          <a:stretch>
+            <a:fillRect/>
+          </a:stretch>
         </p:blipFill>
         <p:spPr>
           <a:xfrm>
-            <a:off x="467544" y="1124744"/>
-            <a:ext cx="8145841" cy="5311522"/>
+            <a:off x="1547664" y="1041605"/>
+            <a:ext cx="6192687" cy="5667314"/>
           </a:xfrm>
           <a:prstGeom prst="rect">
             <a:avLst/>
@@ -8290,14 +8388,53 @@
       </p:pic>
       <p:sp>
         <p:nvSpPr>
-          <p:cNvPr id="6" name="文字方塊 12"/>
+          <p:cNvPr id="8" name="矩形 7"/>
+          <p:cNvSpPr/>
+          <p:nvPr/>
+        </p:nvSpPr>
+        <p:spPr>
+          <a:xfrm>
+            <a:off x="1403648" y="2348880"/>
+            <a:ext cx="6480720" cy="936104"/>
+          </a:xfrm>
+          <a:prstGeom prst="rect">
+            <a:avLst/>
+          </a:prstGeom>
+          <a:noFill/>
+        </p:spPr>
+        <p:style>
+          <a:lnRef idx="2">
+            <a:schemeClr val="accent2"/>
+          </a:lnRef>
+          <a:fillRef idx="1">
+            <a:schemeClr val="lt1"/>
+          </a:fillRef>
+          <a:effectRef idx="0">
+            <a:schemeClr val="accent2"/>
+          </a:effectRef>
+          <a:fontRef idx="minor">
+            <a:schemeClr val="dk1"/>
+          </a:fontRef>
+        </p:style>
+        <p:txBody>
+          <a:bodyPr rtlCol="0" anchor="ctr"/>
+          <a:lstStyle/>
+          <a:p>
+            <a:pPr algn="ctr"/>
+            <a:endParaRPr lang="zh-TW" altLang="en-US"/>
+          </a:p>
+        </p:txBody>
+      </p:sp>
+      <p:sp>
+        <p:nvSpPr>
+          <p:cNvPr id="9" name="文字方塊 12"/>
           <p:cNvSpPr txBox="1"/>
           <p:nvPr/>
         </p:nvSpPr>
         <p:spPr>
           <a:xfrm>
-            <a:off x="2915816" y="2661636"/>
-            <a:ext cx="4176464" cy="369332"/>
+            <a:off x="7884368" y="2632266"/>
+            <a:ext cx="1152128" cy="369332"/>
           </a:xfrm>
           <a:prstGeom prst="rect">
             <a:avLst/>
@@ -8419,53 +8556,540 @@
           <a:p>
             <a:r>
               <a:rPr lang="zh-TW" altLang="en-US" dirty="0" smtClean="0"/>
-              <a:t>點選</a:t>
-            </a:r>
-            <a:r>
-              <a:rPr lang="zh-TW" altLang="en-US" dirty="0" smtClean="0">
-                <a:latin typeface="新細明體"/>
-              </a:rPr>
-              <a:t>「申請資料」可查看案件申請資料</a:t>
+              <a:t>申請資料</a:t>
             </a:r>
             <a:endParaRPr lang="zh-TW" altLang="en-US" dirty="0"/>
           </a:p>
         </p:txBody>
       </p:sp>
-      <p:cxnSp>
-        <p:nvCxnSpPr>
-          <p:cNvPr id="7" name="直線單箭頭接點 6"/>
-          <p:cNvCxnSpPr>
-            <a:stCxn id="6" idx="1"/>
-          </p:cNvCxnSpPr>
+      <p:sp>
+        <p:nvSpPr>
+          <p:cNvPr id="10" name="矩形 9"/>
+          <p:cNvSpPr/>
           <p:nvPr/>
-        </p:nvCxnSpPr>
-        <p:spPr>
-          <a:xfrm flipH="1">
-            <a:off x="1331640" y="2846302"/>
-            <a:ext cx="1584176" cy="366121"/>
-          </a:xfrm>
-          <a:prstGeom prst="straightConnector1">
+        </p:nvSpPr>
+        <p:spPr>
+          <a:xfrm>
+            <a:off x="1403648" y="1480138"/>
+            <a:ext cx="6480720" cy="580710"/>
+          </a:xfrm>
+          <a:prstGeom prst="rect">
             <a:avLst/>
           </a:prstGeom>
-          <a:ln>
-            <a:tailEnd type="arrow"/>
-          </a:ln>
+          <a:noFill/>
         </p:spPr>
         <p:style>
           <a:lnRef idx="2">
             <a:schemeClr val="accent2"/>
           </a:lnRef>
-          <a:fillRef idx="0">
-            <a:schemeClr val="accent2"/>
+          <a:fillRef idx="1">
+            <a:schemeClr val="lt1"/>
           </a:fillRef>
-          <a:effectRef idx="1">
+          <a:effectRef idx="0">
             <a:schemeClr val="accent2"/>
           </a:effectRef>
           <a:fontRef idx="minor">
-            <a:schemeClr val="tx1"/>
+            <a:schemeClr val="dk1"/>
           </a:fontRef>
         </p:style>
-      </p:cxnSp>
+        <p:txBody>
+          <a:bodyPr rtlCol="0" anchor="ctr"/>
+          <a:lstStyle/>
+          <a:p>
+            <a:pPr algn="ctr"/>
+            <a:endParaRPr lang="zh-TW" altLang="en-US"/>
+          </a:p>
+        </p:txBody>
+      </p:sp>
+      <p:sp>
+        <p:nvSpPr>
+          <p:cNvPr id="12" name="文字方塊 12"/>
+          <p:cNvSpPr txBox="1"/>
+          <p:nvPr/>
+        </p:nvSpPr>
+        <p:spPr>
+          <a:xfrm>
+            <a:off x="7884368" y="1585827"/>
+            <a:ext cx="1152128" cy="369332"/>
+          </a:xfrm>
+          <a:prstGeom prst="rect">
+            <a:avLst/>
+          </a:prstGeom>
+        </p:spPr>
+        <p:style>
+          <a:lnRef idx="1">
+            <a:schemeClr val="accent2"/>
+          </a:lnRef>
+          <a:fillRef idx="3">
+            <a:schemeClr val="accent2"/>
+          </a:fillRef>
+          <a:effectRef idx="2">
+            <a:schemeClr val="accent2"/>
+          </a:effectRef>
+          <a:fontRef idx="minor">
+            <a:schemeClr val="lt1"/>
+          </a:fontRef>
+        </p:style>
+        <p:txBody>
+          <a:bodyPr wrap="square" rtlCol="0">
+            <a:spAutoFit/>
+          </a:bodyPr>
+          <a:lstStyle>
+            <a:defPPr>
+              <a:defRPr lang="zh-TW"/>
+            </a:defPPr>
+            <a:lvl1pPr marL="0" algn="l" defTabSz="914400" rtl="0" eaLnBrk="1" latinLnBrk="0" hangingPunct="1">
+              <a:defRPr sz="1800" kern="1200">
+                <a:solidFill>
+                  <a:schemeClr val="lt1"/>
+                </a:solidFill>
+                <a:latin typeface="+mn-lt"/>
+                <a:ea typeface="+mn-ea"/>
+                <a:cs typeface="+mn-cs"/>
+              </a:defRPr>
+            </a:lvl1pPr>
+            <a:lvl2pPr marL="457200" algn="l" defTabSz="914400" rtl="0" eaLnBrk="1" latinLnBrk="0" hangingPunct="1">
+              <a:defRPr sz="1800" kern="1200">
+                <a:solidFill>
+                  <a:schemeClr val="lt1"/>
+                </a:solidFill>
+                <a:latin typeface="+mn-lt"/>
+                <a:ea typeface="+mn-ea"/>
+                <a:cs typeface="+mn-cs"/>
+              </a:defRPr>
+            </a:lvl2pPr>
+            <a:lvl3pPr marL="914400" algn="l" defTabSz="914400" rtl="0" eaLnBrk="1" latinLnBrk="0" hangingPunct="1">
+              <a:defRPr sz="1800" kern="1200">
+                <a:solidFill>
+                  <a:schemeClr val="lt1"/>
+                </a:solidFill>
+                <a:latin typeface="+mn-lt"/>
+                <a:ea typeface="+mn-ea"/>
+                <a:cs typeface="+mn-cs"/>
+              </a:defRPr>
+            </a:lvl3pPr>
+            <a:lvl4pPr marL="1371600" algn="l" defTabSz="914400" rtl="0" eaLnBrk="1" latinLnBrk="0" hangingPunct="1">
+              <a:defRPr sz="1800" kern="1200">
+                <a:solidFill>
+                  <a:schemeClr val="lt1"/>
+                </a:solidFill>
+                <a:latin typeface="+mn-lt"/>
+                <a:ea typeface="+mn-ea"/>
+                <a:cs typeface="+mn-cs"/>
+              </a:defRPr>
+            </a:lvl4pPr>
+            <a:lvl5pPr marL="1828800" algn="l" defTabSz="914400" rtl="0" eaLnBrk="1" latinLnBrk="0" hangingPunct="1">
+              <a:defRPr sz="1800" kern="1200">
+                <a:solidFill>
+                  <a:schemeClr val="lt1"/>
+                </a:solidFill>
+                <a:latin typeface="+mn-lt"/>
+                <a:ea typeface="+mn-ea"/>
+                <a:cs typeface="+mn-cs"/>
+              </a:defRPr>
+            </a:lvl5pPr>
+            <a:lvl6pPr marL="2286000" algn="l" defTabSz="914400" rtl="0" eaLnBrk="1" latinLnBrk="0" hangingPunct="1">
+              <a:defRPr sz="1800" kern="1200">
+                <a:solidFill>
+                  <a:schemeClr val="lt1"/>
+                </a:solidFill>
+                <a:latin typeface="+mn-lt"/>
+                <a:ea typeface="+mn-ea"/>
+                <a:cs typeface="+mn-cs"/>
+              </a:defRPr>
+            </a:lvl6pPr>
+            <a:lvl7pPr marL="2743200" algn="l" defTabSz="914400" rtl="0" eaLnBrk="1" latinLnBrk="0" hangingPunct="1">
+              <a:defRPr sz="1800" kern="1200">
+                <a:solidFill>
+                  <a:schemeClr val="lt1"/>
+                </a:solidFill>
+                <a:latin typeface="+mn-lt"/>
+                <a:ea typeface="+mn-ea"/>
+                <a:cs typeface="+mn-cs"/>
+              </a:defRPr>
+            </a:lvl7pPr>
+            <a:lvl8pPr marL="3200400" algn="l" defTabSz="914400" rtl="0" eaLnBrk="1" latinLnBrk="0" hangingPunct="1">
+              <a:defRPr sz="1800" kern="1200">
+                <a:solidFill>
+                  <a:schemeClr val="lt1"/>
+                </a:solidFill>
+                <a:latin typeface="+mn-lt"/>
+                <a:ea typeface="+mn-ea"/>
+                <a:cs typeface="+mn-cs"/>
+              </a:defRPr>
+            </a:lvl8pPr>
+            <a:lvl9pPr marL="3657600" algn="l" defTabSz="914400" rtl="0" eaLnBrk="1" latinLnBrk="0" hangingPunct="1">
+              <a:defRPr sz="1800" kern="1200">
+                <a:solidFill>
+                  <a:schemeClr val="lt1"/>
+                </a:solidFill>
+                <a:latin typeface="+mn-lt"/>
+                <a:ea typeface="+mn-ea"/>
+                <a:cs typeface="+mn-cs"/>
+              </a:defRPr>
+            </a:lvl9pPr>
+          </a:lstStyle>
+          <a:p>
+            <a:r>
+              <a:rPr lang="zh-TW" altLang="en-US" dirty="0" smtClean="0"/>
+              <a:t>附件檔案</a:t>
+            </a:r>
+            <a:endParaRPr lang="zh-TW" altLang="en-US" dirty="0"/>
+          </a:p>
+        </p:txBody>
+      </p:sp>
+      <p:sp>
+        <p:nvSpPr>
+          <p:cNvPr id="13" name="矩形 12"/>
+          <p:cNvSpPr/>
+          <p:nvPr/>
+        </p:nvSpPr>
+        <p:spPr>
+          <a:xfrm>
+            <a:off x="1403647" y="3789040"/>
+            <a:ext cx="6480720" cy="1656184"/>
+          </a:xfrm>
+          <a:prstGeom prst="rect">
+            <a:avLst/>
+          </a:prstGeom>
+          <a:noFill/>
+        </p:spPr>
+        <p:style>
+          <a:lnRef idx="2">
+            <a:schemeClr val="accent2"/>
+          </a:lnRef>
+          <a:fillRef idx="1">
+            <a:schemeClr val="lt1"/>
+          </a:fillRef>
+          <a:effectRef idx="0">
+            <a:schemeClr val="accent2"/>
+          </a:effectRef>
+          <a:fontRef idx="minor">
+            <a:schemeClr val="dk1"/>
+          </a:fontRef>
+        </p:style>
+        <p:txBody>
+          <a:bodyPr rtlCol="0" anchor="ctr"/>
+          <a:lstStyle/>
+          <a:p>
+            <a:pPr algn="ctr"/>
+            <a:endParaRPr lang="zh-TW" altLang="en-US"/>
+          </a:p>
+        </p:txBody>
+      </p:sp>
+      <p:sp>
+        <p:nvSpPr>
+          <p:cNvPr id="14" name="文字方塊 12"/>
+          <p:cNvSpPr txBox="1"/>
+          <p:nvPr/>
+        </p:nvSpPr>
+        <p:spPr>
+          <a:xfrm>
+            <a:off x="7884367" y="4432466"/>
+            <a:ext cx="1152128" cy="369332"/>
+          </a:xfrm>
+          <a:prstGeom prst="rect">
+            <a:avLst/>
+          </a:prstGeom>
+        </p:spPr>
+        <p:style>
+          <a:lnRef idx="1">
+            <a:schemeClr val="accent2"/>
+          </a:lnRef>
+          <a:fillRef idx="3">
+            <a:schemeClr val="accent2"/>
+          </a:fillRef>
+          <a:effectRef idx="2">
+            <a:schemeClr val="accent2"/>
+          </a:effectRef>
+          <a:fontRef idx="minor">
+            <a:schemeClr val="lt1"/>
+          </a:fontRef>
+        </p:style>
+        <p:txBody>
+          <a:bodyPr wrap="square" rtlCol="0">
+            <a:spAutoFit/>
+          </a:bodyPr>
+          <a:lstStyle>
+            <a:defPPr>
+              <a:defRPr lang="zh-TW"/>
+            </a:defPPr>
+            <a:lvl1pPr marL="0" algn="l" defTabSz="914400" rtl="0" eaLnBrk="1" latinLnBrk="0" hangingPunct="1">
+              <a:defRPr sz="1800" kern="1200">
+                <a:solidFill>
+                  <a:schemeClr val="lt1"/>
+                </a:solidFill>
+                <a:latin typeface="+mn-lt"/>
+                <a:ea typeface="+mn-ea"/>
+                <a:cs typeface="+mn-cs"/>
+              </a:defRPr>
+            </a:lvl1pPr>
+            <a:lvl2pPr marL="457200" algn="l" defTabSz="914400" rtl="0" eaLnBrk="1" latinLnBrk="0" hangingPunct="1">
+              <a:defRPr sz="1800" kern="1200">
+                <a:solidFill>
+                  <a:schemeClr val="lt1"/>
+                </a:solidFill>
+                <a:latin typeface="+mn-lt"/>
+                <a:ea typeface="+mn-ea"/>
+                <a:cs typeface="+mn-cs"/>
+              </a:defRPr>
+            </a:lvl2pPr>
+            <a:lvl3pPr marL="914400" algn="l" defTabSz="914400" rtl="0" eaLnBrk="1" latinLnBrk="0" hangingPunct="1">
+              <a:defRPr sz="1800" kern="1200">
+                <a:solidFill>
+                  <a:schemeClr val="lt1"/>
+                </a:solidFill>
+                <a:latin typeface="+mn-lt"/>
+                <a:ea typeface="+mn-ea"/>
+                <a:cs typeface="+mn-cs"/>
+              </a:defRPr>
+            </a:lvl3pPr>
+            <a:lvl4pPr marL="1371600" algn="l" defTabSz="914400" rtl="0" eaLnBrk="1" latinLnBrk="0" hangingPunct="1">
+              <a:defRPr sz="1800" kern="1200">
+                <a:solidFill>
+                  <a:schemeClr val="lt1"/>
+                </a:solidFill>
+                <a:latin typeface="+mn-lt"/>
+                <a:ea typeface="+mn-ea"/>
+                <a:cs typeface="+mn-cs"/>
+              </a:defRPr>
+            </a:lvl4pPr>
+            <a:lvl5pPr marL="1828800" algn="l" defTabSz="914400" rtl="0" eaLnBrk="1" latinLnBrk="0" hangingPunct="1">
+              <a:defRPr sz="1800" kern="1200">
+                <a:solidFill>
+                  <a:schemeClr val="lt1"/>
+                </a:solidFill>
+                <a:latin typeface="+mn-lt"/>
+                <a:ea typeface="+mn-ea"/>
+                <a:cs typeface="+mn-cs"/>
+              </a:defRPr>
+            </a:lvl5pPr>
+            <a:lvl6pPr marL="2286000" algn="l" defTabSz="914400" rtl="0" eaLnBrk="1" latinLnBrk="0" hangingPunct="1">
+              <a:defRPr sz="1800" kern="1200">
+                <a:solidFill>
+                  <a:schemeClr val="lt1"/>
+                </a:solidFill>
+                <a:latin typeface="+mn-lt"/>
+                <a:ea typeface="+mn-ea"/>
+                <a:cs typeface="+mn-cs"/>
+              </a:defRPr>
+            </a:lvl6pPr>
+            <a:lvl7pPr marL="2743200" algn="l" defTabSz="914400" rtl="0" eaLnBrk="1" latinLnBrk="0" hangingPunct="1">
+              <a:defRPr sz="1800" kern="1200">
+                <a:solidFill>
+                  <a:schemeClr val="lt1"/>
+                </a:solidFill>
+                <a:latin typeface="+mn-lt"/>
+                <a:ea typeface="+mn-ea"/>
+                <a:cs typeface="+mn-cs"/>
+              </a:defRPr>
+            </a:lvl7pPr>
+            <a:lvl8pPr marL="3200400" algn="l" defTabSz="914400" rtl="0" eaLnBrk="1" latinLnBrk="0" hangingPunct="1">
+              <a:defRPr sz="1800" kern="1200">
+                <a:solidFill>
+                  <a:schemeClr val="lt1"/>
+                </a:solidFill>
+                <a:latin typeface="+mn-lt"/>
+                <a:ea typeface="+mn-ea"/>
+                <a:cs typeface="+mn-cs"/>
+              </a:defRPr>
+            </a:lvl8pPr>
+            <a:lvl9pPr marL="3657600" algn="l" defTabSz="914400" rtl="0" eaLnBrk="1" latinLnBrk="0" hangingPunct="1">
+              <a:defRPr sz="1800" kern="1200">
+                <a:solidFill>
+                  <a:schemeClr val="lt1"/>
+                </a:solidFill>
+                <a:latin typeface="+mn-lt"/>
+                <a:ea typeface="+mn-ea"/>
+                <a:cs typeface="+mn-cs"/>
+              </a:defRPr>
+            </a:lvl9pPr>
+          </a:lstStyle>
+          <a:p>
+            <a:r>
+              <a:rPr lang="zh-TW" altLang="en-US" dirty="0" smtClean="0"/>
+              <a:t>請修明細</a:t>
+            </a:r>
+            <a:endParaRPr lang="zh-TW" altLang="en-US" dirty="0"/>
+          </a:p>
+        </p:txBody>
+      </p:sp>
+      <p:sp>
+        <p:nvSpPr>
+          <p:cNvPr id="15" name="矩形 14"/>
+          <p:cNvSpPr/>
+          <p:nvPr/>
+        </p:nvSpPr>
+        <p:spPr>
+          <a:xfrm>
+            <a:off x="1403648" y="5483550"/>
+            <a:ext cx="6480720" cy="753761"/>
+          </a:xfrm>
+          <a:prstGeom prst="rect">
+            <a:avLst/>
+          </a:prstGeom>
+          <a:noFill/>
+        </p:spPr>
+        <p:style>
+          <a:lnRef idx="2">
+            <a:schemeClr val="accent2"/>
+          </a:lnRef>
+          <a:fillRef idx="1">
+            <a:schemeClr val="lt1"/>
+          </a:fillRef>
+          <a:effectRef idx="0">
+            <a:schemeClr val="accent2"/>
+          </a:effectRef>
+          <a:fontRef idx="minor">
+            <a:schemeClr val="dk1"/>
+          </a:fontRef>
+        </p:style>
+        <p:txBody>
+          <a:bodyPr rtlCol="0" anchor="ctr"/>
+          <a:lstStyle/>
+          <a:p>
+            <a:pPr algn="ctr"/>
+            <a:endParaRPr lang="zh-TW" altLang="en-US"/>
+          </a:p>
+        </p:txBody>
+      </p:sp>
+      <p:sp>
+        <p:nvSpPr>
+          <p:cNvPr id="16" name="文字方塊 12"/>
+          <p:cNvSpPr txBox="1"/>
+          <p:nvPr/>
+        </p:nvSpPr>
+        <p:spPr>
+          <a:xfrm>
+            <a:off x="7884368" y="5675764"/>
+            <a:ext cx="720080" cy="369332"/>
+          </a:xfrm>
+          <a:prstGeom prst="rect">
+            <a:avLst/>
+          </a:prstGeom>
+        </p:spPr>
+        <p:style>
+          <a:lnRef idx="1">
+            <a:schemeClr val="accent2"/>
+          </a:lnRef>
+          <a:fillRef idx="3">
+            <a:schemeClr val="accent2"/>
+          </a:fillRef>
+          <a:effectRef idx="2">
+            <a:schemeClr val="accent2"/>
+          </a:effectRef>
+          <a:fontRef idx="minor">
+            <a:schemeClr val="lt1"/>
+          </a:fontRef>
+        </p:style>
+        <p:txBody>
+          <a:bodyPr wrap="square" rtlCol="0">
+            <a:spAutoFit/>
+          </a:bodyPr>
+          <a:lstStyle>
+            <a:defPPr>
+              <a:defRPr lang="zh-TW"/>
+            </a:defPPr>
+            <a:lvl1pPr marL="0" algn="l" defTabSz="914400" rtl="0" eaLnBrk="1" latinLnBrk="0" hangingPunct="1">
+              <a:defRPr sz="1800" kern="1200">
+                <a:solidFill>
+                  <a:schemeClr val="lt1"/>
+                </a:solidFill>
+                <a:latin typeface="+mn-lt"/>
+                <a:ea typeface="+mn-ea"/>
+                <a:cs typeface="+mn-cs"/>
+              </a:defRPr>
+            </a:lvl1pPr>
+            <a:lvl2pPr marL="457200" algn="l" defTabSz="914400" rtl="0" eaLnBrk="1" latinLnBrk="0" hangingPunct="1">
+              <a:defRPr sz="1800" kern="1200">
+                <a:solidFill>
+                  <a:schemeClr val="lt1"/>
+                </a:solidFill>
+                <a:latin typeface="+mn-lt"/>
+                <a:ea typeface="+mn-ea"/>
+                <a:cs typeface="+mn-cs"/>
+              </a:defRPr>
+            </a:lvl2pPr>
+            <a:lvl3pPr marL="914400" algn="l" defTabSz="914400" rtl="0" eaLnBrk="1" latinLnBrk="0" hangingPunct="1">
+              <a:defRPr sz="1800" kern="1200">
+                <a:solidFill>
+                  <a:schemeClr val="lt1"/>
+                </a:solidFill>
+                <a:latin typeface="+mn-lt"/>
+                <a:ea typeface="+mn-ea"/>
+                <a:cs typeface="+mn-cs"/>
+              </a:defRPr>
+            </a:lvl3pPr>
+            <a:lvl4pPr marL="1371600" algn="l" defTabSz="914400" rtl="0" eaLnBrk="1" latinLnBrk="0" hangingPunct="1">
+              <a:defRPr sz="1800" kern="1200">
+                <a:solidFill>
+                  <a:schemeClr val="lt1"/>
+                </a:solidFill>
+                <a:latin typeface="+mn-lt"/>
+                <a:ea typeface="+mn-ea"/>
+                <a:cs typeface="+mn-cs"/>
+              </a:defRPr>
+            </a:lvl4pPr>
+            <a:lvl5pPr marL="1828800" algn="l" defTabSz="914400" rtl="0" eaLnBrk="1" latinLnBrk="0" hangingPunct="1">
+              <a:defRPr sz="1800" kern="1200">
+                <a:solidFill>
+                  <a:schemeClr val="lt1"/>
+                </a:solidFill>
+                <a:latin typeface="+mn-lt"/>
+                <a:ea typeface="+mn-ea"/>
+                <a:cs typeface="+mn-cs"/>
+              </a:defRPr>
+            </a:lvl5pPr>
+            <a:lvl6pPr marL="2286000" algn="l" defTabSz="914400" rtl="0" eaLnBrk="1" latinLnBrk="0" hangingPunct="1">
+              <a:defRPr sz="1800" kern="1200">
+                <a:solidFill>
+                  <a:schemeClr val="lt1"/>
+                </a:solidFill>
+                <a:latin typeface="+mn-lt"/>
+                <a:ea typeface="+mn-ea"/>
+                <a:cs typeface="+mn-cs"/>
+              </a:defRPr>
+            </a:lvl6pPr>
+            <a:lvl7pPr marL="2743200" algn="l" defTabSz="914400" rtl="0" eaLnBrk="1" latinLnBrk="0" hangingPunct="1">
+              <a:defRPr sz="1800" kern="1200">
+                <a:solidFill>
+                  <a:schemeClr val="lt1"/>
+                </a:solidFill>
+                <a:latin typeface="+mn-lt"/>
+                <a:ea typeface="+mn-ea"/>
+                <a:cs typeface="+mn-cs"/>
+              </a:defRPr>
+            </a:lvl7pPr>
+            <a:lvl8pPr marL="3200400" algn="l" defTabSz="914400" rtl="0" eaLnBrk="1" latinLnBrk="0" hangingPunct="1">
+              <a:defRPr sz="1800" kern="1200">
+                <a:solidFill>
+                  <a:schemeClr val="lt1"/>
+                </a:solidFill>
+                <a:latin typeface="+mn-lt"/>
+                <a:ea typeface="+mn-ea"/>
+                <a:cs typeface="+mn-cs"/>
+              </a:defRPr>
+            </a:lvl8pPr>
+            <a:lvl9pPr marL="3657600" algn="l" defTabSz="914400" rtl="0" eaLnBrk="1" latinLnBrk="0" hangingPunct="1">
+              <a:defRPr sz="1800" kern="1200">
+                <a:solidFill>
+                  <a:schemeClr val="lt1"/>
+                </a:solidFill>
+                <a:latin typeface="+mn-lt"/>
+                <a:ea typeface="+mn-ea"/>
+                <a:cs typeface="+mn-cs"/>
+              </a:defRPr>
+            </a:lvl9pPr>
+          </a:lstStyle>
+          <a:p>
+            <a:r>
+              <a:rPr lang="zh-TW" altLang="en-US" dirty="0" smtClean="0"/>
+              <a:t>工時</a:t>
+            </a:r>
+            <a:endParaRPr lang="zh-TW" altLang="en-US" dirty="0"/>
+          </a:p>
+        </p:txBody>
+      </p:sp>
     </p:spTree>
     <p:extLst>
       <p:ext uri="{BB962C8B-B14F-4D97-AF65-F5344CB8AC3E}">
@@ -8513,7 +9137,12 @@
             <p:ph type="title"/>
           </p:nvPr>
         </p:nvSpPr>
-        <p:spPr/>
+        <p:spPr>
+          <a:xfrm>
+            <a:off x="457200" y="188640"/>
+            <a:ext cx="8435280" cy="864096"/>
+          </a:xfrm>
+        </p:spPr>
         <p:txBody>
           <a:bodyPr>
             <a:normAutofit/>
@@ -8529,12 +9158,12 @@
               <a:t>-</a:t>
             </a:r>
             <a:r>
-              <a:rPr lang="zh-TW" altLang="en-US" dirty="0" smtClean="0"/>
-              <a:t>請修紀錄</a:t>
+              <a:rPr lang="zh-TW" altLang="en-US" dirty="0"/>
+              <a:t>請修紀錄與工時</a:t>
             </a:r>
             <a:r>
               <a:rPr lang="en-US" altLang="zh-TW" dirty="0" smtClean="0"/>
-              <a:t>(3/8)</a:t>
+              <a:t>(3/9)</a:t>
             </a:r>
             <a:endParaRPr lang="en-US" altLang="zh-TW" dirty="0"/>
           </a:p>
@@ -8599,13 +9228,13 @@
               </a:ext>
             </a:extLst>
           </a:blip>
-          <a:srcRect l="16191"/>
+          <a:srcRect t="38662" r="12550"/>
           <a:stretch/>
         </p:blipFill>
         <p:spPr>
           <a:xfrm>
-            <a:off x="539552" y="980728"/>
-            <a:ext cx="7713793" cy="5669471"/>
+            <a:off x="611559" y="1196752"/>
+            <a:ext cx="7964613" cy="5112568"/>
           </a:xfrm>
           <a:prstGeom prst="rect">
             <a:avLst/>
@@ -8620,8 +9249,8 @@
         </p:nvSpPr>
         <p:spPr>
           <a:xfrm>
-            <a:off x="3131840" y="2447811"/>
-            <a:ext cx="4176464" cy="369332"/>
+            <a:off x="3275856" y="1872691"/>
+            <a:ext cx="4176464" cy="646331"/>
           </a:xfrm>
           <a:prstGeom prst="rect">
             <a:avLst/>
@@ -8749,7 +9378,7 @@
               <a:rPr lang="zh-TW" altLang="en-US" dirty="0" smtClean="0">
                 <a:latin typeface="新細明體"/>
               </a:rPr>
-              <a:t>「請修紀錄」可查看案件請修狀況</a:t>
+              <a:t>「請修紀錄與工時」可查看案件請修狀況、工程師工時列表</a:t>
             </a:r>
             <a:endParaRPr lang="zh-TW" altLang="en-US" dirty="0"/>
           </a:p>
@@ -8764,9 +9393,9 @@
           <p:nvPr/>
         </p:nvCxnSpPr>
         <p:spPr>
-          <a:xfrm flipH="1">
-            <a:off x="2195736" y="2632477"/>
-            <a:ext cx="936104" cy="366121"/>
+          <a:xfrm flipH="1" flipV="1">
+            <a:off x="1979712" y="1484785"/>
+            <a:ext cx="1296144" cy="711072"/>
           </a:xfrm>
           <a:prstGeom prst="straightConnector1">
             <a:avLst/>
@@ -8790,6 +9419,84 @@
           </a:fontRef>
         </p:style>
       </p:cxnSp>
+      <p:sp>
+        <p:nvSpPr>
+          <p:cNvPr id="10" name="矩形 9"/>
+          <p:cNvSpPr/>
+          <p:nvPr/>
+        </p:nvSpPr>
+        <p:spPr>
+          <a:xfrm>
+            <a:off x="539552" y="1979832"/>
+            <a:ext cx="1224136" cy="369048"/>
+          </a:xfrm>
+          <a:prstGeom prst="rect">
+            <a:avLst/>
+          </a:prstGeom>
+          <a:noFill/>
+        </p:spPr>
+        <p:style>
+          <a:lnRef idx="2">
+            <a:schemeClr val="accent2"/>
+          </a:lnRef>
+          <a:fillRef idx="1">
+            <a:schemeClr val="lt1"/>
+          </a:fillRef>
+          <a:effectRef idx="0">
+            <a:schemeClr val="accent2"/>
+          </a:effectRef>
+          <a:fontRef idx="minor">
+            <a:schemeClr val="dk1"/>
+          </a:fontRef>
+        </p:style>
+        <p:txBody>
+          <a:bodyPr rtlCol="0" anchor="ctr"/>
+          <a:lstStyle/>
+          <a:p>
+            <a:pPr algn="ctr"/>
+            <a:endParaRPr lang="zh-TW" altLang="en-US"/>
+          </a:p>
+        </p:txBody>
+      </p:sp>
+      <p:sp>
+        <p:nvSpPr>
+          <p:cNvPr id="12" name="矩形 11"/>
+          <p:cNvSpPr/>
+          <p:nvPr/>
+        </p:nvSpPr>
+        <p:spPr>
+          <a:xfrm>
+            <a:off x="669008" y="4509120"/>
+            <a:ext cx="1224136" cy="369048"/>
+          </a:xfrm>
+          <a:prstGeom prst="rect">
+            <a:avLst/>
+          </a:prstGeom>
+          <a:noFill/>
+        </p:spPr>
+        <p:style>
+          <a:lnRef idx="2">
+            <a:schemeClr val="accent2"/>
+          </a:lnRef>
+          <a:fillRef idx="1">
+            <a:schemeClr val="lt1"/>
+          </a:fillRef>
+          <a:effectRef idx="0">
+            <a:schemeClr val="accent2"/>
+          </a:effectRef>
+          <a:fontRef idx="minor">
+            <a:schemeClr val="dk1"/>
+          </a:fontRef>
+        </p:style>
+        <p:txBody>
+          <a:bodyPr rtlCol="0" anchor="ctr"/>
+          <a:lstStyle/>
+          <a:p>
+            <a:pPr algn="ctr"/>
+            <a:endParaRPr lang="zh-TW" altLang="en-US"/>
+          </a:p>
+        </p:txBody>
+      </p:sp>
     </p:spTree>
     <p:extLst>
       <p:ext uri="{BB962C8B-B14F-4D97-AF65-F5344CB8AC3E}">
@@ -8999,12 +9706,12 @@
               <a:t>簽核、結案</a:t>
             </a:r>
             <a:r>
-              <a:rPr lang="en-US" altLang="zh-TW" dirty="0" smtClean="0">
+              <a:rPr lang="en-US" altLang="zh-TW" smtClean="0">
                 <a:latin typeface="標楷體" panose="03000509000000000000" pitchFamily="65" charset="-120"/>
                 <a:ea typeface="標楷體" panose="03000509000000000000" pitchFamily="65" charset="-120"/>
                 <a:hlinkClick r:id="rId8" action="ppaction://hlinksldjump"/>
               </a:rPr>
-              <a:t>(8/8)</a:t>
+              <a:t>(9/9)</a:t>
             </a:r>
             <a:endParaRPr lang="en-US" altLang="zh-TW" dirty="0" smtClean="0">
               <a:latin typeface="標楷體" panose="03000509000000000000" pitchFamily="65" charset="-120"/>
@@ -9117,11 +9824,11 @@
             </a:r>
             <a:r>
               <a:rPr lang="zh-TW" altLang="en-US" dirty="0" smtClean="0"/>
-              <a:t>工程師工時</a:t>
+              <a:t>費用明細</a:t>
             </a:r>
             <a:r>
               <a:rPr lang="en-US" altLang="zh-TW" dirty="0" smtClean="0"/>
-              <a:t>(4/8)</a:t>
+              <a:t>(4/9)</a:t>
             </a:r>
             <a:endParaRPr lang="en-US" altLang="zh-TW" dirty="0"/>
           </a:p>
@@ -9151,34 +9858,17 @@
           </a:p>
         </p:txBody>
       </p:sp>
-      <p:sp>
-        <p:nvSpPr>
-          <p:cNvPr id="4" name="內容版面配置區 3"/>
-          <p:cNvSpPr>
-            <a:spLocks noGrp="1"/>
-          </p:cNvSpPr>
-          <p:nvPr>
-            <p:ph idx="1"/>
-          </p:nvPr>
-        </p:nvSpPr>
-        <p:spPr/>
-        <p:txBody>
-          <a:bodyPr/>
-          <a:lstStyle/>
-          <a:p>
-            <a:endParaRPr lang="zh-TW" altLang="en-US" dirty="0"/>
-          </a:p>
-        </p:txBody>
-      </p:sp>
       <p:pic>
         <p:nvPicPr>
-          <p:cNvPr id="11" name="內容版面配置區 5"/>
+          <p:cNvPr id="3" name="內容版面配置區 2"/>
           <p:cNvPicPr>
-            <a:picLocks noChangeAspect="1"/>
+            <a:picLocks noGrp="1" noChangeAspect="1"/>
           </p:cNvPicPr>
-          <p:nvPr/>
+          <p:nvPr>
+            <p:ph idx="1"/>
+          </p:nvPr>
         </p:nvPicPr>
-        <p:blipFill rotWithShape="1">
+        <p:blipFill>
           <a:blip r:embed="rId3">
             <a:extLst>
               <a:ext uri="{28A0092B-C50C-407E-A947-70E740481C1C}">
@@ -9186,28 +9876,26 @@
               </a:ext>
             </a:extLst>
           </a:blip>
-          <a:srcRect l="15945" r="2613"/>
-          <a:stretch/>
+          <a:stretch>
+            <a:fillRect/>
+          </a:stretch>
         </p:blipFill>
         <p:spPr>
           <a:xfrm>
-            <a:off x="467543" y="1124744"/>
-            <a:ext cx="8072871" cy="5256584"/>
-          </a:xfrm>
-          <a:prstGeom prst="rect">
-            <a:avLst/>
-          </a:prstGeom>
+            <a:off x="457200" y="1652466"/>
+            <a:ext cx="8229600" cy="4089644"/>
+          </a:xfrm>
         </p:spPr>
       </p:pic>
       <p:sp>
         <p:nvSpPr>
-          <p:cNvPr id="6" name="文字方塊 12"/>
+          <p:cNvPr id="9" name="文字方塊 12"/>
           <p:cNvSpPr txBox="1"/>
           <p:nvPr/>
         </p:nvSpPr>
         <p:spPr>
           <a:xfrm>
-            <a:off x="3779912" y="2629266"/>
+            <a:off x="3563888" y="3356992"/>
             <a:ext cx="3888432" cy="369332"/>
           </a:xfrm>
           <a:prstGeom prst="rect">
@@ -9336,26 +10024,24 @@
               <a:rPr lang="zh-TW" altLang="en-US" dirty="0" smtClean="0">
                 <a:latin typeface="新細明體"/>
               </a:rPr>
-              <a:t>「工程師工時」可查看工時列表</a:t>
-            </a:r>
-            <a:endParaRPr lang="en-US" altLang="zh-TW" dirty="0" smtClean="0">
-              <a:latin typeface="新細明體"/>
-            </a:endParaRPr>
+              <a:t>「費用明細」查看案件費用列表</a:t>
+            </a:r>
+            <a:endParaRPr lang="zh-TW" altLang="en-US" dirty="0"/>
           </a:p>
         </p:txBody>
       </p:sp>
       <p:cxnSp>
         <p:nvCxnSpPr>
-          <p:cNvPr id="7" name="直線單箭頭接點 6"/>
+          <p:cNvPr id="10" name="直線單箭頭接點 9"/>
           <p:cNvCxnSpPr>
-            <a:stCxn id="6" idx="1"/>
+            <a:stCxn id="9" idx="1"/>
           </p:cNvCxnSpPr>
           <p:nvPr/>
         </p:nvCxnSpPr>
         <p:spPr>
-          <a:xfrm flipH="1">
-            <a:off x="2843808" y="2813932"/>
-            <a:ext cx="936104" cy="366121"/>
+          <a:xfrm flipH="1" flipV="1">
+            <a:off x="2483768" y="3501008"/>
+            <a:ext cx="1080120" cy="40650"/>
           </a:xfrm>
           <a:prstGeom prst="straightConnector1">
             <a:avLst/>
@@ -9442,12 +10128,12 @@
               <a:t>-</a:t>
             </a:r>
             <a:r>
-              <a:rPr lang="zh-TW" altLang="en-US" dirty="0" smtClean="0"/>
-              <a:t>流程紀錄</a:t>
+              <a:rPr lang="zh-TW" altLang="en-US" dirty="0"/>
+              <a:t>簽核作業</a:t>
             </a:r>
             <a:r>
               <a:rPr lang="en-US" altLang="zh-TW" dirty="0" smtClean="0"/>
-              <a:t>(5/8)</a:t>
+              <a:t>(5/9)</a:t>
             </a:r>
             <a:endParaRPr lang="en-US" altLang="zh-TW" dirty="0"/>
           </a:p>
@@ -9504,7 +10190,7 @@
           </p:cNvPicPr>
           <p:nvPr/>
         </p:nvPicPr>
-        <p:blipFill rotWithShape="1">
+        <p:blipFill>
           <a:blip r:embed="rId3">
             <a:extLst>
               <a:ext uri="{28A0092B-C50C-407E-A947-70E740481C1C}">
@@ -9512,13 +10198,14 @@
               </a:ext>
             </a:extLst>
           </a:blip>
-          <a:srcRect l="15813" r="1648"/>
-          <a:stretch/>
+          <a:stretch>
+            <a:fillRect/>
+          </a:stretch>
         </p:blipFill>
         <p:spPr>
           <a:xfrm>
-            <a:off x="755576" y="1019531"/>
-            <a:ext cx="7652114" cy="5470670"/>
+            <a:off x="1408327" y="1019530"/>
+            <a:ext cx="6488261" cy="5649829"/>
           </a:xfrm>
           <a:prstGeom prst="rect">
             <a:avLst/>
@@ -9527,14 +10214,53 @@
       </p:pic>
       <p:sp>
         <p:nvSpPr>
-          <p:cNvPr id="6" name="文字方塊 12"/>
+          <p:cNvPr id="8" name="矩形 7"/>
+          <p:cNvSpPr/>
+          <p:nvPr/>
+        </p:nvSpPr>
+        <p:spPr>
+          <a:xfrm>
+            <a:off x="1187624" y="2420888"/>
+            <a:ext cx="6768752" cy="2376264"/>
+          </a:xfrm>
+          <a:prstGeom prst="rect">
+            <a:avLst/>
+          </a:prstGeom>
+          <a:noFill/>
+        </p:spPr>
+        <p:style>
+          <a:lnRef idx="2">
+            <a:schemeClr val="accent2"/>
+          </a:lnRef>
+          <a:fillRef idx="1">
+            <a:schemeClr val="lt1"/>
+          </a:fillRef>
+          <a:effectRef idx="0">
+            <a:schemeClr val="accent2"/>
+          </a:effectRef>
+          <a:fontRef idx="minor">
+            <a:schemeClr val="dk1"/>
+          </a:fontRef>
+        </p:style>
+        <p:txBody>
+          <a:bodyPr rtlCol="0" anchor="ctr"/>
+          <a:lstStyle/>
+          <a:p>
+            <a:pPr algn="ctr"/>
+            <a:endParaRPr lang="zh-TW" altLang="en-US"/>
+          </a:p>
+        </p:txBody>
+      </p:sp>
+      <p:sp>
+        <p:nvSpPr>
+          <p:cNvPr id="9" name="文字方塊 12"/>
           <p:cNvSpPr txBox="1"/>
           <p:nvPr/>
         </p:nvSpPr>
         <p:spPr>
           <a:xfrm>
-            <a:off x="4067944" y="2132856"/>
-            <a:ext cx="4104456" cy="369332"/>
+            <a:off x="7967075" y="3424354"/>
+            <a:ext cx="1176925" cy="369332"/>
           </a:xfrm>
           <a:prstGeom prst="rect">
             <a:avLst/>
@@ -9656,32 +10382,342 @@
           <a:p>
             <a:r>
               <a:rPr lang="zh-TW" altLang="en-US" dirty="0" smtClean="0"/>
+              <a:t>簽核作業</a:t>
+            </a:r>
+            <a:endParaRPr lang="zh-TW" altLang="en-US" dirty="0"/>
+          </a:p>
+        </p:txBody>
+      </p:sp>
+      <p:sp>
+        <p:nvSpPr>
+          <p:cNvPr id="10" name="矩形 9"/>
+          <p:cNvSpPr/>
+          <p:nvPr/>
+        </p:nvSpPr>
+        <p:spPr>
+          <a:xfrm>
+            <a:off x="1187624" y="4834797"/>
+            <a:ext cx="6779451" cy="1372798"/>
+          </a:xfrm>
+          <a:prstGeom prst="rect">
+            <a:avLst/>
+          </a:prstGeom>
+          <a:noFill/>
+        </p:spPr>
+        <p:style>
+          <a:lnRef idx="2">
+            <a:schemeClr val="accent2"/>
+          </a:lnRef>
+          <a:fillRef idx="1">
+            <a:schemeClr val="lt1"/>
+          </a:fillRef>
+          <a:effectRef idx="0">
+            <a:schemeClr val="accent2"/>
+          </a:effectRef>
+          <a:fontRef idx="minor">
+            <a:schemeClr val="dk1"/>
+          </a:fontRef>
+        </p:style>
+        <p:txBody>
+          <a:bodyPr rtlCol="0" anchor="ctr"/>
+          <a:lstStyle/>
+          <a:p>
+            <a:pPr algn="ctr"/>
+            <a:endParaRPr lang="zh-TW" altLang="en-US"/>
+          </a:p>
+        </p:txBody>
+      </p:sp>
+      <p:sp>
+        <p:nvSpPr>
+          <p:cNvPr id="12" name="文字方塊 12"/>
+          <p:cNvSpPr txBox="1"/>
+          <p:nvPr/>
+        </p:nvSpPr>
+        <p:spPr>
+          <a:xfrm>
+            <a:off x="7969555" y="5336530"/>
+            <a:ext cx="1174445" cy="369332"/>
+          </a:xfrm>
+          <a:prstGeom prst="rect">
+            <a:avLst/>
+          </a:prstGeom>
+        </p:spPr>
+        <p:style>
+          <a:lnRef idx="1">
+            <a:schemeClr val="accent2"/>
+          </a:lnRef>
+          <a:fillRef idx="3">
+            <a:schemeClr val="accent2"/>
+          </a:fillRef>
+          <a:effectRef idx="2">
+            <a:schemeClr val="accent2"/>
+          </a:effectRef>
+          <a:fontRef idx="minor">
+            <a:schemeClr val="lt1"/>
+          </a:fontRef>
+        </p:style>
+        <p:txBody>
+          <a:bodyPr wrap="square" rtlCol="0">
+            <a:spAutoFit/>
+          </a:bodyPr>
+          <a:lstStyle>
+            <a:defPPr>
+              <a:defRPr lang="zh-TW"/>
+            </a:defPPr>
+            <a:lvl1pPr marL="0" algn="l" defTabSz="914400" rtl="0" eaLnBrk="1" latinLnBrk="0" hangingPunct="1">
+              <a:defRPr sz="1800" kern="1200">
+                <a:solidFill>
+                  <a:schemeClr val="lt1"/>
+                </a:solidFill>
+                <a:latin typeface="+mn-lt"/>
+                <a:ea typeface="+mn-ea"/>
+                <a:cs typeface="+mn-cs"/>
+              </a:defRPr>
+            </a:lvl1pPr>
+            <a:lvl2pPr marL="457200" algn="l" defTabSz="914400" rtl="0" eaLnBrk="1" latinLnBrk="0" hangingPunct="1">
+              <a:defRPr sz="1800" kern="1200">
+                <a:solidFill>
+                  <a:schemeClr val="lt1"/>
+                </a:solidFill>
+                <a:latin typeface="+mn-lt"/>
+                <a:ea typeface="+mn-ea"/>
+                <a:cs typeface="+mn-cs"/>
+              </a:defRPr>
+            </a:lvl2pPr>
+            <a:lvl3pPr marL="914400" algn="l" defTabSz="914400" rtl="0" eaLnBrk="1" latinLnBrk="0" hangingPunct="1">
+              <a:defRPr sz="1800" kern="1200">
+                <a:solidFill>
+                  <a:schemeClr val="lt1"/>
+                </a:solidFill>
+                <a:latin typeface="+mn-lt"/>
+                <a:ea typeface="+mn-ea"/>
+                <a:cs typeface="+mn-cs"/>
+              </a:defRPr>
+            </a:lvl3pPr>
+            <a:lvl4pPr marL="1371600" algn="l" defTabSz="914400" rtl="0" eaLnBrk="1" latinLnBrk="0" hangingPunct="1">
+              <a:defRPr sz="1800" kern="1200">
+                <a:solidFill>
+                  <a:schemeClr val="lt1"/>
+                </a:solidFill>
+                <a:latin typeface="+mn-lt"/>
+                <a:ea typeface="+mn-ea"/>
+                <a:cs typeface="+mn-cs"/>
+              </a:defRPr>
+            </a:lvl4pPr>
+            <a:lvl5pPr marL="1828800" algn="l" defTabSz="914400" rtl="0" eaLnBrk="1" latinLnBrk="0" hangingPunct="1">
+              <a:defRPr sz="1800" kern="1200">
+                <a:solidFill>
+                  <a:schemeClr val="lt1"/>
+                </a:solidFill>
+                <a:latin typeface="+mn-lt"/>
+                <a:ea typeface="+mn-ea"/>
+                <a:cs typeface="+mn-cs"/>
+              </a:defRPr>
+            </a:lvl5pPr>
+            <a:lvl6pPr marL="2286000" algn="l" defTabSz="914400" rtl="0" eaLnBrk="1" latinLnBrk="0" hangingPunct="1">
+              <a:defRPr sz="1800" kern="1200">
+                <a:solidFill>
+                  <a:schemeClr val="lt1"/>
+                </a:solidFill>
+                <a:latin typeface="+mn-lt"/>
+                <a:ea typeface="+mn-ea"/>
+                <a:cs typeface="+mn-cs"/>
+              </a:defRPr>
+            </a:lvl6pPr>
+            <a:lvl7pPr marL="2743200" algn="l" defTabSz="914400" rtl="0" eaLnBrk="1" latinLnBrk="0" hangingPunct="1">
+              <a:defRPr sz="1800" kern="1200">
+                <a:solidFill>
+                  <a:schemeClr val="lt1"/>
+                </a:solidFill>
+                <a:latin typeface="+mn-lt"/>
+                <a:ea typeface="+mn-ea"/>
+                <a:cs typeface="+mn-cs"/>
+              </a:defRPr>
+            </a:lvl7pPr>
+            <a:lvl8pPr marL="3200400" algn="l" defTabSz="914400" rtl="0" eaLnBrk="1" latinLnBrk="0" hangingPunct="1">
+              <a:defRPr sz="1800" kern="1200">
+                <a:solidFill>
+                  <a:schemeClr val="lt1"/>
+                </a:solidFill>
+                <a:latin typeface="+mn-lt"/>
+                <a:ea typeface="+mn-ea"/>
+                <a:cs typeface="+mn-cs"/>
+              </a:defRPr>
+            </a:lvl8pPr>
+            <a:lvl9pPr marL="3657600" algn="l" defTabSz="914400" rtl="0" eaLnBrk="1" latinLnBrk="0" hangingPunct="1">
+              <a:defRPr sz="1800" kern="1200">
+                <a:solidFill>
+                  <a:schemeClr val="lt1"/>
+                </a:solidFill>
+                <a:latin typeface="+mn-lt"/>
+                <a:ea typeface="+mn-ea"/>
+                <a:cs typeface="+mn-cs"/>
+              </a:defRPr>
+            </a:lvl9pPr>
+          </a:lstStyle>
+          <a:p>
+            <a:r>
+              <a:rPr lang="zh-TW" altLang="en-US" dirty="0"/>
+              <a:t>流程資訊</a:t>
+            </a:r>
+          </a:p>
+        </p:txBody>
+      </p:sp>
+      <p:sp>
+        <p:nvSpPr>
+          <p:cNvPr id="13" name="文字方塊 12"/>
+          <p:cNvSpPr txBox="1"/>
+          <p:nvPr/>
+        </p:nvSpPr>
+        <p:spPr>
+          <a:xfrm>
+            <a:off x="4211960" y="1918858"/>
+            <a:ext cx="1944216" cy="369332"/>
+          </a:xfrm>
+          <a:prstGeom prst="rect">
+            <a:avLst/>
+          </a:prstGeom>
+        </p:spPr>
+        <p:style>
+          <a:lnRef idx="1">
+            <a:schemeClr val="accent2"/>
+          </a:lnRef>
+          <a:fillRef idx="3">
+            <a:schemeClr val="accent2"/>
+          </a:fillRef>
+          <a:effectRef idx="2">
+            <a:schemeClr val="accent2"/>
+          </a:effectRef>
+          <a:fontRef idx="minor">
+            <a:schemeClr val="lt1"/>
+          </a:fontRef>
+        </p:style>
+        <p:txBody>
+          <a:bodyPr wrap="square" rtlCol="0">
+            <a:spAutoFit/>
+          </a:bodyPr>
+          <a:lstStyle>
+            <a:defPPr>
+              <a:defRPr lang="zh-TW"/>
+            </a:defPPr>
+            <a:lvl1pPr marL="0" algn="l" defTabSz="914400" rtl="0" eaLnBrk="1" latinLnBrk="0" hangingPunct="1">
+              <a:defRPr sz="1800" kern="1200">
+                <a:solidFill>
+                  <a:schemeClr val="lt1"/>
+                </a:solidFill>
+                <a:latin typeface="+mn-lt"/>
+                <a:ea typeface="+mn-ea"/>
+                <a:cs typeface="+mn-cs"/>
+              </a:defRPr>
+            </a:lvl1pPr>
+            <a:lvl2pPr marL="457200" algn="l" defTabSz="914400" rtl="0" eaLnBrk="1" latinLnBrk="0" hangingPunct="1">
+              <a:defRPr sz="1800" kern="1200">
+                <a:solidFill>
+                  <a:schemeClr val="lt1"/>
+                </a:solidFill>
+                <a:latin typeface="+mn-lt"/>
+                <a:ea typeface="+mn-ea"/>
+                <a:cs typeface="+mn-cs"/>
+              </a:defRPr>
+            </a:lvl2pPr>
+            <a:lvl3pPr marL="914400" algn="l" defTabSz="914400" rtl="0" eaLnBrk="1" latinLnBrk="0" hangingPunct="1">
+              <a:defRPr sz="1800" kern="1200">
+                <a:solidFill>
+                  <a:schemeClr val="lt1"/>
+                </a:solidFill>
+                <a:latin typeface="+mn-lt"/>
+                <a:ea typeface="+mn-ea"/>
+                <a:cs typeface="+mn-cs"/>
+              </a:defRPr>
+            </a:lvl3pPr>
+            <a:lvl4pPr marL="1371600" algn="l" defTabSz="914400" rtl="0" eaLnBrk="1" latinLnBrk="0" hangingPunct="1">
+              <a:defRPr sz="1800" kern="1200">
+                <a:solidFill>
+                  <a:schemeClr val="lt1"/>
+                </a:solidFill>
+                <a:latin typeface="+mn-lt"/>
+                <a:ea typeface="+mn-ea"/>
+                <a:cs typeface="+mn-cs"/>
+              </a:defRPr>
+            </a:lvl4pPr>
+            <a:lvl5pPr marL="1828800" algn="l" defTabSz="914400" rtl="0" eaLnBrk="1" latinLnBrk="0" hangingPunct="1">
+              <a:defRPr sz="1800" kern="1200">
+                <a:solidFill>
+                  <a:schemeClr val="lt1"/>
+                </a:solidFill>
+                <a:latin typeface="+mn-lt"/>
+                <a:ea typeface="+mn-ea"/>
+                <a:cs typeface="+mn-cs"/>
+              </a:defRPr>
+            </a:lvl5pPr>
+            <a:lvl6pPr marL="2286000" algn="l" defTabSz="914400" rtl="0" eaLnBrk="1" latinLnBrk="0" hangingPunct="1">
+              <a:defRPr sz="1800" kern="1200">
+                <a:solidFill>
+                  <a:schemeClr val="lt1"/>
+                </a:solidFill>
+                <a:latin typeface="+mn-lt"/>
+                <a:ea typeface="+mn-ea"/>
+                <a:cs typeface="+mn-cs"/>
+              </a:defRPr>
+            </a:lvl6pPr>
+            <a:lvl7pPr marL="2743200" algn="l" defTabSz="914400" rtl="0" eaLnBrk="1" latinLnBrk="0" hangingPunct="1">
+              <a:defRPr sz="1800" kern="1200">
+                <a:solidFill>
+                  <a:schemeClr val="lt1"/>
+                </a:solidFill>
+                <a:latin typeface="+mn-lt"/>
+                <a:ea typeface="+mn-ea"/>
+                <a:cs typeface="+mn-cs"/>
+              </a:defRPr>
+            </a:lvl7pPr>
+            <a:lvl8pPr marL="3200400" algn="l" defTabSz="914400" rtl="0" eaLnBrk="1" latinLnBrk="0" hangingPunct="1">
+              <a:defRPr sz="1800" kern="1200">
+                <a:solidFill>
+                  <a:schemeClr val="lt1"/>
+                </a:solidFill>
+                <a:latin typeface="+mn-lt"/>
+                <a:ea typeface="+mn-ea"/>
+                <a:cs typeface="+mn-cs"/>
+              </a:defRPr>
+            </a:lvl8pPr>
+            <a:lvl9pPr marL="3657600" algn="l" defTabSz="914400" rtl="0" eaLnBrk="1" latinLnBrk="0" hangingPunct="1">
+              <a:defRPr sz="1800" kern="1200">
+                <a:solidFill>
+                  <a:schemeClr val="lt1"/>
+                </a:solidFill>
+                <a:latin typeface="+mn-lt"/>
+                <a:ea typeface="+mn-ea"/>
+                <a:cs typeface="+mn-cs"/>
+              </a:defRPr>
+            </a:lvl9pPr>
+          </a:lstStyle>
+          <a:p>
+            <a:r>
+              <a:rPr lang="zh-TW" altLang="en-US" dirty="0" smtClean="0"/>
               <a:t>點選</a:t>
             </a:r>
             <a:r>
               <a:rPr lang="zh-TW" altLang="en-US" dirty="0" smtClean="0">
                 <a:latin typeface="新細明體"/>
               </a:rPr>
-              <a:t>「流程紀錄」可查看案件流程資訊</a:t>
-            </a:r>
-            <a:endParaRPr lang="en-US" altLang="zh-TW" dirty="0" smtClean="0">
-              <a:latin typeface="新細明體"/>
-            </a:endParaRPr>
+              <a:t>「簽核作業」</a:t>
+            </a:r>
+            <a:endParaRPr lang="zh-TW" altLang="en-US" dirty="0"/>
           </a:p>
         </p:txBody>
       </p:sp>
       <p:cxnSp>
         <p:nvCxnSpPr>
-          <p:cNvPr id="7" name="直線單箭頭接點 6"/>
+          <p:cNvPr id="14" name="直線單箭頭接點 13"/>
           <p:cNvCxnSpPr>
-            <a:stCxn id="6" idx="1"/>
+            <a:stCxn id="13" idx="1"/>
           </p:cNvCxnSpPr>
           <p:nvPr/>
         </p:nvCxnSpPr>
         <p:spPr>
           <a:xfrm flipH="1">
-            <a:off x="3779912" y="2317522"/>
-            <a:ext cx="288032" cy="607422"/>
+            <a:off x="3563888" y="2103524"/>
+            <a:ext cx="648072" cy="0"/>
           </a:xfrm>
           <a:prstGeom prst="straightConnector1">
             <a:avLst/>
@@ -9773,7 +10809,7 @@
             </a:r>
             <a:r>
               <a:rPr lang="en-US" altLang="zh-TW" dirty="0" smtClean="0"/>
-              <a:t>(6/8)</a:t>
+              <a:t>(6/9)</a:t>
             </a:r>
             <a:endParaRPr lang="en-US" altLang="zh-TW" dirty="0"/>
           </a:p>
@@ -9799,25 +10835,6 @@
               <a:pPr/>
               <a:t>22</a:t>
             </a:fld>
-            <a:endParaRPr lang="zh-TW" altLang="en-US" dirty="0"/>
-          </a:p>
-        </p:txBody>
-      </p:sp>
-      <p:sp>
-        <p:nvSpPr>
-          <p:cNvPr id="4" name="內容版面配置區 3"/>
-          <p:cNvSpPr>
-            <a:spLocks noGrp="1"/>
-          </p:cNvSpPr>
-          <p:nvPr>
-            <p:ph idx="1"/>
-          </p:nvPr>
-        </p:nvSpPr>
-        <p:spPr/>
-        <p:txBody>
-          <a:bodyPr/>
-          <a:lstStyle/>
-          <a:p>
             <a:endParaRPr lang="zh-TW" altLang="en-US" dirty="0"/>
           </a:p>
         </p:txBody>
@@ -9838,13 +10855,13 @@
               </a:ext>
             </a:extLst>
           </a:blip>
-          <a:srcRect l="15021"/>
+          <a:srcRect t="66133"/>
           <a:stretch/>
         </p:blipFill>
         <p:spPr>
           <a:xfrm>
-            <a:off x="846852" y="1052735"/>
-            <a:ext cx="7325548" cy="5501351"/>
+            <a:off x="467544" y="2649504"/>
+            <a:ext cx="8280920" cy="2442107"/>
           </a:xfrm>
           <a:prstGeom prst="rect">
             <a:avLst/>
@@ -9853,14 +10870,92 @@
       </p:pic>
       <p:sp>
         <p:nvSpPr>
-          <p:cNvPr id="6" name="文字方塊 12"/>
+          <p:cNvPr id="19" name="矩形 18"/>
+          <p:cNvSpPr/>
+          <p:nvPr/>
+        </p:nvSpPr>
+        <p:spPr>
+          <a:xfrm>
+            <a:off x="395537" y="2564904"/>
+            <a:ext cx="936104" cy="576064"/>
+          </a:xfrm>
+          <a:prstGeom prst="rect">
+            <a:avLst/>
+          </a:prstGeom>
+          <a:noFill/>
+        </p:spPr>
+        <p:style>
+          <a:lnRef idx="2">
+            <a:schemeClr val="accent2"/>
+          </a:lnRef>
+          <a:fillRef idx="1">
+            <a:schemeClr val="lt1"/>
+          </a:fillRef>
+          <a:effectRef idx="0">
+            <a:schemeClr val="accent2"/>
+          </a:effectRef>
+          <a:fontRef idx="minor">
+            <a:schemeClr val="dk1"/>
+          </a:fontRef>
+        </p:style>
+        <p:txBody>
+          <a:bodyPr rtlCol="0" anchor="ctr"/>
+          <a:lstStyle/>
+          <a:p>
+            <a:pPr algn="ctr"/>
+            <a:endParaRPr lang="zh-TW" altLang="en-US"/>
+          </a:p>
+        </p:txBody>
+      </p:sp>
+      <p:sp>
+        <p:nvSpPr>
+          <p:cNvPr id="22" name="矩形 21"/>
+          <p:cNvSpPr/>
+          <p:nvPr/>
+        </p:nvSpPr>
+        <p:spPr>
+          <a:xfrm>
+            <a:off x="3419872" y="3140968"/>
+            <a:ext cx="1008112" cy="1372798"/>
+          </a:xfrm>
+          <a:prstGeom prst="rect">
+            <a:avLst/>
+          </a:prstGeom>
+          <a:noFill/>
+        </p:spPr>
+        <p:style>
+          <a:lnRef idx="2">
+            <a:schemeClr val="accent2"/>
+          </a:lnRef>
+          <a:fillRef idx="1">
+            <a:schemeClr val="lt1"/>
+          </a:fillRef>
+          <a:effectRef idx="0">
+            <a:schemeClr val="accent2"/>
+          </a:effectRef>
+          <a:fontRef idx="minor">
+            <a:schemeClr val="dk1"/>
+          </a:fontRef>
+        </p:style>
+        <p:txBody>
+          <a:bodyPr rtlCol="0" anchor="ctr"/>
+          <a:lstStyle/>
+          <a:p>
+            <a:pPr algn="ctr"/>
+            <a:endParaRPr lang="zh-TW" altLang="en-US"/>
+          </a:p>
+        </p:txBody>
+      </p:sp>
+      <p:sp>
+        <p:nvSpPr>
+          <p:cNvPr id="23" name="文字方塊 12"/>
           <p:cNvSpPr txBox="1"/>
           <p:nvPr/>
         </p:nvSpPr>
         <p:spPr>
           <a:xfrm>
-            <a:off x="5038576" y="2317522"/>
-            <a:ext cx="2160240" cy="369332"/>
+            <a:off x="3336704" y="1541507"/>
+            <a:ext cx="1174445" cy="646331"/>
           </a:xfrm>
           <a:prstGeom prst="rect">
             <a:avLst/>
@@ -9981,70 +11076,62 @@
           </a:lstStyle>
           <a:p>
             <a:r>
-              <a:rPr lang="en-US" altLang="zh-TW" dirty="0" smtClean="0"/>
-              <a:t>1. </a:t>
-            </a:r>
-            <a:r>
               <a:rPr lang="zh-TW" altLang="en-US" dirty="0" smtClean="0"/>
-              <a:t>點選</a:t>
-            </a:r>
-            <a:r>
-              <a:rPr lang="zh-TW" altLang="en-US" dirty="0" smtClean="0">
-                <a:latin typeface="新細明體"/>
-              </a:rPr>
-              <a:t>「簽核作業」</a:t>
-            </a:r>
-            <a:endParaRPr lang="en-US" altLang="zh-TW" dirty="0" smtClean="0">
-              <a:latin typeface="新細明體"/>
-            </a:endParaRPr>
-          </a:p>
-        </p:txBody>
-      </p:sp>
-      <p:cxnSp>
-        <p:nvCxnSpPr>
-          <p:cNvPr id="7" name="直線單箭頭接點 6"/>
-          <p:cNvCxnSpPr>
-            <a:stCxn id="6" idx="1"/>
-          </p:cNvCxnSpPr>
+              <a:t>意見欄與簽核結果</a:t>
+            </a:r>
+            <a:endParaRPr lang="zh-TW" altLang="en-US" dirty="0"/>
+          </a:p>
+        </p:txBody>
+      </p:sp>
+      <p:sp>
+        <p:nvSpPr>
+          <p:cNvPr id="24" name="矩形 23"/>
+          <p:cNvSpPr/>
           <p:nvPr/>
-        </p:nvCxnSpPr>
-        <p:spPr>
-          <a:xfrm flipH="1">
-            <a:off x="4390504" y="2502188"/>
-            <a:ext cx="648072" cy="303711"/>
-          </a:xfrm>
-          <a:prstGeom prst="straightConnector1">
+        </p:nvSpPr>
+        <p:spPr>
+          <a:xfrm>
+            <a:off x="1359402" y="3140968"/>
+            <a:ext cx="1484405" cy="1372798"/>
+          </a:xfrm>
+          <a:prstGeom prst="rect">
             <a:avLst/>
           </a:prstGeom>
-          <a:ln>
-            <a:tailEnd type="arrow"/>
-          </a:ln>
+          <a:noFill/>
         </p:spPr>
         <p:style>
           <a:lnRef idx="2">
             <a:schemeClr val="accent2"/>
           </a:lnRef>
-          <a:fillRef idx="0">
-            <a:schemeClr val="accent2"/>
+          <a:fillRef idx="1">
+            <a:schemeClr val="lt1"/>
           </a:fillRef>
-          <a:effectRef idx="1">
+          <a:effectRef idx="0">
             <a:schemeClr val="accent2"/>
           </a:effectRef>
           <a:fontRef idx="minor">
-            <a:schemeClr val="tx1"/>
+            <a:schemeClr val="dk1"/>
           </a:fontRef>
         </p:style>
-      </p:cxnSp>
-      <p:sp>
-        <p:nvSpPr>
-          <p:cNvPr id="10" name="文字方塊 12"/>
+        <p:txBody>
+          <a:bodyPr rtlCol="0" anchor="ctr"/>
+          <a:lstStyle/>
+          <a:p>
+            <a:pPr algn="ctr"/>
+            <a:endParaRPr lang="zh-TW" altLang="en-US"/>
+          </a:p>
+        </p:txBody>
+      </p:sp>
+      <p:sp>
+        <p:nvSpPr>
+          <p:cNvPr id="27" name="文字方塊 12"/>
           <p:cNvSpPr txBox="1"/>
           <p:nvPr/>
         </p:nvSpPr>
         <p:spPr>
           <a:xfrm>
-            <a:off x="3963475" y="3618744"/>
-            <a:ext cx="1832661" cy="369332"/>
+            <a:off x="1370179" y="1680007"/>
+            <a:ext cx="1462850" cy="369332"/>
           </a:xfrm>
           <a:prstGeom prst="rect">
             <a:avLst/>
@@ -10165,409 +11252,26 @@
           </a:lstStyle>
           <a:p>
             <a:r>
-              <a:rPr lang="en-US" altLang="zh-TW" dirty="0" smtClean="0"/>
-              <a:t>2. </a:t>
-            </a:r>
-            <a:r>
-              <a:rPr lang="zh-TW" altLang="en-US" dirty="0"/>
-              <a:t>勾</a:t>
-            </a:r>
-            <a:r>
               <a:rPr lang="zh-TW" altLang="en-US" dirty="0" smtClean="0"/>
-              <a:t>選</a:t>
-            </a:r>
-            <a:r>
-              <a:rPr lang="zh-TW" altLang="en-US" dirty="0">
-                <a:latin typeface="新細明體"/>
-              </a:rPr>
-              <a:t>簽</a:t>
-            </a:r>
-            <a:r>
-              <a:rPr lang="zh-TW" altLang="en-US" dirty="0" smtClean="0">
-                <a:latin typeface="新細明體"/>
-              </a:rPr>
-              <a:t>核</a:t>
-            </a:r>
-            <a:r>
-              <a:rPr lang="zh-TW" altLang="en-US" dirty="0">
-                <a:latin typeface="新細明體"/>
-              </a:rPr>
-              <a:t>結果</a:t>
-            </a:r>
-            <a:endParaRPr lang="en-US" altLang="zh-TW" dirty="0" smtClean="0">
-              <a:latin typeface="新細明體"/>
-            </a:endParaRPr>
+              <a:t>該關卡人員</a:t>
+            </a:r>
+            <a:endParaRPr lang="zh-TW" altLang="en-US" dirty="0"/>
           </a:p>
         </p:txBody>
       </p:sp>
       <p:cxnSp>
         <p:nvCxnSpPr>
-          <p:cNvPr id="12" name="直線單箭頭接點 11"/>
+          <p:cNvPr id="28" name="直線單箭頭接點 27"/>
           <p:cNvCxnSpPr>
-            <a:stCxn id="10" idx="1"/>
+            <a:stCxn id="23" idx="2"/>
+            <a:endCxn id="22" idx="0"/>
           </p:cNvCxnSpPr>
           <p:nvPr/>
         </p:nvCxnSpPr>
         <p:spPr>
-          <a:xfrm flipH="1">
-            <a:off x="3131841" y="3803410"/>
-            <a:ext cx="831634" cy="184666"/>
-          </a:xfrm>
-          <a:prstGeom prst="straightConnector1">
-            <a:avLst/>
-          </a:prstGeom>
-          <a:ln>
-            <a:tailEnd type="arrow"/>
-          </a:ln>
-        </p:spPr>
-        <p:style>
-          <a:lnRef idx="2">
-            <a:schemeClr val="accent2"/>
-          </a:lnRef>
-          <a:fillRef idx="0">
-            <a:schemeClr val="accent2"/>
-          </a:fillRef>
-          <a:effectRef idx="1">
-            <a:schemeClr val="accent2"/>
-          </a:effectRef>
-          <a:fontRef idx="minor">
-            <a:schemeClr val="tx1"/>
-          </a:fontRef>
-        </p:style>
-      </p:cxnSp>
-      <p:sp>
-        <p:nvSpPr>
-          <p:cNvPr id="14" name="文字方塊 12"/>
-          <p:cNvSpPr txBox="1"/>
-          <p:nvPr/>
-        </p:nvSpPr>
-        <p:spPr>
           <a:xfrm>
-            <a:off x="4479499" y="4142353"/>
-            <a:ext cx="1388645" cy="369332"/>
-          </a:xfrm>
-          <a:prstGeom prst="rect">
-            <a:avLst/>
-          </a:prstGeom>
-        </p:spPr>
-        <p:style>
-          <a:lnRef idx="1">
-            <a:schemeClr val="accent2"/>
-          </a:lnRef>
-          <a:fillRef idx="3">
-            <a:schemeClr val="accent2"/>
-          </a:fillRef>
-          <a:effectRef idx="2">
-            <a:schemeClr val="accent2"/>
-          </a:effectRef>
-          <a:fontRef idx="minor">
-            <a:schemeClr val="lt1"/>
-          </a:fontRef>
-        </p:style>
-        <p:txBody>
-          <a:bodyPr wrap="square" rtlCol="0">
-            <a:spAutoFit/>
-          </a:bodyPr>
-          <a:lstStyle>
-            <a:defPPr>
-              <a:defRPr lang="zh-TW"/>
-            </a:defPPr>
-            <a:lvl1pPr marL="0" algn="l" defTabSz="914400" rtl="0" eaLnBrk="1" latinLnBrk="0" hangingPunct="1">
-              <a:defRPr sz="1800" kern="1200">
-                <a:solidFill>
-                  <a:schemeClr val="lt1"/>
-                </a:solidFill>
-                <a:latin typeface="+mn-lt"/>
-                <a:ea typeface="+mn-ea"/>
-                <a:cs typeface="+mn-cs"/>
-              </a:defRPr>
-            </a:lvl1pPr>
-            <a:lvl2pPr marL="457200" algn="l" defTabSz="914400" rtl="0" eaLnBrk="1" latinLnBrk="0" hangingPunct="1">
-              <a:defRPr sz="1800" kern="1200">
-                <a:solidFill>
-                  <a:schemeClr val="lt1"/>
-                </a:solidFill>
-                <a:latin typeface="+mn-lt"/>
-                <a:ea typeface="+mn-ea"/>
-                <a:cs typeface="+mn-cs"/>
-              </a:defRPr>
-            </a:lvl2pPr>
-            <a:lvl3pPr marL="914400" algn="l" defTabSz="914400" rtl="0" eaLnBrk="1" latinLnBrk="0" hangingPunct="1">
-              <a:defRPr sz="1800" kern="1200">
-                <a:solidFill>
-                  <a:schemeClr val="lt1"/>
-                </a:solidFill>
-                <a:latin typeface="+mn-lt"/>
-                <a:ea typeface="+mn-ea"/>
-                <a:cs typeface="+mn-cs"/>
-              </a:defRPr>
-            </a:lvl3pPr>
-            <a:lvl4pPr marL="1371600" algn="l" defTabSz="914400" rtl="0" eaLnBrk="1" latinLnBrk="0" hangingPunct="1">
-              <a:defRPr sz="1800" kern="1200">
-                <a:solidFill>
-                  <a:schemeClr val="lt1"/>
-                </a:solidFill>
-                <a:latin typeface="+mn-lt"/>
-                <a:ea typeface="+mn-ea"/>
-                <a:cs typeface="+mn-cs"/>
-              </a:defRPr>
-            </a:lvl4pPr>
-            <a:lvl5pPr marL="1828800" algn="l" defTabSz="914400" rtl="0" eaLnBrk="1" latinLnBrk="0" hangingPunct="1">
-              <a:defRPr sz="1800" kern="1200">
-                <a:solidFill>
-                  <a:schemeClr val="lt1"/>
-                </a:solidFill>
-                <a:latin typeface="+mn-lt"/>
-                <a:ea typeface="+mn-ea"/>
-                <a:cs typeface="+mn-cs"/>
-              </a:defRPr>
-            </a:lvl5pPr>
-            <a:lvl6pPr marL="2286000" algn="l" defTabSz="914400" rtl="0" eaLnBrk="1" latinLnBrk="0" hangingPunct="1">
-              <a:defRPr sz="1800" kern="1200">
-                <a:solidFill>
-                  <a:schemeClr val="lt1"/>
-                </a:solidFill>
-                <a:latin typeface="+mn-lt"/>
-                <a:ea typeface="+mn-ea"/>
-                <a:cs typeface="+mn-cs"/>
-              </a:defRPr>
-            </a:lvl6pPr>
-            <a:lvl7pPr marL="2743200" algn="l" defTabSz="914400" rtl="0" eaLnBrk="1" latinLnBrk="0" hangingPunct="1">
-              <a:defRPr sz="1800" kern="1200">
-                <a:solidFill>
-                  <a:schemeClr val="lt1"/>
-                </a:solidFill>
-                <a:latin typeface="+mn-lt"/>
-                <a:ea typeface="+mn-ea"/>
-                <a:cs typeface="+mn-cs"/>
-              </a:defRPr>
-            </a:lvl7pPr>
-            <a:lvl8pPr marL="3200400" algn="l" defTabSz="914400" rtl="0" eaLnBrk="1" latinLnBrk="0" hangingPunct="1">
-              <a:defRPr sz="1800" kern="1200">
-                <a:solidFill>
-                  <a:schemeClr val="lt1"/>
-                </a:solidFill>
-                <a:latin typeface="+mn-lt"/>
-                <a:ea typeface="+mn-ea"/>
-                <a:cs typeface="+mn-cs"/>
-              </a:defRPr>
-            </a:lvl8pPr>
-            <a:lvl9pPr marL="3657600" algn="l" defTabSz="914400" rtl="0" eaLnBrk="1" latinLnBrk="0" hangingPunct="1">
-              <a:defRPr sz="1800" kern="1200">
-                <a:solidFill>
-                  <a:schemeClr val="lt1"/>
-                </a:solidFill>
-                <a:latin typeface="+mn-lt"/>
-                <a:ea typeface="+mn-ea"/>
-                <a:cs typeface="+mn-cs"/>
-              </a:defRPr>
-            </a:lvl9pPr>
-          </a:lstStyle>
-          <a:p>
-            <a:r>
-              <a:rPr lang="en-US" altLang="zh-TW" dirty="0" smtClean="0"/>
-              <a:t>3. </a:t>
-            </a:r>
-            <a:r>
-              <a:rPr lang="zh-TW" altLang="en-US" dirty="0" smtClean="0"/>
-              <a:t>輸入意見</a:t>
-            </a:r>
-            <a:endParaRPr lang="en-US" altLang="zh-TW" dirty="0" smtClean="0">
-              <a:latin typeface="新細明體"/>
-            </a:endParaRPr>
-          </a:p>
-        </p:txBody>
-      </p:sp>
-      <p:cxnSp>
-        <p:nvCxnSpPr>
-          <p:cNvPr id="15" name="直線單箭頭接點 14"/>
-          <p:cNvCxnSpPr>
-            <a:stCxn id="14" idx="1"/>
-          </p:cNvCxnSpPr>
-          <p:nvPr/>
-        </p:nvCxnSpPr>
-        <p:spPr>
-          <a:xfrm flipH="1">
-            <a:off x="3647865" y="4327019"/>
-            <a:ext cx="831634" cy="184666"/>
-          </a:xfrm>
-          <a:prstGeom prst="straightConnector1">
-            <a:avLst/>
-          </a:prstGeom>
-          <a:ln>
-            <a:tailEnd type="arrow"/>
-          </a:ln>
-        </p:spPr>
-        <p:style>
-          <a:lnRef idx="2">
-            <a:schemeClr val="accent2"/>
-          </a:lnRef>
-          <a:fillRef idx="0">
-            <a:schemeClr val="accent2"/>
-          </a:fillRef>
-          <a:effectRef idx="1">
-            <a:schemeClr val="accent2"/>
-          </a:effectRef>
-          <a:fontRef idx="minor">
-            <a:schemeClr val="tx1"/>
-          </a:fontRef>
-        </p:style>
-      </p:cxnSp>
-      <p:sp>
-        <p:nvSpPr>
-          <p:cNvPr id="17" name="文字方塊 12"/>
-          <p:cNvSpPr txBox="1"/>
-          <p:nvPr/>
-        </p:nvSpPr>
-        <p:spPr>
-          <a:xfrm>
-            <a:off x="4929513" y="5363955"/>
-            <a:ext cx="3026863" cy="369332"/>
-          </a:xfrm>
-          <a:prstGeom prst="rect">
-            <a:avLst/>
-          </a:prstGeom>
-        </p:spPr>
-        <p:style>
-          <a:lnRef idx="1">
-            <a:schemeClr val="accent2"/>
-          </a:lnRef>
-          <a:fillRef idx="3">
-            <a:schemeClr val="accent2"/>
-          </a:fillRef>
-          <a:effectRef idx="2">
-            <a:schemeClr val="accent2"/>
-          </a:effectRef>
-          <a:fontRef idx="minor">
-            <a:schemeClr val="lt1"/>
-          </a:fontRef>
-        </p:style>
-        <p:txBody>
-          <a:bodyPr wrap="square" rtlCol="0">
-            <a:spAutoFit/>
-          </a:bodyPr>
-          <a:lstStyle>
-            <a:defPPr>
-              <a:defRPr lang="zh-TW"/>
-            </a:defPPr>
-            <a:lvl1pPr marL="0" algn="l" defTabSz="914400" rtl="0" eaLnBrk="1" latinLnBrk="0" hangingPunct="1">
-              <a:defRPr sz="1800" kern="1200">
-                <a:solidFill>
-                  <a:schemeClr val="lt1"/>
-                </a:solidFill>
-                <a:latin typeface="+mn-lt"/>
-                <a:ea typeface="+mn-ea"/>
-                <a:cs typeface="+mn-cs"/>
-              </a:defRPr>
-            </a:lvl1pPr>
-            <a:lvl2pPr marL="457200" algn="l" defTabSz="914400" rtl="0" eaLnBrk="1" latinLnBrk="0" hangingPunct="1">
-              <a:defRPr sz="1800" kern="1200">
-                <a:solidFill>
-                  <a:schemeClr val="lt1"/>
-                </a:solidFill>
-                <a:latin typeface="+mn-lt"/>
-                <a:ea typeface="+mn-ea"/>
-                <a:cs typeface="+mn-cs"/>
-              </a:defRPr>
-            </a:lvl2pPr>
-            <a:lvl3pPr marL="914400" algn="l" defTabSz="914400" rtl="0" eaLnBrk="1" latinLnBrk="0" hangingPunct="1">
-              <a:defRPr sz="1800" kern="1200">
-                <a:solidFill>
-                  <a:schemeClr val="lt1"/>
-                </a:solidFill>
-                <a:latin typeface="+mn-lt"/>
-                <a:ea typeface="+mn-ea"/>
-                <a:cs typeface="+mn-cs"/>
-              </a:defRPr>
-            </a:lvl3pPr>
-            <a:lvl4pPr marL="1371600" algn="l" defTabSz="914400" rtl="0" eaLnBrk="1" latinLnBrk="0" hangingPunct="1">
-              <a:defRPr sz="1800" kern="1200">
-                <a:solidFill>
-                  <a:schemeClr val="lt1"/>
-                </a:solidFill>
-                <a:latin typeface="+mn-lt"/>
-                <a:ea typeface="+mn-ea"/>
-                <a:cs typeface="+mn-cs"/>
-              </a:defRPr>
-            </a:lvl4pPr>
-            <a:lvl5pPr marL="1828800" algn="l" defTabSz="914400" rtl="0" eaLnBrk="1" latinLnBrk="0" hangingPunct="1">
-              <a:defRPr sz="1800" kern="1200">
-                <a:solidFill>
-                  <a:schemeClr val="lt1"/>
-                </a:solidFill>
-                <a:latin typeface="+mn-lt"/>
-                <a:ea typeface="+mn-ea"/>
-                <a:cs typeface="+mn-cs"/>
-              </a:defRPr>
-            </a:lvl5pPr>
-            <a:lvl6pPr marL="2286000" algn="l" defTabSz="914400" rtl="0" eaLnBrk="1" latinLnBrk="0" hangingPunct="1">
-              <a:defRPr sz="1800" kern="1200">
-                <a:solidFill>
-                  <a:schemeClr val="lt1"/>
-                </a:solidFill>
-                <a:latin typeface="+mn-lt"/>
-                <a:ea typeface="+mn-ea"/>
-                <a:cs typeface="+mn-cs"/>
-              </a:defRPr>
-            </a:lvl6pPr>
-            <a:lvl7pPr marL="2743200" algn="l" defTabSz="914400" rtl="0" eaLnBrk="1" latinLnBrk="0" hangingPunct="1">
-              <a:defRPr sz="1800" kern="1200">
-                <a:solidFill>
-                  <a:schemeClr val="lt1"/>
-                </a:solidFill>
-                <a:latin typeface="+mn-lt"/>
-                <a:ea typeface="+mn-ea"/>
-                <a:cs typeface="+mn-cs"/>
-              </a:defRPr>
-            </a:lvl7pPr>
-            <a:lvl8pPr marL="3200400" algn="l" defTabSz="914400" rtl="0" eaLnBrk="1" latinLnBrk="0" hangingPunct="1">
-              <a:defRPr sz="1800" kern="1200">
-                <a:solidFill>
-                  <a:schemeClr val="lt1"/>
-                </a:solidFill>
-                <a:latin typeface="+mn-lt"/>
-                <a:ea typeface="+mn-ea"/>
-                <a:cs typeface="+mn-cs"/>
-              </a:defRPr>
-            </a:lvl8pPr>
-            <a:lvl9pPr marL="3657600" algn="l" defTabSz="914400" rtl="0" eaLnBrk="1" latinLnBrk="0" hangingPunct="1">
-              <a:defRPr sz="1800" kern="1200">
-                <a:solidFill>
-                  <a:schemeClr val="lt1"/>
-                </a:solidFill>
-                <a:latin typeface="+mn-lt"/>
-                <a:ea typeface="+mn-ea"/>
-                <a:cs typeface="+mn-cs"/>
-              </a:defRPr>
-            </a:lvl9pPr>
-          </a:lstStyle>
-          <a:p>
-            <a:r>
-              <a:rPr lang="en-US" altLang="zh-TW" dirty="0" smtClean="0"/>
-              <a:t>4. </a:t>
-            </a:r>
-            <a:r>
-              <a:rPr lang="zh-TW" altLang="en-US" dirty="0" smtClean="0"/>
-              <a:t>選擇流程關卡、關卡人員</a:t>
-            </a:r>
-            <a:endParaRPr lang="en-US" altLang="zh-TW" dirty="0" smtClean="0">
-              <a:latin typeface="新細明體"/>
-            </a:endParaRPr>
-          </a:p>
-        </p:txBody>
-      </p:sp>
-      <p:cxnSp>
-        <p:nvCxnSpPr>
-          <p:cNvPr id="18" name="直線單箭頭接點 17"/>
-          <p:cNvCxnSpPr>
-            <a:stCxn id="17" idx="1"/>
-          </p:cNvCxnSpPr>
-          <p:nvPr/>
-        </p:nvCxnSpPr>
-        <p:spPr>
-          <a:xfrm flipH="1" flipV="1">
-            <a:off x="3963475" y="5003933"/>
-            <a:ext cx="966038" cy="544688"/>
+            <a:off x="3923927" y="2187838"/>
+            <a:ext cx="1" cy="953130"/>
           </a:xfrm>
           <a:prstGeom prst="straightConnector1">
             <a:avLst/>
@@ -10593,212 +11297,17 @@
       </p:cxnSp>
       <p:cxnSp>
         <p:nvCxnSpPr>
-          <p:cNvPr id="20" name="直線單箭頭接點 19"/>
+          <p:cNvPr id="29" name="直線單箭頭接點 28"/>
           <p:cNvCxnSpPr>
-            <a:stCxn id="17" idx="1"/>
+            <a:stCxn id="27" idx="2"/>
+            <a:endCxn id="24" idx="0"/>
           </p:cNvCxnSpPr>
           <p:nvPr/>
         </p:nvCxnSpPr>
         <p:spPr>
-          <a:xfrm flipH="1" flipV="1">
-            <a:off x="3275857" y="5363955"/>
-            <a:ext cx="1653656" cy="184666"/>
-          </a:xfrm>
-          <a:prstGeom prst="straightConnector1">
-            <a:avLst/>
-          </a:prstGeom>
-          <a:ln>
-            <a:tailEnd type="arrow"/>
-          </a:ln>
-        </p:spPr>
-        <p:style>
-          <a:lnRef idx="2">
-            <a:schemeClr val="accent2"/>
-          </a:lnRef>
-          <a:fillRef idx="0">
-            <a:schemeClr val="accent2"/>
-          </a:fillRef>
-          <a:effectRef idx="1">
-            <a:schemeClr val="accent2"/>
-          </a:effectRef>
-          <a:fontRef idx="minor">
-            <a:schemeClr val="tx1"/>
-          </a:fontRef>
-        </p:style>
-      </p:cxnSp>
-      <p:sp>
-        <p:nvSpPr>
-          <p:cNvPr id="25" name="文字方塊 12"/>
-          <p:cNvSpPr txBox="1"/>
-          <p:nvPr/>
-        </p:nvSpPr>
-        <p:spPr>
           <a:xfrm>
-            <a:off x="3284471" y="5877273"/>
-            <a:ext cx="2151625" cy="369332"/>
-          </a:xfrm>
-          <a:prstGeom prst="rect">
-            <a:avLst/>
-          </a:prstGeom>
-        </p:spPr>
-        <p:style>
-          <a:lnRef idx="1">
-            <a:schemeClr val="accent2"/>
-          </a:lnRef>
-          <a:fillRef idx="3">
-            <a:schemeClr val="accent2"/>
-          </a:fillRef>
-          <a:effectRef idx="2">
-            <a:schemeClr val="accent2"/>
-          </a:effectRef>
-          <a:fontRef idx="minor">
-            <a:schemeClr val="lt1"/>
-          </a:fontRef>
-        </p:style>
-        <p:txBody>
-          <a:bodyPr wrap="square" rtlCol="0">
-            <a:spAutoFit/>
-          </a:bodyPr>
-          <a:lstStyle>
-            <a:defPPr>
-              <a:defRPr lang="zh-TW"/>
-            </a:defPPr>
-            <a:lvl1pPr marL="0" algn="l" defTabSz="914400" rtl="0" eaLnBrk="1" latinLnBrk="0" hangingPunct="1">
-              <a:defRPr sz="1800" kern="1200">
-                <a:solidFill>
-                  <a:schemeClr val="lt1"/>
-                </a:solidFill>
-                <a:latin typeface="+mn-lt"/>
-                <a:ea typeface="+mn-ea"/>
-                <a:cs typeface="+mn-cs"/>
-              </a:defRPr>
-            </a:lvl1pPr>
-            <a:lvl2pPr marL="457200" algn="l" defTabSz="914400" rtl="0" eaLnBrk="1" latinLnBrk="0" hangingPunct="1">
-              <a:defRPr sz="1800" kern="1200">
-                <a:solidFill>
-                  <a:schemeClr val="lt1"/>
-                </a:solidFill>
-                <a:latin typeface="+mn-lt"/>
-                <a:ea typeface="+mn-ea"/>
-                <a:cs typeface="+mn-cs"/>
-              </a:defRPr>
-            </a:lvl2pPr>
-            <a:lvl3pPr marL="914400" algn="l" defTabSz="914400" rtl="0" eaLnBrk="1" latinLnBrk="0" hangingPunct="1">
-              <a:defRPr sz="1800" kern="1200">
-                <a:solidFill>
-                  <a:schemeClr val="lt1"/>
-                </a:solidFill>
-                <a:latin typeface="+mn-lt"/>
-                <a:ea typeface="+mn-ea"/>
-                <a:cs typeface="+mn-cs"/>
-              </a:defRPr>
-            </a:lvl3pPr>
-            <a:lvl4pPr marL="1371600" algn="l" defTabSz="914400" rtl="0" eaLnBrk="1" latinLnBrk="0" hangingPunct="1">
-              <a:defRPr sz="1800" kern="1200">
-                <a:solidFill>
-                  <a:schemeClr val="lt1"/>
-                </a:solidFill>
-                <a:latin typeface="+mn-lt"/>
-                <a:ea typeface="+mn-ea"/>
-                <a:cs typeface="+mn-cs"/>
-              </a:defRPr>
-            </a:lvl4pPr>
-            <a:lvl5pPr marL="1828800" algn="l" defTabSz="914400" rtl="0" eaLnBrk="1" latinLnBrk="0" hangingPunct="1">
-              <a:defRPr sz="1800" kern="1200">
-                <a:solidFill>
-                  <a:schemeClr val="lt1"/>
-                </a:solidFill>
-                <a:latin typeface="+mn-lt"/>
-                <a:ea typeface="+mn-ea"/>
-                <a:cs typeface="+mn-cs"/>
-              </a:defRPr>
-            </a:lvl5pPr>
-            <a:lvl6pPr marL="2286000" algn="l" defTabSz="914400" rtl="0" eaLnBrk="1" latinLnBrk="0" hangingPunct="1">
-              <a:defRPr sz="1800" kern="1200">
-                <a:solidFill>
-                  <a:schemeClr val="lt1"/>
-                </a:solidFill>
-                <a:latin typeface="+mn-lt"/>
-                <a:ea typeface="+mn-ea"/>
-                <a:cs typeface="+mn-cs"/>
-              </a:defRPr>
-            </a:lvl6pPr>
-            <a:lvl7pPr marL="2743200" algn="l" defTabSz="914400" rtl="0" eaLnBrk="1" latinLnBrk="0" hangingPunct="1">
-              <a:defRPr sz="1800" kern="1200">
-                <a:solidFill>
-                  <a:schemeClr val="lt1"/>
-                </a:solidFill>
-                <a:latin typeface="+mn-lt"/>
-                <a:ea typeface="+mn-ea"/>
-                <a:cs typeface="+mn-cs"/>
-              </a:defRPr>
-            </a:lvl7pPr>
-            <a:lvl8pPr marL="3200400" algn="l" defTabSz="914400" rtl="0" eaLnBrk="1" latinLnBrk="0" hangingPunct="1">
-              <a:defRPr sz="1800" kern="1200">
-                <a:solidFill>
-                  <a:schemeClr val="lt1"/>
-                </a:solidFill>
-                <a:latin typeface="+mn-lt"/>
-                <a:ea typeface="+mn-ea"/>
-                <a:cs typeface="+mn-cs"/>
-              </a:defRPr>
-            </a:lvl8pPr>
-            <a:lvl9pPr marL="3657600" algn="l" defTabSz="914400" rtl="0" eaLnBrk="1" latinLnBrk="0" hangingPunct="1">
-              <a:defRPr sz="1800" kern="1200">
-                <a:solidFill>
-                  <a:schemeClr val="lt1"/>
-                </a:solidFill>
-                <a:latin typeface="+mn-lt"/>
-                <a:ea typeface="+mn-ea"/>
-                <a:cs typeface="+mn-cs"/>
-              </a:defRPr>
-            </a:lvl9pPr>
-          </a:lstStyle>
-          <a:p>
-            <a:r>
-              <a:rPr lang="en-US" altLang="zh-TW" dirty="0" smtClean="0"/>
-              <a:t>5. </a:t>
-            </a:r>
-            <a:r>
-              <a:rPr lang="zh-TW" altLang="en-US" dirty="0" smtClean="0"/>
-              <a:t>點選</a:t>
-            </a:r>
-            <a:r>
-              <a:rPr lang="zh-TW" altLang="en-US" dirty="0" smtClean="0">
-                <a:latin typeface="新細明體"/>
-              </a:rPr>
-              <a:t>「</a:t>
-            </a:r>
-            <a:r>
-              <a:rPr lang="zh-TW" altLang="en-US" dirty="0">
-                <a:latin typeface="新細明體"/>
-              </a:rPr>
-              <a:t>確定送出</a:t>
-            </a:r>
-            <a:r>
-              <a:rPr lang="zh-TW" altLang="en-US" dirty="0" smtClean="0">
-                <a:latin typeface="新細明體"/>
-              </a:rPr>
-              <a:t>」</a:t>
-            </a:r>
-            <a:endParaRPr lang="en-US" altLang="zh-TW" dirty="0">
-              <a:latin typeface="新細明體"/>
-            </a:endParaRPr>
-          </a:p>
-        </p:txBody>
-      </p:sp>
-      <p:cxnSp>
-        <p:nvCxnSpPr>
-          <p:cNvPr id="26" name="直線單箭頭接點 25"/>
-          <p:cNvCxnSpPr>
-            <a:stCxn id="25" idx="1"/>
-          </p:cNvCxnSpPr>
-          <p:nvPr/>
-        </p:nvCxnSpPr>
-        <p:spPr>
-          <a:xfrm flipH="1" flipV="1">
-            <a:off x="2555777" y="5733287"/>
-            <a:ext cx="728694" cy="328652"/>
+            <a:off x="2101604" y="2049339"/>
+            <a:ext cx="1" cy="1091629"/>
           </a:xfrm>
           <a:prstGeom prst="straightConnector1">
             <a:avLst/>
@@ -10825,7 +11334,7 @@
     </p:spTree>
     <p:extLst>
       <p:ext uri="{BB962C8B-B14F-4D97-AF65-F5344CB8AC3E}">
-        <p14:creationId xmlns:p14="http://schemas.microsoft.com/office/powerpoint/2010/main" val="1164454182"/>
+        <p14:creationId xmlns:p14="http://schemas.microsoft.com/office/powerpoint/2010/main" val="1874635215"/>
       </p:ext>
     </p:extLst>
   </p:cSld>
@@ -10886,11 +11395,11 @@
             </a:r>
             <a:r>
               <a:rPr lang="zh-TW" altLang="en-US" dirty="0" smtClean="0"/>
-              <a:t>關卡人員查詢</a:t>
+              <a:t>簽核作業</a:t>
             </a:r>
             <a:r>
               <a:rPr lang="en-US" altLang="zh-TW" dirty="0" smtClean="0"/>
-              <a:t>(7/8)</a:t>
+              <a:t>(7/9)</a:t>
             </a:r>
             <a:endParaRPr lang="en-US" altLang="zh-TW" dirty="0"/>
           </a:p>
@@ -10955,13 +11464,13 @@
               </a:ext>
             </a:extLst>
           </a:blip>
-          <a:srcRect l="15138"/>
+          <a:srcRect t="16877" b="32643"/>
           <a:stretch/>
         </p:blipFill>
         <p:spPr>
           <a:xfrm>
-            <a:off x="899592" y="1018560"/>
-            <a:ext cx="7373002" cy="5569700"/>
+            <a:off x="385234" y="2036000"/>
+            <a:ext cx="8461723" cy="3719485"/>
           </a:xfrm>
           <a:prstGeom prst="rect">
             <a:avLst/>
@@ -10970,14 +11479,14 @@
       </p:pic>
       <p:sp>
         <p:nvSpPr>
-          <p:cNvPr id="17" name="文字方塊 12"/>
+          <p:cNvPr id="6" name="文字方塊 12"/>
           <p:cNvSpPr txBox="1"/>
           <p:nvPr/>
         </p:nvSpPr>
         <p:spPr>
           <a:xfrm>
-            <a:off x="3606470" y="4067586"/>
-            <a:ext cx="2765730" cy="369332"/>
+            <a:off x="3799685" y="1666668"/>
+            <a:ext cx="2160240" cy="369332"/>
           </a:xfrm>
           <a:prstGeom prst="rect">
             <a:avLst/>
@@ -11103,30 +11612,65 @@
             </a:r>
             <a:r>
               <a:rPr lang="zh-TW" altLang="en-US" dirty="0" smtClean="0"/>
-              <a:t>流程關卡點選</a:t>
+              <a:t>點選</a:t>
             </a:r>
             <a:r>
               <a:rPr lang="zh-TW" altLang="en-US" dirty="0" smtClean="0">
                 <a:latin typeface="新細明體"/>
               </a:rPr>
-              <a:t>「其他」</a:t>
-            </a:r>
-            <a:endParaRPr lang="en-US" altLang="zh-TW" dirty="0">
+              <a:t>「簽核作業」</a:t>
+            </a:r>
+            <a:endParaRPr lang="en-US" altLang="zh-TW" dirty="0" smtClean="0">
               <a:latin typeface="新細明體"/>
             </a:endParaRPr>
           </a:p>
         </p:txBody>
       </p:sp>
-      <p:sp>
-        <p:nvSpPr>
-          <p:cNvPr id="25" name="文字方塊 12"/>
+      <p:cxnSp>
+        <p:nvCxnSpPr>
+          <p:cNvPr id="7" name="直線單箭頭接點 6"/>
+          <p:cNvCxnSpPr>
+            <a:stCxn id="6" idx="1"/>
+          </p:cNvCxnSpPr>
+          <p:nvPr/>
+        </p:nvCxnSpPr>
+        <p:spPr>
+          <a:xfrm flipH="1">
+            <a:off x="3151613" y="1851334"/>
+            <a:ext cx="648072" cy="303711"/>
+          </a:xfrm>
+          <a:prstGeom prst="straightConnector1">
+            <a:avLst/>
+          </a:prstGeom>
+          <a:ln>
+            <a:tailEnd type="arrow"/>
+          </a:ln>
+        </p:spPr>
+        <p:style>
+          <a:lnRef idx="2">
+            <a:schemeClr val="accent2"/>
+          </a:lnRef>
+          <a:fillRef idx="0">
+            <a:schemeClr val="accent2"/>
+          </a:fillRef>
+          <a:effectRef idx="1">
+            <a:schemeClr val="accent2"/>
+          </a:effectRef>
+          <a:fontRef idx="minor">
+            <a:schemeClr val="tx1"/>
+          </a:fontRef>
+        </p:style>
+      </p:cxnSp>
+      <p:sp>
+        <p:nvSpPr>
+          <p:cNvPr id="10" name="文字方塊 12"/>
           <p:cNvSpPr txBox="1"/>
           <p:nvPr/>
         </p:nvSpPr>
         <p:spPr>
           <a:xfrm>
-            <a:off x="4989335" y="4715853"/>
-            <a:ext cx="2390977" cy="369332"/>
+            <a:off x="3799685" y="3235956"/>
+            <a:ext cx="1832661" cy="369332"/>
           </a:xfrm>
           <a:prstGeom prst="rect">
             <a:avLst/>
@@ -11247,16 +11791,621 @@
           </a:lstStyle>
           <a:p>
             <a:r>
-              <a:rPr lang="en-US" altLang="zh-TW" dirty="0"/>
-              <a:t>2</a:t>
-            </a:r>
-            <a:r>
               <a:rPr lang="en-US" altLang="zh-TW" dirty="0" smtClean="0"/>
-              <a:t>. </a:t>
+              <a:t>2. </a:t>
+            </a:r>
+            <a:r>
+              <a:rPr lang="zh-TW" altLang="en-US" dirty="0"/>
+              <a:t>勾</a:t>
             </a:r>
             <a:r>
               <a:rPr lang="zh-TW" altLang="en-US" dirty="0" smtClean="0"/>
-              <a:t>輸入代號或關鍵字</a:t>
+              <a:t>選</a:t>
+            </a:r>
+            <a:r>
+              <a:rPr lang="zh-TW" altLang="en-US" dirty="0">
+                <a:latin typeface="新細明體"/>
+              </a:rPr>
+              <a:t>簽</a:t>
+            </a:r>
+            <a:r>
+              <a:rPr lang="zh-TW" altLang="en-US" dirty="0" smtClean="0">
+                <a:latin typeface="新細明體"/>
+              </a:rPr>
+              <a:t>核</a:t>
+            </a:r>
+            <a:r>
+              <a:rPr lang="zh-TW" altLang="en-US" dirty="0">
+                <a:latin typeface="新細明體"/>
+              </a:rPr>
+              <a:t>結果</a:t>
+            </a:r>
+            <a:endParaRPr lang="en-US" altLang="zh-TW" dirty="0" smtClean="0">
+              <a:latin typeface="新細明體"/>
+            </a:endParaRPr>
+          </a:p>
+        </p:txBody>
+      </p:sp>
+      <p:cxnSp>
+        <p:nvCxnSpPr>
+          <p:cNvPr id="12" name="直線單箭頭接點 11"/>
+          <p:cNvCxnSpPr>
+            <a:stCxn id="10" idx="1"/>
+          </p:cNvCxnSpPr>
+          <p:nvPr/>
+        </p:nvCxnSpPr>
+        <p:spPr>
+          <a:xfrm flipH="1">
+            <a:off x="2968051" y="3420622"/>
+            <a:ext cx="831634" cy="184666"/>
+          </a:xfrm>
+          <a:prstGeom prst="straightConnector1">
+            <a:avLst/>
+          </a:prstGeom>
+          <a:ln>
+            <a:tailEnd type="arrow"/>
+          </a:ln>
+        </p:spPr>
+        <p:style>
+          <a:lnRef idx="2">
+            <a:schemeClr val="accent2"/>
+          </a:lnRef>
+          <a:fillRef idx="0">
+            <a:schemeClr val="accent2"/>
+          </a:fillRef>
+          <a:effectRef idx="1">
+            <a:schemeClr val="accent2"/>
+          </a:effectRef>
+          <a:fontRef idx="minor">
+            <a:schemeClr val="tx1"/>
+          </a:fontRef>
+        </p:style>
+      </p:cxnSp>
+      <p:sp>
+        <p:nvSpPr>
+          <p:cNvPr id="14" name="文字方塊 12"/>
+          <p:cNvSpPr txBox="1"/>
+          <p:nvPr/>
+        </p:nvSpPr>
+        <p:spPr>
+          <a:xfrm>
+            <a:off x="3799685" y="3895742"/>
+            <a:ext cx="1388645" cy="369332"/>
+          </a:xfrm>
+          <a:prstGeom prst="rect">
+            <a:avLst/>
+          </a:prstGeom>
+        </p:spPr>
+        <p:style>
+          <a:lnRef idx="1">
+            <a:schemeClr val="accent2"/>
+          </a:lnRef>
+          <a:fillRef idx="3">
+            <a:schemeClr val="accent2"/>
+          </a:fillRef>
+          <a:effectRef idx="2">
+            <a:schemeClr val="accent2"/>
+          </a:effectRef>
+          <a:fontRef idx="minor">
+            <a:schemeClr val="lt1"/>
+          </a:fontRef>
+        </p:style>
+        <p:txBody>
+          <a:bodyPr wrap="square" rtlCol="0">
+            <a:spAutoFit/>
+          </a:bodyPr>
+          <a:lstStyle>
+            <a:defPPr>
+              <a:defRPr lang="zh-TW"/>
+            </a:defPPr>
+            <a:lvl1pPr marL="0" algn="l" defTabSz="914400" rtl="0" eaLnBrk="1" latinLnBrk="0" hangingPunct="1">
+              <a:defRPr sz="1800" kern="1200">
+                <a:solidFill>
+                  <a:schemeClr val="lt1"/>
+                </a:solidFill>
+                <a:latin typeface="+mn-lt"/>
+                <a:ea typeface="+mn-ea"/>
+                <a:cs typeface="+mn-cs"/>
+              </a:defRPr>
+            </a:lvl1pPr>
+            <a:lvl2pPr marL="457200" algn="l" defTabSz="914400" rtl="0" eaLnBrk="1" latinLnBrk="0" hangingPunct="1">
+              <a:defRPr sz="1800" kern="1200">
+                <a:solidFill>
+                  <a:schemeClr val="lt1"/>
+                </a:solidFill>
+                <a:latin typeface="+mn-lt"/>
+                <a:ea typeface="+mn-ea"/>
+                <a:cs typeface="+mn-cs"/>
+              </a:defRPr>
+            </a:lvl2pPr>
+            <a:lvl3pPr marL="914400" algn="l" defTabSz="914400" rtl="0" eaLnBrk="1" latinLnBrk="0" hangingPunct="1">
+              <a:defRPr sz="1800" kern="1200">
+                <a:solidFill>
+                  <a:schemeClr val="lt1"/>
+                </a:solidFill>
+                <a:latin typeface="+mn-lt"/>
+                <a:ea typeface="+mn-ea"/>
+                <a:cs typeface="+mn-cs"/>
+              </a:defRPr>
+            </a:lvl3pPr>
+            <a:lvl4pPr marL="1371600" algn="l" defTabSz="914400" rtl="0" eaLnBrk="1" latinLnBrk="0" hangingPunct="1">
+              <a:defRPr sz="1800" kern="1200">
+                <a:solidFill>
+                  <a:schemeClr val="lt1"/>
+                </a:solidFill>
+                <a:latin typeface="+mn-lt"/>
+                <a:ea typeface="+mn-ea"/>
+                <a:cs typeface="+mn-cs"/>
+              </a:defRPr>
+            </a:lvl4pPr>
+            <a:lvl5pPr marL="1828800" algn="l" defTabSz="914400" rtl="0" eaLnBrk="1" latinLnBrk="0" hangingPunct="1">
+              <a:defRPr sz="1800" kern="1200">
+                <a:solidFill>
+                  <a:schemeClr val="lt1"/>
+                </a:solidFill>
+                <a:latin typeface="+mn-lt"/>
+                <a:ea typeface="+mn-ea"/>
+                <a:cs typeface="+mn-cs"/>
+              </a:defRPr>
+            </a:lvl5pPr>
+            <a:lvl6pPr marL="2286000" algn="l" defTabSz="914400" rtl="0" eaLnBrk="1" latinLnBrk="0" hangingPunct="1">
+              <a:defRPr sz="1800" kern="1200">
+                <a:solidFill>
+                  <a:schemeClr val="lt1"/>
+                </a:solidFill>
+                <a:latin typeface="+mn-lt"/>
+                <a:ea typeface="+mn-ea"/>
+                <a:cs typeface="+mn-cs"/>
+              </a:defRPr>
+            </a:lvl6pPr>
+            <a:lvl7pPr marL="2743200" algn="l" defTabSz="914400" rtl="0" eaLnBrk="1" latinLnBrk="0" hangingPunct="1">
+              <a:defRPr sz="1800" kern="1200">
+                <a:solidFill>
+                  <a:schemeClr val="lt1"/>
+                </a:solidFill>
+                <a:latin typeface="+mn-lt"/>
+                <a:ea typeface="+mn-ea"/>
+                <a:cs typeface="+mn-cs"/>
+              </a:defRPr>
+            </a:lvl7pPr>
+            <a:lvl8pPr marL="3200400" algn="l" defTabSz="914400" rtl="0" eaLnBrk="1" latinLnBrk="0" hangingPunct="1">
+              <a:defRPr sz="1800" kern="1200">
+                <a:solidFill>
+                  <a:schemeClr val="lt1"/>
+                </a:solidFill>
+                <a:latin typeface="+mn-lt"/>
+                <a:ea typeface="+mn-ea"/>
+                <a:cs typeface="+mn-cs"/>
+              </a:defRPr>
+            </a:lvl8pPr>
+            <a:lvl9pPr marL="3657600" algn="l" defTabSz="914400" rtl="0" eaLnBrk="1" latinLnBrk="0" hangingPunct="1">
+              <a:defRPr sz="1800" kern="1200">
+                <a:solidFill>
+                  <a:schemeClr val="lt1"/>
+                </a:solidFill>
+                <a:latin typeface="+mn-lt"/>
+                <a:ea typeface="+mn-ea"/>
+                <a:cs typeface="+mn-cs"/>
+              </a:defRPr>
+            </a:lvl9pPr>
+          </a:lstStyle>
+          <a:p>
+            <a:r>
+              <a:rPr lang="en-US" altLang="zh-TW" dirty="0" smtClean="0"/>
+              <a:t>3. </a:t>
+            </a:r>
+            <a:r>
+              <a:rPr lang="zh-TW" altLang="en-US" dirty="0" smtClean="0"/>
+              <a:t>輸入意見</a:t>
+            </a:r>
+            <a:endParaRPr lang="en-US" altLang="zh-TW" dirty="0" smtClean="0">
+              <a:latin typeface="新細明體"/>
+            </a:endParaRPr>
+          </a:p>
+        </p:txBody>
+      </p:sp>
+      <p:cxnSp>
+        <p:nvCxnSpPr>
+          <p:cNvPr id="15" name="直線單箭頭接點 14"/>
+          <p:cNvCxnSpPr>
+            <a:stCxn id="14" idx="1"/>
+          </p:cNvCxnSpPr>
+          <p:nvPr/>
+        </p:nvCxnSpPr>
+        <p:spPr>
+          <a:xfrm flipH="1">
+            <a:off x="2968051" y="4080408"/>
+            <a:ext cx="831634" cy="184666"/>
+          </a:xfrm>
+          <a:prstGeom prst="straightConnector1">
+            <a:avLst/>
+          </a:prstGeom>
+          <a:ln>
+            <a:tailEnd type="arrow"/>
+          </a:ln>
+        </p:spPr>
+        <p:style>
+          <a:lnRef idx="2">
+            <a:schemeClr val="accent2"/>
+          </a:lnRef>
+          <a:fillRef idx="0">
+            <a:schemeClr val="accent2"/>
+          </a:fillRef>
+          <a:effectRef idx="1">
+            <a:schemeClr val="accent2"/>
+          </a:effectRef>
+          <a:fontRef idx="minor">
+            <a:schemeClr val="tx1"/>
+          </a:fontRef>
+        </p:style>
+      </p:cxnSp>
+      <p:sp>
+        <p:nvSpPr>
+          <p:cNvPr id="17" name="文字方塊 12"/>
+          <p:cNvSpPr txBox="1"/>
+          <p:nvPr/>
+        </p:nvSpPr>
+        <p:spPr>
+          <a:xfrm>
+            <a:off x="4716015" y="5179289"/>
+            <a:ext cx="3026863" cy="369332"/>
+          </a:xfrm>
+          <a:prstGeom prst="rect">
+            <a:avLst/>
+          </a:prstGeom>
+        </p:spPr>
+        <p:style>
+          <a:lnRef idx="1">
+            <a:schemeClr val="accent2"/>
+          </a:lnRef>
+          <a:fillRef idx="3">
+            <a:schemeClr val="accent2"/>
+          </a:fillRef>
+          <a:effectRef idx="2">
+            <a:schemeClr val="accent2"/>
+          </a:effectRef>
+          <a:fontRef idx="minor">
+            <a:schemeClr val="lt1"/>
+          </a:fontRef>
+        </p:style>
+        <p:txBody>
+          <a:bodyPr wrap="square" rtlCol="0">
+            <a:spAutoFit/>
+          </a:bodyPr>
+          <a:lstStyle>
+            <a:defPPr>
+              <a:defRPr lang="zh-TW"/>
+            </a:defPPr>
+            <a:lvl1pPr marL="0" algn="l" defTabSz="914400" rtl="0" eaLnBrk="1" latinLnBrk="0" hangingPunct="1">
+              <a:defRPr sz="1800" kern="1200">
+                <a:solidFill>
+                  <a:schemeClr val="lt1"/>
+                </a:solidFill>
+                <a:latin typeface="+mn-lt"/>
+                <a:ea typeface="+mn-ea"/>
+                <a:cs typeface="+mn-cs"/>
+              </a:defRPr>
+            </a:lvl1pPr>
+            <a:lvl2pPr marL="457200" algn="l" defTabSz="914400" rtl="0" eaLnBrk="1" latinLnBrk="0" hangingPunct="1">
+              <a:defRPr sz="1800" kern="1200">
+                <a:solidFill>
+                  <a:schemeClr val="lt1"/>
+                </a:solidFill>
+                <a:latin typeface="+mn-lt"/>
+                <a:ea typeface="+mn-ea"/>
+                <a:cs typeface="+mn-cs"/>
+              </a:defRPr>
+            </a:lvl2pPr>
+            <a:lvl3pPr marL="914400" algn="l" defTabSz="914400" rtl="0" eaLnBrk="1" latinLnBrk="0" hangingPunct="1">
+              <a:defRPr sz="1800" kern="1200">
+                <a:solidFill>
+                  <a:schemeClr val="lt1"/>
+                </a:solidFill>
+                <a:latin typeface="+mn-lt"/>
+                <a:ea typeface="+mn-ea"/>
+                <a:cs typeface="+mn-cs"/>
+              </a:defRPr>
+            </a:lvl3pPr>
+            <a:lvl4pPr marL="1371600" algn="l" defTabSz="914400" rtl="0" eaLnBrk="1" latinLnBrk="0" hangingPunct="1">
+              <a:defRPr sz="1800" kern="1200">
+                <a:solidFill>
+                  <a:schemeClr val="lt1"/>
+                </a:solidFill>
+                <a:latin typeface="+mn-lt"/>
+                <a:ea typeface="+mn-ea"/>
+                <a:cs typeface="+mn-cs"/>
+              </a:defRPr>
+            </a:lvl4pPr>
+            <a:lvl5pPr marL="1828800" algn="l" defTabSz="914400" rtl="0" eaLnBrk="1" latinLnBrk="0" hangingPunct="1">
+              <a:defRPr sz="1800" kern="1200">
+                <a:solidFill>
+                  <a:schemeClr val="lt1"/>
+                </a:solidFill>
+                <a:latin typeface="+mn-lt"/>
+                <a:ea typeface="+mn-ea"/>
+                <a:cs typeface="+mn-cs"/>
+              </a:defRPr>
+            </a:lvl5pPr>
+            <a:lvl6pPr marL="2286000" algn="l" defTabSz="914400" rtl="0" eaLnBrk="1" latinLnBrk="0" hangingPunct="1">
+              <a:defRPr sz="1800" kern="1200">
+                <a:solidFill>
+                  <a:schemeClr val="lt1"/>
+                </a:solidFill>
+                <a:latin typeface="+mn-lt"/>
+                <a:ea typeface="+mn-ea"/>
+                <a:cs typeface="+mn-cs"/>
+              </a:defRPr>
+            </a:lvl6pPr>
+            <a:lvl7pPr marL="2743200" algn="l" defTabSz="914400" rtl="0" eaLnBrk="1" latinLnBrk="0" hangingPunct="1">
+              <a:defRPr sz="1800" kern="1200">
+                <a:solidFill>
+                  <a:schemeClr val="lt1"/>
+                </a:solidFill>
+                <a:latin typeface="+mn-lt"/>
+                <a:ea typeface="+mn-ea"/>
+                <a:cs typeface="+mn-cs"/>
+              </a:defRPr>
+            </a:lvl7pPr>
+            <a:lvl8pPr marL="3200400" algn="l" defTabSz="914400" rtl="0" eaLnBrk="1" latinLnBrk="0" hangingPunct="1">
+              <a:defRPr sz="1800" kern="1200">
+                <a:solidFill>
+                  <a:schemeClr val="lt1"/>
+                </a:solidFill>
+                <a:latin typeface="+mn-lt"/>
+                <a:ea typeface="+mn-ea"/>
+                <a:cs typeface="+mn-cs"/>
+              </a:defRPr>
+            </a:lvl8pPr>
+            <a:lvl9pPr marL="3657600" algn="l" defTabSz="914400" rtl="0" eaLnBrk="1" latinLnBrk="0" hangingPunct="1">
+              <a:defRPr sz="1800" kern="1200">
+                <a:solidFill>
+                  <a:schemeClr val="lt1"/>
+                </a:solidFill>
+                <a:latin typeface="+mn-lt"/>
+                <a:ea typeface="+mn-ea"/>
+                <a:cs typeface="+mn-cs"/>
+              </a:defRPr>
+            </a:lvl9pPr>
+          </a:lstStyle>
+          <a:p>
+            <a:r>
+              <a:rPr lang="en-US" altLang="zh-TW" dirty="0" smtClean="0"/>
+              <a:t>4. </a:t>
+            </a:r>
+            <a:r>
+              <a:rPr lang="zh-TW" altLang="en-US" dirty="0" smtClean="0"/>
+              <a:t>選擇流程關卡、關卡人員</a:t>
+            </a:r>
+            <a:endParaRPr lang="en-US" altLang="zh-TW" dirty="0" smtClean="0">
+              <a:latin typeface="新細明體"/>
+            </a:endParaRPr>
+          </a:p>
+        </p:txBody>
+      </p:sp>
+      <p:cxnSp>
+        <p:nvCxnSpPr>
+          <p:cNvPr id="18" name="直線單箭頭接點 17"/>
+          <p:cNvCxnSpPr>
+            <a:stCxn id="17" idx="1"/>
+          </p:cNvCxnSpPr>
+          <p:nvPr/>
+        </p:nvCxnSpPr>
+        <p:spPr>
+          <a:xfrm flipH="1" flipV="1">
+            <a:off x="3749977" y="4819267"/>
+            <a:ext cx="966038" cy="544688"/>
+          </a:xfrm>
+          <a:prstGeom prst="straightConnector1">
+            <a:avLst/>
+          </a:prstGeom>
+          <a:ln>
+            <a:tailEnd type="arrow"/>
+          </a:ln>
+        </p:spPr>
+        <p:style>
+          <a:lnRef idx="2">
+            <a:schemeClr val="accent2"/>
+          </a:lnRef>
+          <a:fillRef idx="0">
+            <a:schemeClr val="accent2"/>
+          </a:fillRef>
+          <a:effectRef idx="1">
+            <a:schemeClr val="accent2"/>
+          </a:effectRef>
+          <a:fontRef idx="minor">
+            <a:schemeClr val="tx1"/>
+          </a:fontRef>
+        </p:style>
+      </p:cxnSp>
+      <p:cxnSp>
+        <p:nvCxnSpPr>
+          <p:cNvPr id="20" name="直線單箭頭接點 19"/>
+          <p:cNvCxnSpPr>
+            <a:stCxn id="17" idx="1"/>
+          </p:cNvCxnSpPr>
+          <p:nvPr/>
+        </p:nvCxnSpPr>
+        <p:spPr>
+          <a:xfrm flipH="1" flipV="1">
+            <a:off x="3062359" y="5179289"/>
+            <a:ext cx="1653656" cy="184666"/>
+          </a:xfrm>
+          <a:prstGeom prst="straightConnector1">
+            <a:avLst/>
+          </a:prstGeom>
+          <a:ln>
+            <a:tailEnd type="arrow"/>
+          </a:ln>
+        </p:spPr>
+        <p:style>
+          <a:lnRef idx="2">
+            <a:schemeClr val="accent2"/>
+          </a:lnRef>
+          <a:fillRef idx="0">
+            <a:schemeClr val="accent2"/>
+          </a:fillRef>
+          <a:effectRef idx="1">
+            <a:schemeClr val="accent2"/>
+          </a:effectRef>
+          <a:fontRef idx="minor">
+            <a:schemeClr val="tx1"/>
+          </a:fontRef>
+        </p:style>
+      </p:cxnSp>
+      <p:sp>
+        <p:nvSpPr>
+          <p:cNvPr id="25" name="文字方塊 12"/>
+          <p:cNvSpPr txBox="1"/>
+          <p:nvPr/>
+        </p:nvSpPr>
+        <p:spPr>
+          <a:xfrm>
+            <a:off x="3062359" y="5733287"/>
+            <a:ext cx="2151625" cy="369332"/>
+          </a:xfrm>
+          <a:prstGeom prst="rect">
+            <a:avLst/>
+          </a:prstGeom>
+        </p:spPr>
+        <p:style>
+          <a:lnRef idx="1">
+            <a:schemeClr val="accent2"/>
+          </a:lnRef>
+          <a:fillRef idx="3">
+            <a:schemeClr val="accent2"/>
+          </a:fillRef>
+          <a:effectRef idx="2">
+            <a:schemeClr val="accent2"/>
+          </a:effectRef>
+          <a:fontRef idx="minor">
+            <a:schemeClr val="lt1"/>
+          </a:fontRef>
+        </p:style>
+        <p:txBody>
+          <a:bodyPr wrap="square" rtlCol="0">
+            <a:spAutoFit/>
+          </a:bodyPr>
+          <a:lstStyle>
+            <a:defPPr>
+              <a:defRPr lang="zh-TW"/>
+            </a:defPPr>
+            <a:lvl1pPr marL="0" algn="l" defTabSz="914400" rtl="0" eaLnBrk="1" latinLnBrk="0" hangingPunct="1">
+              <a:defRPr sz="1800" kern="1200">
+                <a:solidFill>
+                  <a:schemeClr val="lt1"/>
+                </a:solidFill>
+                <a:latin typeface="+mn-lt"/>
+                <a:ea typeface="+mn-ea"/>
+                <a:cs typeface="+mn-cs"/>
+              </a:defRPr>
+            </a:lvl1pPr>
+            <a:lvl2pPr marL="457200" algn="l" defTabSz="914400" rtl="0" eaLnBrk="1" latinLnBrk="0" hangingPunct="1">
+              <a:defRPr sz="1800" kern="1200">
+                <a:solidFill>
+                  <a:schemeClr val="lt1"/>
+                </a:solidFill>
+                <a:latin typeface="+mn-lt"/>
+                <a:ea typeface="+mn-ea"/>
+                <a:cs typeface="+mn-cs"/>
+              </a:defRPr>
+            </a:lvl2pPr>
+            <a:lvl3pPr marL="914400" algn="l" defTabSz="914400" rtl="0" eaLnBrk="1" latinLnBrk="0" hangingPunct="1">
+              <a:defRPr sz="1800" kern="1200">
+                <a:solidFill>
+                  <a:schemeClr val="lt1"/>
+                </a:solidFill>
+                <a:latin typeface="+mn-lt"/>
+                <a:ea typeface="+mn-ea"/>
+                <a:cs typeface="+mn-cs"/>
+              </a:defRPr>
+            </a:lvl3pPr>
+            <a:lvl4pPr marL="1371600" algn="l" defTabSz="914400" rtl="0" eaLnBrk="1" latinLnBrk="0" hangingPunct="1">
+              <a:defRPr sz="1800" kern="1200">
+                <a:solidFill>
+                  <a:schemeClr val="lt1"/>
+                </a:solidFill>
+                <a:latin typeface="+mn-lt"/>
+                <a:ea typeface="+mn-ea"/>
+                <a:cs typeface="+mn-cs"/>
+              </a:defRPr>
+            </a:lvl4pPr>
+            <a:lvl5pPr marL="1828800" algn="l" defTabSz="914400" rtl="0" eaLnBrk="1" latinLnBrk="0" hangingPunct="1">
+              <a:defRPr sz="1800" kern="1200">
+                <a:solidFill>
+                  <a:schemeClr val="lt1"/>
+                </a:solidFill>
+                <a:latin typeface="+mn-lt"/>
+                <a:ea typeface="+mn-ea"/>
+                <a:cs typeface="+mn-cs"/>
+              </a:defRPr>
+            </a:lvl5pPr>
+            <a:lvl6pPr marL="2286000" algn="l" defTabSz="914400" rtl="0" eaLnBrk="1" latinLnBrk="0" hangingPunct="1">
+              <a:defRPr sz="1800" kern="1200">
+                <a:solidFill>
+                  <a:schemeClr val="lt1"/>
+                </a:solidFill>
+                <a:latin typeface="+mn-lt"/>
+                <a:ea typeface="+mn-ea"/>
+                <a:cs typeface="+mn-cs"/>
+              </a:defRPr>
+            </a:lvl6pPr>
+            <a:lvl7pPr marL="2743200" algn="l" defTabSz="914400" rtl="0" eaLnBrk="1" latinLnBrk="0" hangingPunct="1">
+              <a:defRPr sz="1800" kern="1200">
+                <a:solidFill>
+                  <a:schemeClr val="lt1"/>
+                </a:solidFill>
+                <a:latin typeface="+mn-lt"/>
+                <a:ea typeface="+mn-ea"/>
+                <a:cs typeface="+mn-cs"/>
+              </a:defRPr>
+            </a:lvl7pPr>
+            <a:lvl8pPr marL="3200400" algn="l" defTabSz="914400" rtl="0" eaLnBrk="1" latinLnBrk="0" hangingPunct="1">
+              <a:defRPr sz="1800" kern="1200">
+                <a:solidFill>
+                  <a:schemeClr val="lt1"/>
+                </a:solidFill>
+                <a:latin typeface="+mn-lt"/>
+                <a:ea typeface="+mn-ea"/>
+                <a:cs typeface="+mn-cs"/>
+              </a:defRPr>
+            </a:lvl8pPr>
+            <a:lvl9pPr marL="3657600" algn="l" defTabSz="914400" rtl="0" eaLnBrk="1" latinLnBrk="0" hangingPunct="1">
+              <a:defRPr sz="1800" kern="1200">
+                <a:solidFill>
+                  <a:schemeClr val="lt1"/>
+                </a:solidFill>
+                <a:latin typeface="+mn-lt"/>
+                <a:ea typeface="+mn-ea"/>
+                <a:cs typeface="+mn-cs"/>
+              </a:defRPr>
+            </a:lvl9pPr>
+          </a:lstStyle>
+          <a:p>
+            <a:r>
+              <a:rPr lang="en-US" altLang="zh-TW" dirty="0" smtClean="0"/>
+              <a:t>5. </a:t>
+            </a:r>
+            <a:r>
+              <a:rPr lang="zh-TW" altLang="en-US" dirty="0" smtClean="0"/>
+              <a:t>點選</a:t>
+            </a:r>
+            <a:r>
+              <a:rPr lang="zh-TW" altLang="en-US" dirty="0" smtClean="0">
+                <a:latin typeface="新細明體"/>
+              </a:rPr>
+              <a:t>「</a:t>
+            </a:r>
+            <a:r>
+              <a:rPr lang="zh-TW" altLang="en-US" dirty="0">
+                <a:latin typeface="新細明體"/>
+              </a:rPr>
+              <a:t>確定送出</a:t>
+            </a:r>
+            <a:r>
+              <a:rPr lang="zh-TW" altLang="en-US" dirty="0" smtClean="0">
+                <a:latin typeface="新細明體"/>
+              </a:rPr>
+              <a:t>」</a:t>
             </a:r>
             <a:endParaRPr lang="en-US" altLang="zh-TW" dirty="0">
               <a:latin typeface="新細明體"/>
@@ -11273,418 +12422,9 @@
           <p:nvPr/>
         </p:nvCxnSpPr>
         <p:spPr>
-          <a:xfrm flipH="1">
-            <a:off x="4499993" y="4900519"/>
-            <a:ext cx="489342" cy="472697"/>
-          </a:xfrm>
-          <a:prstGeom prst="straightConnector1">
-            <a:avLst/>
-          </a:prstGeom>
-          <a:ln>
-            <a:tailEnd type="arrow"/>
-          </a:ln>
-        </p:spPr>
-        <p:style>
-          <a:lnRef idx="2">
-            <a:schemeClr val="accent2"/>
-          </a:lnRef>
-          <a:fillRef idx="0">
-            <a:schemeClr val="accent2"/>
-          </a:fillRef>
-          <a:effectRef idx="1">
-            <a:schemeClr val="accent2"/>
-          </a:effectRef>
-          <a:fontRef idx="minor">
-            <a:schemeClr val="tx1"/>
-          </a:fontRef>
-        </p:style>
-      </p:cxnSp>
-      <p:cxnSp>
-        <p:nvCxnSpPr>
-          <p:cNvPr id="19" name="直線單箭頭接點 18"/>
-          <p:cNvCxnSpPr>
-            <a:stCxn id="17" idx="1"/>
-          </p:cNvCxnSpPr>
-          <p:nvPr/>
-        </p:nvCxnSpPr>
-        <p:spPr>
-          <a:xfrm flipH="1">
-            <a:off x="3009115" y="4252252"/>
-            <a:ext cx="597355" cy="832933"/>
-          </a:xfrm>
-          <a:prstGeom prst="straightConnector1">
-            <a:avLst/>
-          </a:prstGeom>
-          <a:ln>
-            <a:tailEnd type="arrow"/>
-          </a:ln>
-        </p:spPr>
-        <p:style>
-          <a:lnRef idx="2">
-            <a:schemeClr val="accent2"/>
-          </a:lnRef>
-          <a:fillRef idx="0">
-            <a:schemeClr val="accent2"/>
-          </a:fillRef>
-          <a:effectRef idx="1">
-            <a:schemeClr val="accent2"/>
-          </a:effectRef>
-          <a:fontRef idx="minor">
-            <a:schemeClr val="tx1"/>
-          </a:fontRef>
-        </p:style>
-      </p:cxnSp>
-      <p:sp>
-        <p:nvSpPr>
-          <p:cNvPr id="12" name="文字方塊 12"/>
-          <p:cNvSpPr txBox="1"/>
-          <p:nvPr/>
-        </p:nvSpPr>
-        <p:spPr>
-          <a:xfrm>
-            <a:off x="5449747" y="5388468"/>
-            <a:ext cx="1642534" cy="369332"/>
-          </a:xfrm>
-          <a:prstGeom prst="rect">
-            <a:avLst/>
-          </a:prstGeom>
-        </p:spPr>
-        <p:style>
-          <a:lnRef idx="1">
-            <a:schemeClr val="accent2"/>
-          </a:lnRef>
-          <a:fillRef idx="3">
-            <a:schemeClr val="accent2"/>
-          </a:fillRef>
-          <a:effectRef idx="2">
-            <a:schemeClr val="accent2"/>
-          </a:effectRef>
-          <a:fontRef idx="minor">
-            <a:schemeClr val="lt1"/>
-          </a:fontRef>
-        </p:style>
-        <p:txBody>
-          <a:bodyPr wrap="square" rtlCol="0">
-            <a:spAutoFit/>
-          </a:bodyPr>
-          <a:lstStyle>
-            <a:defPPr>
-              <a:defRPr lang="zh-TW"/>
-            </a:defPPr>
-            <a:lvl1pPr marL="0" algn="l" defTabSz="914400" rtl="0" eaLnBrk="1" latinLnBrk="0" hangingPunct="1">
-              <a:defRPr sz="1800" kern="1200">
-                <a:solidFill>
-                  <a:schemeClr val="lt1"/>
-                </a:solidFill>
-                <a:latin typeface="+mn-lt"/>
-                <a:ea typeface="+mn-ea"/>
-                <a:cs typeface="+mn-cs"/>
-              </a:defRPr>
-            </a:lvl1pPr>
-            <a:lvl2pPr marL="457200" algn="l" defTabSz="914400" rtl="0" eaLnBrk="1" latinLnBrk="0" hangingPunct="1">
-              <a:defRPr sz="1800" kern="1200">
-                <a:solidFill>
-                  <a:schemeClr val="lt1"/>
-                </a:solidFill>
-                <a:latin typeface="+mn-lt"/>
-                <a:ea typeface="+mn-ea"/>
-                <a:cs typeface="+mn-cs"/>
-              </a:defRPr>
-            </a:lvl2pPr>
-            <a:lvl3pPr marL="914400" algn="l" defTabSz="914400" rtl="0" eaLnBrk="1" latinLnBrk="0" hangingPunct="1">
-              <a:defRPr sz="1800" kern="1200">
-                <a:solidFill>
-                  <a:schemeClr val="lt1"/>
-                </a:solidFill>
-                <a:latin typeface="+mn-lt"/>
-                <a:ea typeface="+mn-ea"/>
-                <a:cs typeface="+mn-cs"/>
-              </a:defRPr>
-            </a:lvl3pPr>
-            <a:lvl4pPr marL="1371600" algn="l" defTabSz="914400" rtl="0" eaLnBrk="1" latinLnBrk="0" hangingPunct="1">
-              <a:defRPr sz="1800" kern="1200">
-                <a:solidFill>
-                  <a:schemeClr val="lt1"/>
-                </a:solidFill>
-                <a:latin typeface="+mn-lt"/>
-                <a:ea typeface="+mn-ea"/>
-                <a:cs typeface="+mn-cs"/>
-              </a:defRPr>
-            </a:lvl4pPr>
-            <a:lvl5pPr marL="1828800" algn="l" defTabSz="914400" rtl="0" eaLnBrk="1" latinLnBrk="0" hangingPunct="1">
-              <a:defRPr sz="1800" kern="1200">
-                <a:solidFill>
-                  <a:schemeClr val="lt1"/>
-                </a:solidFill>
-                <a:latin typeface="+mn-lt"/>
-                <a:ea typeface="+mn-ea"/>
-                <a:cs typeface="+mn-cs"/>
-              </a:defRPr>
-            </a:lvl5pPr>
-            <a:lvl6pPr marL="2286000" algn="l" defTabSz="914400" rtl="0" eaLnBrk="1" latinLnBrk="0" hangingPunct="1">
-              <a:defRPr sz="1800" kern="1200">
-                <a:solidFill>
-                  <a:schemeClr val="lt1"/>
-                </a:solidFill>
-                <a:latin typeface="+mn-lt"/>
-                <a:ea typeface="+mn-ea"/>
-                <a:cs typeface="+mn-cs"/>
-              </a:defRPr>
-            </a:lvl6pPr>
-            <a:lvl7pPr marL="2743200" algn="l" defTabSz="914400" rtl="0" eaLnBrk="1" latinLnBrk="0" hangingPunct="1">
-              <a:defRPr sz="1800" kern="1200">
-                <a:solidFill>
-                  <a:schemeClr val="lt1"/>
-                </a:solidFill>
-                <a:latin typeface="+mn-lt"/>
-                <a:ea typeface="+mn-ea"/>
-                <a:cs typeface="+mn-cs"/>
-              </a:defRPr>
-            </a:lvl7pPr>
-            <a:lvl8pPr marL="3200400" algn="l" defTabSz="914400" rtl="0" eaLnBrk="1" latinLnBrk="0" hangingPunct="1">
-              <a:defRPr sz="1800" kern="1200">
-                <a:solidFill>
-                  <a:schemeClr val="lt1"/>
-                </a:solidFill>
-                <a:latin typeface="+mn-lt"/>
-                <a:ea typeface="+mn-ea"/>
-                <a:cs typeface="+mn-cs"/>
-              </a:defRPr>
-            </a:lvl8pPr>
-            <a:lvl9pPr marL="3657600" algn="l" defTabSz="914400" rtl="0" eaLnBrk="1" latinLnBrk="0" hangingPunct="1">
-              <a:defRPr sz="1800" kern="1200">
-                <a:solidFill>
-                  <a:schemeClr val="lt1"/>
-                </a:solidFill>
-                <a:latin typeface="+mn-lt"/>
-                <a:ea typeface="+mn-ea"/>
-                <a:cs typeface="+mn-cs"/>
-              </a:defRPr>
-            </a:lvl9pPr>
-          </a:lstStyle>
-          <a:p>
-            <a:r>
-              <a:rPr lang="en-US" altLang="zh-TW" dirty="0" smtClean="0"/>
-              <a:t>3. </a:t>
-            </a:r>
-            <a:r>
-              <a:rPr lang="zh-TW" altLang="en-US" dirty="0" smtClean="0"/>
-              <a:t>點選</a:t>
-            </a:r>
-            <a:r>
-              <a:rPr lang="zh-TW" altLang="en-US" dirty="0" smtClean="0">
-                <a:latin typeface="新細明體"/>
-              </a:rPr>
-              <a:t>「</a:t>
-            </a:r>
-            <a:r>
-              <a:rPr lang="zh-TW" altLang="en-US" dirty="0">
-                <a:latin typeface="新細明體"/>
-              </a:rPr>
-              <a:t>查詢</a:t>
-            </a:r>
-            <a:r>
-              <a:rPr lang="zh-TW" altLang="en-US" dirty="0" smtClean="0">
-                <a:latin typeface="新細明體"/>
-              </a:rPr>
-              <a:t>」</a:t>
-            </a:r>
-            <a:endParaRPr lang="en-US" altLang="zh-TW" dirty="0">
-              <a:latin typeface="新細明體"/>
-            </a:endParaRPr>
-          </a:p>
-        </p:txBody>
-      </p:sp>
-      <p:cxnSp>
-        <p:nvCxnSpPr>
-          <p:cNvPr id="13" name="直線單箭頭接點 12"/>
-          <p:cNvCxnSpPr>
-            <a:stCxn id="12" idx="1"/>
-          </p:cNvCxnSpPr>
-          <p:nvPr/>
-        </p:nvCxnSpPr>
-        <p:spPr>
           <a:xfrm flipH="1" flipV="1">
-            <a:off x="5076057" y="5445224"/>
-            <a:ext cx="373690" cy="127910"/>
-          </a:xfrm>
-          <a:prstGeom prst="straightConnector1">
-            <a:avLst/>
-          </a:prstGeom>
-          <a:ln>
-            <a:tailEnd type="arrow"/>
-          </a:ln>
-        </p:spPr>
-        <p:style>
-          <a:lnRef idx="2">
-            <a:schemeClr val="accent2"/>
-          </a:lnRef>
-          <a:fillRef idx="0">
-            <a:schemeClr val="accent2"/>
-          </a:fillRef>
-          <a:effectRef idx="1">
-            <a:schemeClr val="accent2"/>
-          </a:effectRef>
-          <a:fontRef idx="minor">
-            <a:schemeClr val="tx1"/>
-          </a:fontRef>
-        </p:style>
-      </p:cxnSp>
-      <p:sp>
-        <p:nvSpPr>
-          <p:cNvPr id="16" name="文字方塊 12"/>
-          <p:cNvSpPr txBox="1"/>
-          <p:nvPr/>
-        </p:nvSpPr>
-        <p:spPr>
-          <a:xfrm>
-            <a:off x="3390100" y="5893735"/>
-            <a:ext cx="3083881" cy="369332"/>
-          </a:xfrm>
-          <a:prstGeom prst="rect">
-            <a:avLst/>
-          </a:prstGeom>
-        </p:spPr>
-        <p:style>
-          <a:lnRef idx="1">
-            <a:schemeClr val="accent2"/>
-          </a:lnRef>
-          <a:fillRef idx="3">
-            <a:schemeClr val="accent2"/>
-          </a:fillRef>
-          <a:effectRef idx="2">
-            <a:schemeClr val="accent2"/>
-          </a:effectRef>
-          <a:fontRef idx="minor">
-            <a:schemeClr val="lt1"/>
-          </a:fontRef>
-        </p:style>
-        <p:txBody>
-          <a:bodyPr wrap="square" rtlCol="0">
-            <a:spAutoFit/>
-          </a:bodyPr>
-          <a:lstStyle>
-            <a:defPPr>
-              <a:defRPr lang="zh-TW"/>
-            </a:defPPr>
-            <a:lvl1pPr marL="0" algn="l" defTabSz="914400" rtl="0" eaLnBrk="1" latinLnBrk="0" hangingPunct="1">
-              <a:defRPr sz="1800" kern="1200">
-                <a:solidFill>
-                  <a:schemeClr val="lt1"/>
-                </a:solidFill>
-                <a:latin typeface="+mn-lt"/>
-                <a:ea typeface="+mn-ea"/>
-                <a:cs typeface="+mn-cs"/>
-              </a:defRPr>
-            </a:lvl1pPr>
-            <a:lvl2pPr marL="457200" algn="l" defTabSz="914400" rtl="0" eaLnBrk="1" latinLnBrk="0" hangingPunct="1">
-              <a:defRPr sz="1800" kern="1200">
-                <a:solidFill>
-                  <a:schemeClr val="lt1"/>
-                </a:solidFill>
-                <a:latin typeface="+mn-lt"/>
-                <a:ea typeface="+mn-ea"/>
-                <a:cs typeface="+mn-cs"/>
-              </a:defRPr>
-            </a:lvl2pPr>
-            <a:lvl3pPr marL="914400" algn="l" defTabSz="914400" rtl="0" eaLnBrk="1" latinLnBrk="0" hangingPunct="1">
-              <a:defRPr sz="1800" kern="1200">
-                <a:solidFill>
-                  <a:schemeClr val="lt1"/>
-                </a:solidFill>
-                <a:latin typeface="+mn-lt"/>
-                <a:ea typeface="+mn-ea"/>
-                <a:cs typeface="+mn-cs"/>
-              </a:defRPr>
-            </a:lvl3pPr>
-            <a:lvl4pPr marL="1371600" algn="l" defTabSz="914400" rtl="0" eaLnBrk="1" latinLnBrk="0" hangingPunct="1">
-              <a:defRPr sz="1800" kern="1200">
-                <a:solidFill>
-                  <a:schemeClr val="lt1"/>
-                </a:solidFill>
-                <a:latin typeface="+mn-lt"/>
-                <a:ea typeface="+mn-ea"/>
-                <a:cs typeface="+mn-cs"/>
-              </a:defRPr>
-            </a:lvl4pPr>
-            <a:lvl5pPr marL="1828800" algn="l" defTabSz="914400" rtl="0" eaLnBrk="1" latinLnBrk="0" hangingPunct="1">
-              <a:defRPr sz="1800" kern="1200">
-                <a:solidFill>
-                  <a:schemeClr val="lt1"/>
-                </a:solidFill>
-                <a:latin typeface="+mn-lt"/>
-                <a:ea typeface="+mn-ea"/>
-                <a:cs typeface="+mn-cs"/>
-              </a:defRPr>
-            </a:lvl5pPr>
-            <a:lvl6pPr marL="2286000" algn="l" defTabSz="914400" rtl="0" eaLnBrk="1" latinLnBrk="0" hangingPunct="1">
-              <a:defRPr sz="1800" kern="1200">
-                <a:solidFill>
-                  <a:schemeClr val="lt1"/>
-                </a:solidFill>
-                <a:latin typeface="+mn-lt"/>
-                <a:ea typeface="+mn-ea"/>
-                <a:cs typeface="+mn-cs"/>
-              </a:defRPr>
-            </a:lvl6pPr>
-            <a:lvl7pPr marL="2743200" algn="l" defTabSz="914400" rtl="0" eaLnBrk="1" latinLnBrk="0" hangingPunct="1">
-              <a:defRPr sz="1800" kern="1200">
-                <a:solidFill>
-                  <a:schemeClr val="lt1"/>
-                </a:solidFill>
-                <a:latin typeface="+mn-lt"/>
-                <a:ea typeface="+mn-ea"/>
-                <a:cs typeface="+mn-cs"/>
-              </a:defRPr>
-            </a:lvl7pPr>
-            <a:lvl8pPr marL="3200400" algn="l" defTabSz="914400" rtl="0" eaLnBrk="1" latinLnBrk="0" hangingPunct="1">
-              <a:defRPr sz="1800" kern="1200">
-                <a:solidFill>
-                  <a:schemeClr val="lt1"/>
-                </a:solidFill>
-                <a:latin typeface="+mn-lt"/>
-                <a:ea typeface="+mn-ea"/>
-                <a:cs typeface="+mn-cs"/>
-              </a:defRPr>
-            </a:lvl8pPr>
-            <a:lvl9pPr marL="3657600" algn="l" defTabSz="914400" rtl="0" eaLnBrk="1" latinLnBrk="0" hangingPunct="1">
-              <a:defRPr sz="1800" kern="1200">
-                <a:solidFill>
-                  <a:schemeClr val="lt1"/>
-                </a:solidFill>
-                <a:latin typeface="+mn-lt"/>
-                <a:ea typeface="+mn-ea"/>
-                <a:cs typeface="+mn-cs"/>
-              </a:defRPr>
-            </a:lvl9pPr>
-          </a:lstStyle>
-          <a:p>
-            <a:r>
-              <a:rPr lang="en-US" altLang="zh-TW" dirty="0" smtClean="0"/>
-              <a:t>4. </a:t>
-            </a:r>
-            <a:r>
-              <a:rPr lang="zh-TW" altLang="en-US" dirty="0" smtClean="0"/>
-              <a:t> 查詢結果將顯示在此選單</a:t>
-            </a:r>
-            <a:endParaRPr lang="en-US" altLang="zh-TW" dirty="0">
-              <a:latin typeface="新細明體"/>
-            </a:endParaRPr>
-          </a:p>
-        </p:txBody>
-      </p:sp>
-      <p:cxnSp>
-        <p:nvCxnSpPr>
-          <p:cNvPr id="18" name="直線單箭頭接點 17"/>
-          <p:cNvCxnSpPr>
-            <a:stCxn id="16" idx="1"/>
-          </p:cNvCxnSpPr>
-          <p:nvPr/>
-        </p:nvCxnSpPr>
-        <p:spPr>
-          <a:xfrm flipH="1" flipV="1">
-            <a:off x="2873584" y="5428771"/>
-            <a:ext cx="516516" cy="649630"/>
+            <a:off x="2333665" y="5589301"/>
+            <a:ext cx="728694" cy="328652"/>
           </a:xfrm>
           <a:prstGeom prst="straightConnector1">
             <a:avLst/>
@@ -11711,7 +12451,7 @@
     </p:spTree>
     <p:extLst>
       <p:ext uri="{BB962C8B-B14F-4D97-AF65-F5344CB8AC3E}">
-        <p14:creationId xmlns:p14="http://schemas.microsoft.com/office/powerpoint/2010/main" val="2002769932"/>
+        <p14:creationId xmlns:p14="http://schemas.microsoft.com/office/powerpoint/2010/main" val="1164454182"/>
       </p:ext>
     </p:extLst>
   </p:cSld>
@@ -11771,12 +12511,12 @@
               <a:t>-</a:t>
             </a:r>
             <a:r>
-              <a:rPr lang="zh-TW" altLang="en-US" dirty="0"/>
-              <a:t>結案</a:t>
+              <a:rPr lang="zh-TW" altLang="en-US" dirty="0" smtClean="0"/>
+              <a:t>關卡人員查詢</a:t>
             </a:r>
             <a:r>
               <a:rPr lang="en-US" altLang="zh-TW" dirty="0" smtClean="0"/>
-              <a:t>(8/8)</a:t>
+              <a:t>(8/9)</a:t>
             </a:r>
             <a:endParaRPr lang="en-US" altLang="zh-TW" dirty="0"/>
           </a:p>
@@ -11841,13 +12581,13 @@
               </a:ext>
             </a:extLst>
           </a:blip>
-          <a:srcRect l="15021"/>
+          <a:srcRect l="15138" t="36437" b="12469"/>
           <a:stretch/>
         </p:blipFill>
         <p:spPr>
           <a:xfrm>
-            <a:off x="846852" y="1052735"/>
-            <a:ext cx="7325548" cy="5501351"/>
+            <a:off x="467544" y="2373423"/>
+            <a:ext cx="8290117" cy="3199711"/>
           </a:xfrm>
           <a:prstGeom prst="rect">
             <a:avLst/>
@@ -11856,14 +12596,14 @@
       </p:pic>
       <p:sp>
         <p:nvSpPr>
-          <p:cNvPr id="6" name="文字方塊 12"/>
+          <p:cNvPr id="17" name="文字方塊 12"/>
           <p:cNvSpPr txBox="1"/>
           <p:nvPr/>
         </p:nvSpPr>
         <p:spPr>
           <a:xfrm>
-            <a:off x="5038576" y="2317522"/>
-            <a:ext cx="2160240" cy="369332"/>
+            <a:off x="3718999" y="3701840"/>
+            <a:ext cx="2765730" cy="369332"/>
           </a:xfrm>
           <a:prstGeom prst="rect">
             <a:avLst/>
@@ -11989,6 +12729,892 @@
             </a:r>
             <a:r>
               <a:rPr lang="zh-TW" altLang="en-US" dirty="0" smtClean="0"/>
+              <a:t>流程關卡點選</a:t>
+            </a:r>
+            <a:r>
+              <a:rPr lang="zh-TW" altLang="en-US" dirty="0" smtClean="0">
+                <a:latin typeface="新細明體"/>
+              </a:rPr>
+              <a:t>「其他」</a:t>
+            </a:r>
+            <a:endParaRPr lang="en-US" altLang="zh-TW" dirty="0">
+              <a:latin typeface="新細明體"/>
+            </a:endParaRPr>
+          </a:p>
+        </p:txBody>
+      </p:sp>
+      <p:sp>
+        <p:nvSpPr>
+          <p:cNvPr id="25" name="文字方塊 12"/>
+          <p:cNvSpPr txBox="1"/>
+          <p:nvPr/>
+        </p:nvSpPr>
+        <p:spPr>
+          <a:xfrm>
+            <a:off x="4860032" y="4289544"/>
+            <a:ext cx="2390977" cy="369332"/>
+          </a:xfrm>
+          <a:prstGeom prst="rect">
+            <a:avLst/>
+          </a:prstGeom>
+        </p:spPr>
+        <p:style>
+          <a:lnRef idx="1">
+            <a:schemeClr val="accent2"/>
+          </a:lnRef>
+          <a:fillRef idx="3">
+            <a:schemeClr val="accent2"/>
+          </a:fillRef>
+          <a:effectRef idx="2">
+            <a:schemeClr val="accent2"/>
+          </a:effectRef>
+          <a:fontRef idx="minor">
+            <a:schemeClr val="lt1"/>
+          </a:fontRef>
+        </p:style>
+        <p:txBody>
+          <a:bodyPr wrap="square" rtlCol="0">
+            <a:spAutoFit/>
+          </a:bodyPr>
+          <a:lstStyle>
+            <a:defPPr>
+              <a:defRPr lang="zh-TW"/>
+            </a:defPPr>
+            <a:lvl1pPr marL="0" algn="l" defTabSz="914400" rtl="0" eaLnBrk="1" latinLnBrk="0" hangingPunct="1">
+              <a:defRPr sz="1800" kern="1200">
+                <a:solidFill>
+                  <a:schemeClr val="lt1"/>
+                </a:solidFill>
+                <a:latin typeface="+mn-lt"/>
+                <a:ea typeface="+mn-ea"/>
+                <a:cs typeface="+mn-cs"/>
+              </a:defRPr>
+            </a:lvl1pPr>
+            <a:lvl2pPr marL="457200" algn="l" defTabSz="914400" rtl="0" eaLnBrk="1" latinLnBrk="0" hangingPunct="1">
+              <a:defRPr sz="1800" kern="1200">
+                <a:solidFill>
+                  <a:schemeClr val="lt1"/>
+                </a:solidFill>
+                <a:latin typeface="+mn-lt"/>
+                <a:ea typeface="+mn-ea"/>
+                <a:cs typeface="+mn-cs"/>
+              </a:defRPr>
+            </a:lvl2pPr>
+            <a:lvl3pPr marL="914400" algn="l" defTabSz="914400" rtl="0" eaLnBrk="1" latinLnBrk="0" hangingPunct="1">
+              <a:defRPr sz="1800" kern="1200">
+                <a:solidFill>
+                  <a:schemeClr val="lt1"/>
+                </a:solidFill>
+                <a:latin typeface="+mn-lt"/>
+                <a:ea typeface="+mn-ea"/>
+                <a:cs typeface="+mn-cs"/>
+              </a:defRPr>
+            </a:lvl3pPr>
+            <a:lvl4pPr marL="1371600" algn="l" defTabSz="914400" rtl="0" eaLnBrk="1" latinLnBrk="0" hangingPunct="1">
+              <a:defRPr sz="1800" kern="1200">
+                <a:solidFill>
+                  <a:schemeClr val="lt1"/>
+                </a:solidFill>
+                <a:latin typeface="+mn-lt"/>
+                <a:ea typeface="+mn-ea"/>
+                <a:cs typeface="+mn-cs"/>
+              </a:defRPr>
+            </a:lvl4pPr>
+            <a:lvl5pPr marL="1828800" algn="l" defTabSz="914400" rtl="0" eaLnBrk="1" latinLnBrk="0" hangingPunct="1">
+              <a:defRPr sz="1800" kern="1200">
+                <a:solidFill>
+                  <a:schemeClr val="lt1"/>
+                </a:solidFill>
+                <a:latin typeface="+mn-lt"/>
+                <a:ea typeface="+mn-ea"/>
+                <a:cs typeface="+mn-cs"/>
+              </a:defRPr>
+            </a:lvl5pPr>
+            <a:lvl6pPr marL="2286000" algn="l" defTabSz="914400" rtl="0" eaLnBrk="1" latinLnBrk="0" hangingPunct="1">
+              <a:defRPr sz="1800" kern="1200">
+                <a:solidFill>
+                  <a:schemeClr val="lt1"/>
+                </a:solidFill>
+                <a:latin typeface="+mn-lt"/>
+                <a:ea typeface="+mn-ea"/>
+                <a:cs typeface="+mn-cs"/>
+              </a:defRPr>
+            </a:lvl6pPr>
+            <a:lvl7pPr marL="2743200" algn="l" defTabSz="914400" rtl="0" eaLnBrk="1" latinLnBrk="0" hangingPunct="1">
+              <a:defRPr sz="1800" kern="1200">
+                <a:solidFill>
+                  <a:schemeClr val="lt1"/>
+                </a:solidFill>
+                <a:latin typeface="+mn-lt"/>
+                <a:ea typeface="+mn-ea"/>
+                <a:cs typeface="+mn-cs"/>
+              </a:defRPr>
+            </a:lvl7pPr>
+            <a:lvl8pPr marL="3200400" algn="l" defTabSz="914400" rtl="0" eaLnBrk="1" latinLnBrk="0" hangingPunct="1">
+              <a:defRPr sz="1800" kern="1200">
+                <a:solidFill>
+                  <a:schemeClr val="lt1"/>
+                </a:solidFill>
+                <a:latin typeface="+mn-lt"/>
+                <a:ea typeface="+mn-ea"/>
+                <a:cs typeface="+mn-cs"/>
+              </a:defRPr>
+            </a:lvl8pPr>
+            <a:lvl9pPr marL="3657600" algn="l" defTabSz="914400" rtl="0" eaLnBrk="1" latinLnBrk="0" hangingPunct="1">
+              <a:defRPr sz="1800" kern="1200">
+                <a:solidFill>
+                  <a:schemeClr val="lt1"/>
+                </a:solidFill>
+                <a:latin typeface="+mn-lt"/>
+                <a:ea typeface="+mn-ea"/>
+                <a:cs typeface="+mn-cs"/>
+              </a:defRPr>
+            </a:lvl9pPr>
+          </a:lstStyle>
+          <a:p>
+            <a:r>
+              <a:rPr lang="en-US" altLang="zh-TW" dirty="0"/>
+              <a:t>2</a:t>
+            </a:r>
+            <a:r>
+              <a:rPr lang="en-US" altLang="zh-TW" dirty="0" smtClean="0"/>
+              <a:t>. </a:t>
+            </a:r>
+            <a:r>
+              <a:rPr lang="zh-TW" altLang="en-US" dirty="0" smtClean="0"/>
+              <a:t>輸入代號或關鍵字</a:t>
+            </a:r>
+            <a:endParaRPr lang="en-US" altLang="zh-TW" dirty="0">
+              <a:latin typeface="新細明體"/>
+            </a:endParaRPr>
+          </a:p>
+        </p:txBody>
+      </p:sp>
+      <p:cxnSp>
+        <p:nvCxnSpPr>
+          <p:cNvPr id="26" name="直線單箭頭接點 25"/>
+          <p:cNvCxnSpPr>
+            <a:stCxn id="25" idx="1"/>
+          </p:cNvCxnSpPr>
+          <p:nvPr/>
+        </p:nvCxnSpPr>
+        <p:spPr>
+          <a:xfrm flipH="1">
+            <a:off x="4370690" y="4474210"/>
+            <a:ext cx="489342" cy="472697"/>
+          </a:xfrm>
+          <a:prstGeom prst="straightConnector1">
+            <a:avLst/>
+          </a:prstGeom>
+          <a:ln>
+            <a:tailEnd type="arrow"/>
+          </a:ln>
+        </p:spPr>
+        <p:style>
+          <a:lnRef idx="2">
+            <a:schemeClr val="accent2"/>
+          </a:lnRef>
+          <a:fillRef idx="0">
+            <a:schemeClr val="accent2"/>
+          </a:fillRef>
+          <a:effectRef idx="1">
+            <a:schemeClr val="accent2"/>
+          </a:effectRef>
+          <a:fontRef idx="minor">
+            <a:schemeClr val="tx1"/>
+          </a:fontRef>
+        </p:style>
+      </p:cxnSp>
+      <p:cxnSp>
+        <p:nvCxnSpPr>
+          <p:cNvPr id="19" name="直線單箭頭接點 18"/>
+          <p:cNvCxnSpPr>
+            <a:stCxn id="17" idx="1"/>
+          </p:cNvCxnSpPr>
+          <p:nvPr/>
+        </p:nvCxnSpPr>
+        <p:spPr>
+          <a:xfrm flipH="1">
+            <a:off x="3121644" y="3886506"/>
+            <a:ext cx="597355" cy="832933"/>
+          </a:xfrm>
+          <a:prstGeom prst="straightConnector1">
+            <a:avLst/>
+          </a:prstGeom>
+          <a:ln>
+            <a:tailEnd type="arrow"/>
+          </a:ln>
+        </p:spPr>
+        <p:style>
+          <a:lnRef idx="2">
+            <a:schemeClr val="accent2"/>
+          </a:lnRef>
+          <a:fillRef idx="0">
+            <a:schemeClr val="accent2"/>
+          </a:fillRef>
+          <a:effectRef idx="1">
+            <a:schemeClr val="accent2"/>
+          </a:effectRef>
+          <a:fontRef idx="minor">
+            <a:schemeClr val="tx1"/>
+          </a:fontRef>
+        </p:style>
+      </p:cxnSp>
+      <p:sp>
+        <p:nvSpPr>
+          <p:cNvPr id="12" name="文字方塊 12"/>
+          <p:cNvSpPr txBox="1"/>
+          <p:nvPr/>
+        </p:nvSpPr>
+        <p:spPr>
+          <a:xfrm>
+            <a:off x="5576462" y="5019136"/>
+            <a:ext cx="1642534" cy="369332"/>
+          </a:xfrm>
+          <a:prstGeom prst="rect">
+            <a:avLst/>
+          </a:prstGeom>
+        </p:spPr>
+        <p:style>
+          <a:lnRef idx="1">
+            <a:schemeClr val="accent2"/>
+          </a:lnRef>
+          <a:fillRef idx="3">
+            <a:schemeClr val="accent2"/>
+          </a:fillRef>
+          <a:effectRef idx="2">
+            <a:schemeClr val="accent2"/>
+          </a:effectRef>
+          <a:fontRef idx="minor">
+            <a:schemeClr val="lt1"/>
+          </a:fontRef>
+        </p:style>
+        <p:txBody>
+          <a:bodyPr wrap="square" rtlCol="0">
+            <a:spAutoFit/>
+          </a:bodyPr>
+          <a:lstStyle>
+            <a:defPPr>
+              <a:defRPr lang="zh-TW"/>
+            </a:defPPr>
+            <a:lvl1pPr marL="0" algn="l" defTabSz="914400" rtl="0" eaLnBrk="1" latinLnBrk="0" hangingPunct="1">
+              <a:defRPr sz="1800" kern="1200">
+                <a:solidFill>
+                  <a:schemeClr val="lt1"/>
+                </a:solidFill>
+                <a:latin typeface="+mn-lt"/>
+                <a:ea typeface="+mn-ea"/>
+                <a:cs typeface="+mn-cs"/>
+              </a:defRPr>
+            </a:lvl1pPr>
+            <a:lvl2pPr marL="457200" algn="l" defTabSz="914400" rtl="0" eaLnBrk="1" latinLnBrk="0" hangingPunct="1">
+              <a:defRPr sz="1800" kern="1200">
+                <a:solidFill>
+                  <a:schemeClr val="lt1"/>
+                </a:solidFill>
+                <a:latin typeface="+mn-lt"/>
+                <a:ea typeface="+mn-ea"/>
+                <a:cs typeface="+mn-cs"/>
+              </a:defRPr>
+            </a:lvl2pPr>
+            <a:lvl3pPr marL="914400" algn="l" defTabSz="914400" rtl="0" eaLnBrk="1" latinLnBrk="0" hangingPunct="1">
+              <a:defRPr sz="1800" kern="1200">
+                <a:solidFill>
+                  <a:schemeClr val="lt1"/>
+                </a:solidFill>
+                <a:latin typeface="+mn-lt"/>
+                <a:ea typeface="+mn-ea"/>
+                <a:cs typeface="+mn-cs"/>
+              </a:defRPr>
+            </a:lvl3pPr>
+            <a:lvl4pPr marL="1371600" algn="l" defTabSz="914400" rtl="0" eaLnBrk="1" latinLnBrk="0" hangingPunct="1">
+              <a:defRPr sz="1800" kern="1200">
+                <a:solidFill>
+                  <a:schemeClr val="lt1"/>
+                </a:solidFill>
+                <a:latin typeface="+mn-lt"/>
+                <a:ea typeface="+mn-ea"/>
+                <a:cs typeface="+mn-cs"/>
+              </a:defRPr>
+            </a:lvl4pPr>
+            <a:lvl5pPr marL="1828800" algn="l" defTabSz="914400" rtl="0" eaLnBrk="1" latinLnBrk="0" hangingPunct="1">
+              <a:defRPr sz="1800" kern="1200">
+                <a:solidFill>
+                  <a:schemeClr val="lt1"/>
+                </a:solidFill>
+                <a:latin typeface="+mn-lt"/>
+                <a:ea typeface="+mn-ea"/>
+                <a:cs typeface="+mn-cs"/>
+              </a:defRPr>
+            </a:lvl5pPr>
+            <a:lvl6pPr marL="2286000" algn="l" defTabSz="914400" rtl="0" eaLnBrk="1" latinLnBrk="0" hangingPunct="1">
+              <a:defRPr sz="1800" kern="1200">
+                <a:solidFill>
+                  <a:schemeClr val="lt1"/>
+                </a:solidFill>
+                <a:latin typeface="+mn-lt"/>
+                <a:ea typeface="+mn-ea"/>
+                <a:cs typeface="+mn-cs"/>
+              </a:defRPr>
+            </a:lvl6pPr>
+            <a:lvl7pPr marL="2743200" algn="l" defTabSz="914400" rtl="0" eaLnBrk="1" latinLnBrk="0" hangingPunct="1">
+              <a:defRPr sz="1800" kern="1200">
+                <a:solidFill>
+                  <a:schemeClr val="lt1"/>
+                </a:solidFill>
+                <a:latin typeface="+mn-lt"/>
+                <a:ea typeface="+mn-ea"/>
+                <a:cs typeface="+mn-cs"/>
+              </a:defRPr>
+            </a:lvl7pPr>
+            <a:lvl8pPr marL="3200400" algn="l" defTabSz="914400" rtl="0" eaLnBrk="1" latinLnBrk="0" hangingPunct="1">
+              <a:defRPr sz="1800" kern="1200">
+                <a:solidFill>
+                  <a:schemeClr val="lt1"/>
+                </a:solidFill>
+                <a:latin typeface="+mn-lt"/>
+                <a:ea typeface="+mn-ea"/>
+                <a:cs typeface="+mn-cs"/>
+              </a:defRPr>
+            </a:lvl8pPr>
+            <a:lvl9pPr marL="3657600" algn="l" defTabSz="914400" rtl="0" eaLnBrk="1" latinLnBrk="0" hangingPunct="1">
+              <a:defRPr sz="1800" kern="1200">
+                <a:solidFill>
+                  <a:schemeClr val="lt1"/>
+                </a:solidFill>
+                <a:latin typeface="+mn-lt"/>
+                <a:ea typeface="+mn-ea"/>
+                <a:cs typeface="+mn-cs"/>
+              </a:defRPr>
+            </a:lvl9pPr>
+          </a:lstStyle>
+          <a:p>
+            <a:r>
+              <a:rPr lang="en-US" altLang="zh-TW" dirty="0" smtClean="0"/>
+              <a:t>3. </a:t>
+            </a:r>
+            <a:r>
+              <a:rPr lang="zh-TW" altLang="en-US" dirty="0" smtClean="0"/>
+              <a:t>點選</a:t>
+            </a:r>
+            <a:r>
+              <a:rPr lang="zh-TW" altLang="en-US" dirty="0" smtClean="0">
+                <a:latin typeface="新細明體"/>
+              </a:rPr>
+              <a:t>「</a:t>
+            </a:r>
+            <a:r>
+              <a:rPr lang="zh-TW" altLang="en-US" dirty="0">
+                <a:latin typeface="新細明體"/>
+              </a:rPr>
+              <a:t>查詢</a:t>
+            </a:r>
+            <a:r>
+              <a:rPr lang="zh-TW" altLang="en-US" dirty="0" smtClean="0">
+                <a:latin typeface="新細明體"/>
+              </a:rPr>
+              <a:t>」</a:t>
+            </a:r>
+            <a:endParaRPr lang="en-US" altLang="zh-TW" dirty="0">
+              <a:latin typeface="新細明體"/>
+            </a:endParaRPr>
+          </a:p>
+        </p:txBody>
+      </p:sp>
+      <p:cxnSp>
+        <p:nvCxnSpPr>
+          <p:cNvPr id="13" name="直線單箭頭接點 12"/>
+          <p:cNvCxnSpPr>
+            <a:stCxn id="12" idx="1"/>
+          </p:cNvCxnSpPr>
+          <p:nvPr/>
+        </p:nvCxnSpPr>
+        <p:spPr>
+          <a:xfrm flipH="1" flipV="1">
+            <a:off x="5202772" y="5075892"/>
+            <a:ext cx="373690" cy="127910"/>
+          </a:xfrm>
+          <a:prstGeom prst="straightConnector1">
+            <a:avLst/>
+          </a:prstGeom>
+          <a:ln>
+            <a:tailEnd type="arrow"/>
+          </a:ln>
+        </p:spPr>
+        <p:style>
+          <a:lnRef idx="2">
+            <a:schemeClr val="accent2"/>
+          </a:lnRef>
+          <a:fillRef idx="0">
+            <a:schemeClr val="accent2"/>
+          </a:fillRef>
+          <a:effectRef idx="1">
+            <a:schemeClr val="accent2"/>
+          </a:effectRef>
+          <a:fontRef idx="minor">
+            <a:schemeClr val="tx1"/>
+          </a:fontRef>
+        </p:style>
+      </p:cxnSp>
+      <p:sp>
+        <p:nvSpPr>
+          <p:cNvPr id="16" name="文字方塊 12"/>
+          <p:cNvSpPr txBox="1"/>
+          <p:nvPr/>
+        </p:nvSpPr>
+        <p:spPr>
+          <a:xfrm>
+            <a:off x="3390100" y="5524403"/>
+            <a:ext cx="3083881" cy="369332"/>
+          </a:xfrm>
+          <a:prstGeom prst="rect">
+            <a:avLst/>
+          </a:prstGeom>
+        </p:spPr>
+        <p:style>
+          <a:lnRef idx="1">
+            <a:schemeClr val="accent2"/>
+          </a:lnRef>
+          <a:fillRef idx="3">
+            <a:schemeClr val="accent2"/>
+          </a:fillRef>
+          <a:effectRef idx="2">
+            <a:schemeClr val="accent2"/>
+          </a:effectRef>
+          <a:fontRef idx="minor">
+            <a:schemeClr val="lt1"/>
+          </a:fontRef>
+        </p:style>
+        <p:txBody>
+          <a:bodyPr wrap="square" rtlCol="0">
+            <a:spAutoFit/>
+          </a:bodyPr>
+          <a:lstStyle>
+            <a:defPPr>
+              <a:defRPr lang="zh-TW"/>
+            </a:defPPr>
+            <a:lvl1pPr marL="0" algn="l" defTabSz="914400" rtl="0" eaLnBrk="1" latinLnBrk="0" hangingPunct="1">
+              <a:defRPr sz="1800" kern="1200">
+                <a:solidFill>
+                  <a:schemeClr val="lt1"/>
+                </a:solidFill>
+                <a:latin typeface="+mn-lt"/>
+                <a:ea typeface="+mn-ea"/>
+                <a:cs typeface="+mn-cs"/>
+              </a:defRPr>
+            </a:lvl1pPr>
+            <a:lvl2pPr marL="457200" algn="l" defTabSz="914400" rtl="0" eaLnBrk="1" latinLnBrk="0" hangingPunct="1">
+              <a:defRPr sz="1800" kern="1200">
+                <a:solidFill>
+                  <a:schemeClr val="lt1"/>
+                </a:solidFill>
+                <a:latin typeface="+mn-lt"/>
+                <a:ea typeface="+mn-ea"/>
+                <a:cs typeface="+mn-cs"/>
+              </a:defRPr>
+            </a:lvl2pPr>
+            <a:lvl3pPr marL="914400" algn="l" defTabSz="914400" rtl="0" eaLnBrk="1" latinLnBrk="0" hangingPunct="1">
+              <a:defRPr sz="1800" kern="1200">
+                <a:solidFill>
+                  <a:schemeClr val="lt1"/>
+                </a:solidFill>
+                <a:latin typeface="+mn-lt"/>
+                <a:ea typeface="+mn-ea"/>
+                <a:cs typeface="+mn-cs"/>
+              </a:defRPr>
+            </a:lvl3pPr>
+            <a:lvl4pPr marL="1371600" algn="l" defTabSz="914400" rtl="0" eaLnBrk="1" latinLnBrk="0" hangingPunct="1">
+              <a:defRPr sz="1800" kern="1200">
+                <a:solidFill>
+                  <a:schemeClr val="lt1"/>
+                </a:solidFill>
+                <a:latin typeface="+mn-lt"/>
+                <a:ea typeface="+mn-ea"/>
+                <a:cs typeface="+mn-cs"/>
+              </a:defRPr>
+            </a:lvl4pPr>
+            <a:lvl5pPr marL="1828800" algn="l" defTabSz="914400" rtl="0" eaLnBrk="1" latinLnBrk="0" hangingPunct="1">
+              <a:defRPr sz="1800" kern="1200">
+                <a:solidFill>
+                  <a:schemeClr val="lt1"/>
+                </a:solidFill>
+                <a:latin typeface="+mn-lt"/>
+                <a:ea typeface="+mn-ea"/>
+                <a:cs typeface="+mn-cs"/>
+              </a:defRPr>
+            </a:lvl5pPr>
+            <a:lvl6pPr marL="2286000" algn="l" defTabSz="914400" rtl="0" eaLnBrk="1" latinLnBrk="0" hangingPunct="1">
+              <a:defRPr sz="1800" kern="1200">
+                <a:solidFill>
+                  <a:schemeClr val="lt1"/>
+                </a:solidFill>
+                <a:latin typeface="+mn-lt"/>
+                <a:ea typeface="+mn-ea"/>
+                <a:cs typeface="+mn-cs"/>
+              </a:defRPr>
+            </a:lvl6pPr>
+            <a:lvl7pPr marL="2743200" algn="l" defTabSz="914400" rtl="0" eaLnBrk="1" latinLnBrk="0" hangingPunct="1">
+              <a:defRPr sz="1800" kern="1200">
+                <a:solidFill>
+                  <a:schemeClr val="lt1"/>
+                </a:solidFill>
+                <a:latin typeface="+mn-lt"/>
+                <a:ea typeface="+mn-ea"/>
+                <a:cs typeface="+mn-cs"/>
+              </a:defRPr>
+            </a:lvl7pPr>
+            <a:lvl8pPr marL="3200400" algn="l" defTabSz="914400" rtl="0" eaLnBrk="1" latinLnBrk="0" hangingPunct="1">
+              <a:defRPr sz="1800" kern="1200">
+                <a:solidFill>
+                  <a:schemeClr val="lt1"/>
+                </a:solidFill>
+                <a:latin typeface="+mn-lt"/>
+                <a:ea typeface="+mn-ea"/>
+                <a:cs typeface="+mn-cs"/>
+              </a:defRPr>
+            </a:lvl8pPr>
+            <a:lvl9pPr marL="3657600" algn="l" defTabSz="914400" rtl="0" eaLnBrk="1" latinLnBrk="0" hangingPunct="1">
+              <a:defRPr sz="1800" kern="1200">
+                <a:solidFill>
+                  <a:schemeClr val="lt1"/>
+                </a:solidFill>
+                <a:latin typeface="+mn-lt"/>
+                <a:ea typeface="+mn-ea"/>
+                <a:cs typeface="+mn-cs"/>
+              </a:defRPr>
+            </a:lvl9pPr>
+          </a:lstStyle>
+          <a:p>
+            <a:r>
+              <a:rPr lang="en-US" altLang="zh-TW" dirty="0" smtClean="0"/>
+              <a:t>4. </a:t>
+            </a:r>
+            <a:r>
+              <a:rPr lang="zh-TW" altLang="en-US" dirty="0" smtClean="0"/>
+              <a:t> 查詢結果將顯示在此選單</a:t>
+            </a:r>
+            <a:endParaRPr lang="en-US" altLang="zh-TW" dirty="0">
+              <a:latin typeface="新細明體"/>
+            </a:endParaRPr>
+          </a:p>
+        </p:txBody>
+      </p:sp>
+      <p:cxnSp>
+        <p:nvCxnSpPr>
+          <p:cNvPr id="18" name="直線單箭頭接點 17"/>
+          <p:cNvCxnSpPr>
+            <a:stCxn id="16" idx="1"/>
+          </p:cNvCxnSpPr>
+          <p:nvPr/>
+        </p:nvCxnSpPr>
+        <p:spPr>
+          <a:xfrm flipH="1" flipV="1">
+            <a:off x="2873584" y="5059439"/>
+            <a:ext cx="516516" cy="649630"/>
+          </a:xfrm>
+          <a:prstGeom prst="straightConnector1">
+            <a:avLst/>
+          </a:prstGeom>
+          <a:ln>
+            <a:tailEnd type="arrow"/>
+          </a:ln>
+        </p:spPr>
+        <p:style>
+          <a:lnRef idx="2">
+            <a:schemeClr val="accent2"/>
+          </a:lnRef>
+          <a:fillRef idx="0">
+            <a:schemeClr val="accent2"/>
+          </a:fillRef>
+          <a:effectRef idx="1">
+            <a:schemeClr val="accent2"/>
+          </a:effectRef>
+          <a:fontRef idx="minor">
+            <a:schemeClr val="tx1"/>
+          </a:fontRef>
+        </p:style>
+      </p:cxnSp>
+    </p:spTree>
+    <p:extLst>
+      <p:ext uri="{BB962C8B-B14F-4D97-AF65-F5344CB8AC3E}">
+        <p14:creationId xmlns:p14="http://schemas.microsoft.com/office/powerpoint/2010/main" val="2002769932"/>
+      </p:ext>
+    </p:extLst>
+  </p:cSld>
+  <p:clrMapOvr>
+    <a:masterClrMapping/>
+  </p:clrMapOvr>
+  <p:timing>
+    <p:tnLst>
+      <p:par>
+        <p:cTn id="1" dur="indefinite" restart="never" nodeType="tmRoot"/>
+      </p:par>
+    </p:tnLst>
+  </p:timing>
+</p:sld>
+</file>
+
+<file path=ppt/slides/slide25.xml><?xml version="1.0" encoding="utf-8"?>
+<p:sld xmlns:a="http://schemas.openxmlformats.org/drawingml/2006/main" xmlns:r="http://schemas.openxmlformats.org/officeDocument/2006/relationships" xmlns:p="http://schemas.openxmlformats.org/presentationml/2006/main">
+  <p:cSld>
+    <p:spTree>
+      <p:nvGrpSpPr>
+        <p:cNvPr id="1" name=""/>
+        <p:cNvGrpSpPr/>
+        <p:nvPr/>
+      </p:nvGrpSpPr>
+      <p:grpSpPr>
+        <a:xfrm>
+          <a:off x="0" y="0"/>
+          <a:ext cx="0" cy="0"/>
+          <a:chOff x="0" y="0"/>
+          <a:chExt cx="0" cy="0"/>
+        </a:xfrm>
+      </p:grpSpPr>
+      <p:sp>
+        <p:nvSpPr>
+          <p:cNvPr id="2" name="標題 1"/>
+          <p:cNvSpPr>
+            <a:spLocks noGrp="1"/>
+          </p:cNvSpPr>
+          <p:nvPr>
+            <p:ph type="title"/>
+          </p:nvPr>
+        </p:nvSpPr>
+        <p:spPr/>
+        <p:txBody>
+          <a:bodyPr>
+            <a:normAutofit/>
+          </a:bodyPr>
+          <a:lstStyle/>
+          <a:p>
+            <a:r>
+              <a:rPr lang="zh-TW" altLang="en-US" dirty="0" smtClean="0"/>
+              <a:t>簽核、結案</a:t>
+            </a:r>
+            <a:r>
+              <a:rPr lang="en-US" altLang="zh-TW" dirty="0" smtClean="0"/>
+              <a:t>-</a:t>
+            </a:r>
+            <a:r>
+              <a:rPr lang="zh-TW" altLang="en-US" dirty="0"/>
+              <a:t>結案</a:t>
+            </a:r>
+            <a:r>
+              <a:rPr lang="en-US" altLang="zh-TW" dirty="0" smtClean="0"/>
+              <a:t>(9/9)</a:t>
+            </a:r>
+            <a:endParaRPr lang="en-US" altLang="zh-TW" dirty="0"/>
+          </a:p>
+        </p:txBody>
+      </p:sp>
+      <p:sp>
+        <p:nvSpPr>
+          <p:cNvPr id="5" name="投影片編號版面配置區 4"/>
+          <p:cNvSpPr>
+            <a:spLocks noGrp="1"/>
+          </p:cNvSpPr>
+          <p:nvPr>
+            <p:ph type="sldNum" sz="quarter" idx="12"/>
+          </p:nvPr>
+        </p:nvSpPr>
+        <p:spPr/>
+        <p:txBody>
+          <a:bodyPr/>
+          <a:lstStyle/>
+          <a:p>
+            <a:fld id="{73DA0BB7-265A-403C-9275-D587AB510EDC}" type="slidenum">
+              <a:rPr lang="zh-TW" altLang="en-US" smtClean="0"/>
+              <a:pPr/>
+              <a:t>25</a:t>
+            </a:fld>
+            <a:endParaRPr lang="zh-TW" altLang="en-US" dirty="0"/>
+          </a:p>
+        </p:txBody>
+      </p:sp>
+      <p:sp>
+        <p:nvSpPr>
+          <p:cNvPr id="4" name="內容版面配置區 3"/>
+          <p:cNvSpPr>
+            <a:spLocks noGrp="1"/>
+          </p:cNvSpPr>
+          <p:nvPr>
+            <p:ph idx="1"/>
+          </p:nvPr>
+        </p:nvSpPr>
+        <p:spPr/>
+        <p:txBody>
+          <a:bodyPr/>
+          <a:lstStyle/>
+          <a:p>
+            <a:endParaRPr lang="zh-TW" altLang="en-US" dirty="0"/>
+          </a:p>
+        </p:txBody>
+      </p:sp>
+      <p:pic>
+        <p:nvPicPr>
+          <p:cNvPr id="11" name="內容版面配置區 5"/>
+          <p:cNvPicPr>
+            <a:picLocks noChangeAspect="1"/>
+          </p:cNvPicPr>
+          <p:nvPr/>
+        </p:nvPicPr>
+        <p:blipFill rotWithShape="1">
+          <a:blip r:embed="rId3">
+            <a:extLst>
+              <a:ext uri="{28A0092B-C50C-407E-A947-70E740481C1C}">
+                <a14:useLocalDpi xmlns:a14="http://schemas.microsoft.com/office/drawing/2010/main" val="0"/>
+              </a:ext>
+            </a:extLst>
+          </a:blip>
+          <a:srcRect t="16569" b="32643"/>
+          <a:stretch/>
+        </p:blipFill>
+        <p:spPr>
+          <a:xfrm>
+            <a:off x="266549" y="1891101"/>
+            <a:ext cx="8629638" cy="3816424"/>
+          </a:xfrm>
+          <a:prstGeom prst="rect">
+            <a:avLst/>
+          </a:prstGeom>
+        </p:spPr>
+      </p:pic>
+      <p:sp>
+        <p:nvSpPr>
+          <p:cNvPr id="6" name="文字方塊 12"/>
+          <p:cNvSpPr txBox="1"/>
+          <p:nvPr/>
+        </p:nvSpPr>
+        <p:spPr>
+          <a:xfrm>
+            <a:off x="3780409" y="1521769"/>
+            <a:ext cx="2160240" cy="369332"/>
+          </a:xfrm>
+          <a:prstGeom prst="rect">
+            <a:avLst/>
+          </a:prstGeom>
+        </p:spPr>
+        <p:style>
+          <a:lnRef idx="1">
+            <a:schemeClr val="accent2"/>
+          </a:lnRef>
+          <a:fillRef idx="3">
+            <a:schemeClr val="accent2"/>
+          </a:fillRef>
+          <a:effectRef idx="2">
+            <a:schemeClr val="accent2"/>
+          </a:effectRef>
+          <a:fontRef idx="minor">
+            <a:schemeClr val="lt1"/>
+          </a:fontRef>
+        </p:style>
+        <p:txBody>
+          <a:bodyPr wrap="square" rtlCol="0">
+            <a:spAutoFit/>
+          </a:bodyPr>
+          <a:lstStyle>
+            <a:defPPr>
+              <a:defRPr lang="zh-TW"/>
+            </a:defPPr>
+            <a:lvl1pPr marL="0" algn="l" defTabSz="914400" rtl="0" eaLnBrk="1" latinLnBrk="0" hangingPunct="1">
+              <a:defRPr sz="1800" kern="1200">
+                <a:solidFill>
+                  <a:schemeClr val="lt1"/>
+                </a:solidFill>
+                <a:latin typeface="+mn-lt"/>
+                <a:ea typeface="+mn-ea"/>
+                <a:cs typeface="+mn-cs"/>
+              </a:defRPr>
+            </a:lvl1pPr>
+            <a:lvl2pPr marL="457200" algn="l" defTabSz="914400" rtl="0" eaLnBrk="1" latinLnBrk="0" hangingPunct="1">
+              <a:defRPr sz="1800" kern="1200">
+                <a:solidFill>
+                  <a:schemeClr val="lt1"/>
+                </a:solidFill>
+                <a:latin typeface="+mn-lt"/>
+                <a:ea typeface="+mn-ea"/>
+                <a:cs typeface="+mn-cs"/>
+              </a:defRPr>
+            </a:lvl2pPr>
+            <a:lvl3pPr marL="914400" algn="l" defTabSz="914400" rtl="0" eaLnBrk="1" latinLnBrk="0" hangingPunct="1">
+              <a:defRPr sz="1800" kern="1200">
+                <a:solidFill>
+                  <a:schemeClr val="lt1"/>
+                </a:solidFill>
+                <a:latin typeface="+mn-lt"/>
+                <a:ea typeface="+mn-ea"/>
+                <a:cs typeface="+mn-cs"/>
+              </a:defRPr>
+            </a:lvl3pPr>
+            <a:lvl4pPr marL="1371600" algn="l" defTabSz="914400" rtl="0" eaLnBrk="1" latinLnBrk="0" hangingPunct="1">
+              <a:defRPr sz="1800" kern="1200">
+                <a:solidFill>
+                  <a:schemeClr val="lt1"/>
+                </a:solidFill>
+                <a:latin typeface="+mn-lt"/>
+                <a:ea typeface="+mn-ea"/>
+                <a:cs typeface="+mn-cs"/>
+              </a:defRPr>
+            </a:lvl4pPr>
+            <a:lvl5pPr marL="1828800" algn="l" defTabSz="914400" rtl="0" eaLnBrk="1" latinLnBrk="0" hangingPunct="1">
+              <a:defRPr sz="1800" kern="1200">
+                <a:solidFill>
+                  <a:schemeClr val="lt1"/>
+                </a:solidFill>
+                <a:latin typeface="+mn-lt"/>
+                <a:ea typeface="+mn-ea"/>
+                <a:cs typeface="+mn-cs"/>
+              </a:defRPr>
+            </a:lvl5pPr>
+            <a:lvl6pPr marL="2286000" algn="l" defTabSz="914400" rtl="0" eaLnBrk="1" latinLnBrk="0" hangingPunct="1">
+              <a:defRPr sz="1800" kern="1200">
+                <a:solidFill>
+                  <a:schemeClr val="lt1"/>
+                </a:solidFill>
+                <a:latin typeface="+mn-lt"/>
+                <a:ea typeface="+mn-ea"/>
+                <a:cs typeface="+mn-cs"/>
+              </a:defRPr>
+            </a:lvl6pPr>
+            <a:lvl7pPr marL="2743200" algn="l" defTabSz="914400" rtl="0" eaLnBrk="1" latinLnBrk="0" hangingPunct="1">
+              <a:defRPr sz="1800" kern="1200">
+                <a:solidFill>
+                  <a:schemeClr val="lt1"/>
+                </a:solidFill>
+                <a:latin typeface="+mn-lt"/>
+                <a:ea typeface="+mn-ea"/>
+                <a:cs typeface="+mn-cs"/>
+              </a:defRPr>
+            </a:lvl7pPr>
+            <a:lvl8pPr marL="3200400" algn="l" defTabSz="914400" rtl="0" eaLnBrk="1" latinLnBrk="0" hangingPunct="1">
+              <a:defRPr sz="1800" kern="1200">
+                <a:solidFill>
+                  <a:schemeClr val="lt1"/>
+                </a:solidFill>
+                <a:latin typeface="+mn-lt"/>
+                <a:ea typeface="+mn-ea"/>
+                <a:cs typeface="+mn-cs"/>
+              </a:defRPr>
+            </a:lvl8pPr>
+            <a:lvl9pPr marL="3657600" algn="l" defTabSz="914400" rtl="0" eaLnBrk="1" latinLnBrk="0" hangingPunct="1">
+              <a:defRPr sz="1800" kern="1200">
+                <a:solidFill>
+                  <a:schemeClr val="lt1"/>
+                </a:solidFill>
+                <a:latin typeface="+mn-lt"/>
+                <a:ea typeface="+mn-ea"/>
+                <a:cs typeface="+mn-cs"/>
+              </a:defRPr>
+            </a:lvl9pPr>
+          </a:lstStyle>
+          <a:p>
+            <a:r>
+              <a:rPr lang="en-US" altLang="zh-TW" dirty="0" smtClean="0"/>
+              <a:t>1. </a:t>
+            </a:r>
+            <a:r>
+              <a:rPr lang="zh-TW" altLang="en-US" dirty="0" smtClean="0"/>
               <a:t>點選</a:t>
             </a:r>
             <a:r>
@@ -12013,7 +13639,7 @@
         </p:nvCxnSpPr>
         <p:spPr>
           <a:xfrm flipH="1">
-            <a:off x="4390504" y="2502188"/>
+            <a:off x="3132337" y="1706435"/>
             <a:ext cx="648072" cy="303711"/>
           </a:xfrm>
           <a:prstGeom prst="straightConnector1">
@@ -12046,7 +13672,7 @@
         </p:nvSpPr>
         <p:spPr>
           <a:xfrm>
-            <a:off x="3963475" y="3618744"/>
+            <a:off x="3665037" y="3140968"/>
             <a:ext cx="1832661" cy="369332"/>
           </a:xfrm>
           <a:prstGeom prst="rect">
@@ -12213,7 +13839,7 @@
         </p:nvCxnSpPr>
         <p:spPr>
           <a:xfrm flipH="1">
-            <a:off x="3131841" y="3803410"/>
+            <a:off x="2833403" y="3325634"/>
             <a:ext cx="831634" cy="184666"/>
           </a:xfrm>
           <a:prstGeom prst="straightConnector1">
@@ -12246,7 +13872,7 @@
         </p:nvSpPr>
         <p:spPr>
           <a:xfrm>
-            <a:off x="4344253" y="4142353"/>
+            <a:off x="3665037" y="3799313"/>
             <a:ext cx="1388645" cy="369332"/>
           </a:xfrm>
           <a:prstGeom prst="rect">
@@ -12391,7 +14017,7 @@
         </p:nvCxnSpPr>
         <p:spPr>
           <a:xfrm flipH="1">
-            <a:off x="3512619" y="4327019"/>
+            <a:off x="2833403" y="3983979"/>
             <a:ext cx="831634" cy="184666"/>
           </a:xfrm>
           <a:prstGeom prst="straightConnector1">
@@ -12424,7 +14050,7 @@
         </p:nvSpPr>
         <p:spPr>
           <a:xfrm>
-            <a:off x="3803992" y="5733256"/>
+            <a:off x="3428593" y="5558379"/>
             <a:ext cx="2151625" cy="369332"/>
           </a:xfrm>
           <a:prstGeom prst="rect">
@@ -12587,7 +14213,7 @@
         </p:nvCxnSpPr>
         <p:spPr>
           <a:xfrm flipH="1" flipV="1">
-            <a:off x="2627784" y="5661248"/>
+            <a:off x="2252385" y="5486371"/>
             <a:ext cx="1176208" cy="256674"/>
           </a:xfrm>
           <a:prstGeom prst="straightConnector1">
@@ -12620,7 +14246,7 @@
         </p:nvSpPr>
         <p:spPr>
           <a:xfrm>
-            <a:off x="4879805" y="5066111"/>
+            <a:off x="4504406" y="4789112"/>
             <a:ext cx="2716532" cy="369332"/>
           </a:xfrm>
           <a:prstGeom prst="rect">
@@ -12783,7 +14409,7 @@
         </p:nvCxnSpPr>
         <p:spPr>
           <a:xfrm flipH="1" flipV="1">
-            <a:off x="3226149" y="5066111"/>
+            <a:off x="2850750" y="4789112"/>
             <a:ext cx="1653656" cy="184666"/>
           </a:xfrm>
           <a:prstGeom prst="straightConnector1">
@@ -13116,7 +14742,7 @@
             <p:ph idx="1"/>
           </p:nvPr>
         </p:nvPicPr>
-        <p:blipFill>
+        <p:blipFill rotWithShape="1">
           <a:blip r:embed="rId3">
             <a:extLst>
               <a:ext uri="{28A0092B-C50C-407E-A947-70E740481C1C}">
@@ -13124,14 +14750,13 @@
               </a:ext>
             </a:extLst>
           </a:blip>
-          <a:stretch>
-            <a:fillRect/>
-          </a:stretch>
+          <a:srcRect b="7010"/>
+          <a:stretch/>
         </p:blipFill>
         <p:spPr>
           <a:xfrm>
-            <a:off x="136338" y="1619012"/>
-            <a:ext cx="8859586" cy="4186252"/>
+            <a:off x="323528" y="1268760"/>
+            <a:ext cx="8553301" cy="5015847"/>
           </a:xfrm>
         </p:spPr>
       </p:pic>
@@ -13143,7 +14768,7 @@
         </p:nvSpPr>
         <p:spPr>
           <a:xfrm>
-            <a:off x="4283968" y="1855857"/>
+            <a:off x="4309946" y="1491469"/>
             <a:ext cx="1944216" cy="369332"/>
           </a:xfrm>
           <a:prstGeom prst="rect">
@@ -13172,27 +14797,7 @@
           <a:p>
             <a:r>
               <a:rPr lang="zh-TW" altLang="en-US" dirty="0"/>
-              <a:t>點選</a:t>
-            </a:r>
-            <a:r>
-              <a:rPr lang="zh-TW" altLang="en-US" dirty="0" smtClean="0">
-                <a:latin typeface="新細明體"/>
-              </a:rPr>
-              <a:t>「</a:t>
-            </a:r>
-            <a:r>
-              <a:rPr lang="zh-TW" altLang="en-US" dirty="0"/>
-              <a:t>醫</a:t>
-            </a:r>
-            <a:r>
-              <a:rPr lang="zh-TW" altLang="en-US" dirty="0" smtClean="0"/>
-              <a:t>工請修</a:t>
-            </a:r>
-            <a:r>
-              <a:rPr lang="zh-TW" altLang="en-US" dirty="0" smtClean="0">
-                <a:latin typeface="新細明體"/>
-              </a:rPr>
-              <a:t>」</a:t>
+              <a:t>需處理的案件數</a:t>
             </a:r>
             <a:endParaRPr lang="zh-TW" altLang="en-US" dirty="0"/>
           </a:p>
@@ -13206,7 +14811,7 @@
         </p:nvCxnSpPr>
         <p:spPr>
           <a:xfrm flipH="1">
-            <a:off x="3347863" y="2040523"/>
+            <a:off x="3373841" y="1676135"/>
             <a:ext cx="936104" cy="103366"/>
           </a:xfrm>
           <a:prstGeom prst="straightConnector1">
@@ -13263,7 +14868,7 @@
         </p:nvSpPr>
         <p:spPr>
           <a:xfrm>
-            <a:off x="2555775" y="1352274"/>
+            <a:off x="2581753" y="987886"/>
             <a:ext cx="1800200" cy="369332"/>
           </a:xfrm>
           <a:prstGeom prst="rect">
@@ -13291,8 +14896,24 @@
           <a:lstStyle/>
           <a:p>
             <a:r>
-              <a:rPr lang="zh-TW" altLang="en-US" dirty="0" smtClean="0"/>
-              <a:t>需處理的案件數</a:t>
+              <a:rPr lang="zh-TW" altLang="en-US" dirty="0"/>
+              <a:t>點選</a:t>
+            </a:r>
+            <a:r>
+              <a:rPr lang="zh-TW" altLang="en-US" dirty="0">
+                <a:latin typeface="新細明體"/>
+              </a:rPr>
+              <a:t>「</a:t>
+            </a:r>
+            <a:r>
+              <a:rPr lang="zh-TW" altLang="en-US" dirty="0"/>
+              <a:t>醫工請修</a:t>
+            </a:r>
+            <a:r>
+              <a:rPr lang="zh-TW" altLang="en-US" dirty="0" smtClean="0">
+                <a:latin typeface="新細明體"/>
+              </a:rPr>
+              <a:t>」</a:t>
             </a:r>
             <a:endParaRPr lang="zh-TW" altLang="en-US" dirty="0"/>
           </a:p>
@@ -13306,8 +14927,8 @@
         </p:nvCxnSpPr>
         <p:spPr>
           <a:xfrm flipH="1">
-            <a:off x="3203847" y="1721606"/>
-            <a:ext cx="312936" cy="421512"/>
+            <a:off x="3229825" y="1357218"/>
+            <a:ext cx="312936" cy="318917"/>
           </a:xfrm>
           <a:prstGeom prst="straightConnector1">
             <a:avLst/>
@@ -13339,7 +14960,7 @@
         </p:nvSpPr>
         <p:spPr>
           <a:xfrm>
-            <a:off x="7837944" y="2887921"/>
+            <a:off x="7837945" y="2577843"/>
             <a:ext cx="1176779" cy="646331"/>
           </a:xfrm>
           <a:prstGeom prst="rect">
@@ -13382,7 +15003,7 @@
         </p:nvSpPr>
         <p:spPr>
           <a:xfrm>
-            <a:off x="7504705" y="2420888"/>
+            <a:off x="7504706" y="2110810"/>
             <a:ext cx="333240" cy="1511353"/>
           </a:xfrm>
           <a:prstGeom prst="rightBrace">
@@ -13420,7 +15041,7 @@
         </p:nvSpPr>
         <p:spPr>
           <a:xfrm>
-            <a:off x="251520" y="4784178"/>
+            <a:off x="280107" y="5088864"/>
             <a:ext cx="1176779" cy="369332"/>
           </a:xfrm>
           <a:prstGeom prst="rect">
@@ -13463,7 +15084,7 @@
         </p:nvSpPr>
         <p:spPr>
           <a:xfrm rot="10800000">
-            <a:off x="1428298" y="4276442"/>
+            <a:off x="1456885" y="4581128"/>
             <a:ext cx="333241" cy="1384805"/>
           </a:xfrm>
           <a:prstGeom prst="rightBrace">
@@ -13968,8 +15589,8 @@
         </p:blipFill>
         <p:spPr>
           <a:xfrm>
-            <a:off x="2115427" y="978987"/>
-            <a:ext cx="4972231" cy="5760640"/>
+            <a:off x="1697823" y="961598"/>
+            <a:ext cx="5720685" cy="5708841"/>
           </a:xfrm>
         </p:spPr>
       </p:pic>
@@ -14005,7 +15626,7 @@
         </p:nvSpPr>
         <p:spPr>
           <a:xfrm>
-            <a:off x="7205816" y="3388349"/>
+            <a:off x="7204674" y="3676382"/>
             <a:ext cx="1991654" cy="369332"/>
           </a:xfrm>
           <a:prstGeom prst="rect">
@@ -14052,8 +15673,8 @@
         </p:nvSpPr>
         <p:spPr>
           <a:xfrm>
-            <a:off x="6460172" y="2132855"/>
-            <a:ext cx="745644" cy="2880321"/>
+            <a:off x="6460172" y="2780928"/>
+            <a:ext cx="745644" cy="2232248"/>
           </a:xfrm>
           <a:prstGeom prst="rightBrace">
             <a:avLst/>
@@ -14090,7 +15711,7 @@
         </p:nvSpPr>
         <p:spPr>
           <a:xfrm>
-            <a:off x="6460172" y="5081141"/>
+            <a:off x="6460172" y="5134846"/>
             <a:ext cx="1916675" cy="369332"/>
           </a:xfrm>
           <a:prstGeom prst="rect">
@@ -14142,7 +15763,7 @@
         </p:nvCxnSpPr>
         <p:spPr>
           <a:xfrm flipH="1">
-            <a:off x="4809270" y="5265807"/>
+            <a:off x="4809270" y="5319512"/>
             <a:ext cx="1650902" cy="107410"/>
           </a:xfrm>
           <a:prstGeom prst="straightConnector1">
@@ -14169,14 +15790,14 @@
       </p:cxnSp>
       <p:sp>
         <p:nvSpPr>
-          <p:cNvPr id="17" name="文字方塊 16"/>
+          <p:cNvPr id="21" name="文字方塊 20"/>
           <p:cNvSpPr txBox="1"/>
           <p:nvPr/>
         </p:nvSpPr>
         <p:spPr>
           <a:xfrm>
-            <a:off x="5724128" y="5618873"/>
-            <a:ext cx="2244533" cy="369332"/>
+            <a:off x="938796" y="6060766"/>
+            <a:ext cx="1991654" cy="369332"/>
           </a:xfrm>
           <a:prstGeom prst="rect">
             <a:avLst/>
@@ -14204,89 +15825,7 @@
           <a:p>
             <a:r>
               <a:rPr lang="en-US" altLang="zh-TW" dirty="0" smtClean="0"/>
-              <a:t>3. </a:t>
-            </a:r>
-            <a:r>
-              <a:rPr lang="zh-TW" altLang="en-US" dirty="0" smtClean="0"/>
-              <a:t>是否指定工程師</a:t>
-            </a:r>
-            <a:endParaRPr lang="zh-TW" altLang="en-US" dirty="0"/>
-          </a:p>
-        </p:txBody>
-      </p:sp>
-      <p:cxnSp>
-        <p:nvCxnSpPr>
-          <p:cNvPr id="18" name="直線單箭頭接點 17"/>
-          <p:cNvCxnSpPr>
-            <a:stCxn id="17" idx="1"/>
-          </p:cNvCxnSpPr>
-          <p:nvPr/>
-        </p:nvCxnSpPr>
-        <p:spPr>
-          <a:xfrm flipH="1">
-            <a:off x="4809270" y="5803539"/>
-            <a:ext cx="914858" cy="168402"/>
-          </a:xfrm>
-          <a:prstGeom prst="straightConnector1">
-            <a:avLst/>
-          </a:prstGeom>
-          <a:ln>
-            <a:tailEnd type="arrow"/>
-          </a:ln>
-        </p:spPr>
-        <p:style>
-          <a:lnRef idx="2">
-            <a:schemeClr val="accent2"/>
-          </a:lnRef>
-          <a:fillRef idx="0">
-            <a:schemeClr val="accent2"/>
-          </a:fillRef>
-          <a:effectRef idx="1">
-            <a:schemeClr val="accent2"/>
-          </a:effectRef>
-          <a:fontRef idx="minor">
-            <a:schemeClr val="tx1"/>
-          </a:fontRef>
-        </p:style>
-      </p:cxnSp>
-      <p:sp>
-        <p:nvSpPr>
-          <p:cNvPr id="21" name="文字方塊 20"/>
-          <p:cNvSpPr txBox="1"/>
-          <p:nvPr/>
-        </p:nvSpPr>
-        <p:spPr>
-          <a:xfrm>
-            <a:off x="971600" y="6169147"/>
-            <a:ext cx="1991654" cy="369332"/>
-          </a:xfrm>
-          <a:prstGeom prst="rect">
-            <a:avLst/>
-          </a:prstGeom>
-        </p:spPr>
-        <p:style>
-          <a:lnRef idx="1">
-            <a:schemeClr val="accent2"/>
-          </a:lnRef>
-          <a:fillRef idx="3">
-            <a:schemeClr val="accent2"/>
-          </a:fillRef>
-          <a:effectRef idx="2">
-            <a:schemeClr val="accent2"/>
-          </a:effectRef>
-          <a:fontRef idx="minor">
-            <a:schemeClr val="lt1"/>
-          </a:fontRef>
-        </p:style>
-        <p:txBody>
-          <a:bodyPr wrap="square" rtlCol="0">
-            <a:spAutoFit/>
-          </a:bodyPr>
-          <a:lstStyle/>
-          <a:p>
-            <a:r>
-              <a:rPr lang="en-US" altLang="zh-TW" dirty="0" smtClean="0"/>
-              <a:t>5. </a:t>
+              <a:t>4. </a:t>
             </a:r>
             <a:r>
               <a:rPr lang="zh-TW" altLang="en-US" dirty="0"/>
@@ -14305,7 +15844,7 @@
         </p:nvCxnSpPr>
         <p:spPr>
           <a:xfrm>
-            <a:off x="2963254" y="6353813"/>
+            <a:off x="2930450" y="6245432"/>
             <a:ext cx="888666" cy="76285"/>
           </a:xfrm>
           <a:prstGeom prst="straightConnector1">
@@ -14338,7 +15877,7 @@
         </p:nvSpPr>
         <p:spPr>
           <a:xfrm>
-            <a:off x="755576" y="1681643"/>
+            <a:off x="467544" y="1588150"/>
             <a:ext cx="1884493" cy="369332"/>
           </a:xfrm>
           <a:prstGeom prst="rect">
@@ -14367,7 +15906,7 @@
           <a:p>
             <a:r>
               <a:rPr lang="en-US" altLang="zh-TW" dirty="0" smtClean="0"/>
-              <a:t>4. </a:t>
+              <a:t>3. </a:t>
             </a:r>
             <a:r>
               <a:rPr lang="zh-TW" altLang="en-US" dirty="0" smtClean="0"/>
@@ -14388,7 +15927,7 @@
         </p:nvCxnSpPr>
         <p:spPr>
           <a:xfrm flipV="1">
-            <a:off x="2640069" y="1772816"/>
+            <a:off x="2352037" y="1679323"/>
             <a:ext cx="767518" cy="87068"/>
           </a:xfrm>
           <a:prstGeom prst="straightConnector1">
